--- a/202106.pptx
+++ b/202106.pptx
@@ -5,15 +5,16 @@
     <p:sldMasterId id="2147483660" r:id="rId1"/>
   </p:sldMasterIdLst>
   <p:notesMasterIdLst>
-    <p:notesMasterId r:id="rId5"/>
+    <p:notesMasterId r:id="rId6"/>
   </p:notesMasterIdLst>
   <p:handoutMasterIdLst>
-    <p:handoutMasterId r:id="rId6"/>
+    <p:handoutMasterId r:id="rId7"/>
   </p:handoutMasterIdLst>
   <p:sldIdLst>
     <p:sldId id="305" r:id="rId2"/>
     <p:sldId id="322" r:id="rId3"/>
     <p:sldId id="325" r:id="rId4"/>
+    <p:sldId id="326" r:id="rId5"/>
   </p:sldIdLst>
   <p:sldSz cx="9144000" cy="6858000" type="screen4x3"/>
   <p:notesSz cx="9998075" cy="6865938"/>
@@ -114,7 +115,7 @@
   </p:defaultTextStyle>
   <p:extLst>
     <p:ext uri="{EFAFB233-063F-42B5-8137-9DF3F51BA10A}">
-      <p15:sldGuideLst xmlns:p15="http://schemas.microsoft.com/office/powerpoint/2012/main" xmlns="">
+      <p15:sldGuideLst xmlns="" xmlns:p15="http://schemas.microsoft.com/office/powerpoint/2012/main">
         <p15:guide id="1" orient="horz" pos="2160">
           <p15:clr>
             <a:srgbClr val="A4A3A4"/>
@@ -213,7 +214,7 @@
           <a:p>
             <a:fld id="{6D961DAC-2A9E-4B14-8F88-3469F8F70446}" type="datetimeFigureOut">
               <a:rPr lang="ko-KR" altLang="en-US" smtClean="0"/>
-              <a:t>2021-05-27</a:t>
+              <a:t>2021-06-15</a:t>
             </a:fld>
             <a:endParaRPr lang="ko-KR" altLang="en-US"/>
           </a:p>
@@ -378,7 +379,7 @@
           <a:p>
             <a:fld id="{99B544E7-E92B-47BA-94F5-90E08CD13390}" type="datetimeFigureOut">
               <a:rPr lang="ko-KR" altLang="en-US" smtClean="0"/>
-              <a:t>2021-05-27</a:t>
+              <a:t>2021-06-15</a:t>
             </a:fld>
             <a:endParaRPr lang="ko-KR" altLang="en-US" dirty="0"/>
           </a:p>
@@ -814,6 +815,90 @@
 </p:notes>
 </file>
 
+<file path=ppt/notesSlides/notesSlide3.xml><?xml version="1.0" encoding="utf-8"?>
+<p:notes xmlns:a="http://schemas.openxmlformats.org/drawingml/2006/main" xmlns:r="http://schemas.openxmlformats.org/officeDocument/2006/relationships" xmlns:p="http://schemas.openxmlformats.org/presentationml/2006/main">
+  <p:cSld>
+    <p:spTree>
+      <p:nvGrpSpPr>
+        <p:cNvPr id="1" name=""/>
+        <p:cNvGrpSpPr/>
+        <p:nvPr/>
+      </p:nvGrpSpPr>
+      <p:grpSpPr>
+        <a:xfrm>
+          <a:off x="0" y="0"/>
+          <a:ext cx="0" cy="0"/>
+          <a:chOff x="0" y="0"/>
+          <a:chExt cx="0" cy="0"/>
+        </a:xfrm>
+      </p:grpSpPr>
+      <p:sp>
+        <p:nvSpPr>
+          <p:cNvPr id="2" name="슬라이드 이미지 개체 틀 1"/>
+          <p:cNvSpPr>
+            <a:spLocks noGrp="1" noRot="1" noChangeAspect="1"/>
+          </p:cNvSpPr>
+          <p:nvPr>
+            <p:ph type="sldImg"/>
+          </p:nvPr>
+        </p:nvSpPr>
+        <p:spPr/>
+      </p:sp>
+      <p:sp>
+        <p:nvSpPr>
+          <p:cNvPr id="3" name="슬라이드 노트 개체 틀 2"/>
+          <p:cNvSpPr>
+            <a:spLocks noGrp="1"/>
+          </p:cNvSpPr>
+          <p:nvPr>
+            <p:ph type="body" idx="1"/>
+          </p:nvPr>
+        </p:nvSpPr>
+        <p:spPr/>
+        <p:txBody>
+          <a:bodyPr/>
+          <a:lstStyle/>
+          <a:p>
+            <a:endParaRPr lang="ko-KR" altLang="en-US" dirty="0"/>
+          </a:p>
+        </p:txBody>
+      </p:sp>
+      <p:sp>
+        <p:nvSpPr>
+          <p:cNvPr id="4" name="슬라이드 번호 개체 틀 3"/>
+          <p:cNvSpPr>
+            <a:spLocks noGrp="1"/>
+          </p:cNvSpPr>
+          <p:nvPr>
+            <p:ph type="sldNum" sz="quarter" idx="10"/>
+          </p:nvPr>
+        </p:nvSpPr>
+        <p:spPr/>
+        <p:txBody>
+          <a:bodyPr/>
+          <a:lstStyle/>
+          <a:p>
+            <a:fld id="{767FD5D6-C196-4851-AFD2-2AF645800BC5}" type="slidenum">
+              <a:rPr lang="ko-KR" altLang="en-US" smtClean="0"/>
+              <a:t>4</a:t>
+            </a:fld>
+            <a:endParaRPr lang="ko-KR" altLang="en-US" dirty="0"/>
+          </a:p>
+        </p:txBody>
+      </p:sp>
+    </p:spTree>
+    <p:extLst>
+      <p:ext uri="{BB962C8B-B14F-4D97-AF65-F5344CB8AC3E}">
+        <p14:creationId xmlns:p14="http://schemas.microsoft.com/office/powerpoint/2010/main" val="1358932318"/>
+      </p:ext>
+    </p:extLst>
+  </p:cSld>
+  <p:clrMapOvr>
+    <a:masterClrMapping/>
+  </p:clrMapOvr>
+</p:notes>
+</file>
+
 <file path=ppt/slideLayouts/slideLayout1.xml><?xml version="1.0" encoding="utf-8"?>
 <p:sldLayout xmlns:a="http://schemas.openxmlformats.org/drawingml/2006/main" xmlns:r="http://schemas.openxmlformats.org/officeDocument/2006/relationships" xmlns:p="http://schemas.openxmlformats.org/presentationml/2006/main" type="title" preserve="1">
   <p:cSld name="제목 슬라이드">
@@ -945,7 +1030,7 @@
           <a:p>
             <a:fld id="{5F2A5EC0-1062-406B-AAB4-E55CDFAD0023}" type="datetimeFigureOut">
               <a:rPr lang="ko-KR" altLang="en-US" smtClean="0"/>
-              <a:t>2021-05-27</a:t>
+              <a:t>2021-06-15</a:t>
             </a:fld>
             <a:endParaRPr lang="ko-KR" altLang="en-US" dirty="0"/>
           </a:p>
@@ -1115,7 +1200,7 @@
           <a:p>
             <a:fld id="{5F2A5EC0-1062-406B-AAB4-E55CDFAD0023}" type="datetimeFigureOut">
               <a:rPr lang="ko-KR" altLang="en-US" smtClean="0"/>
-              <a:t>2021-05-27</a:t>
+              <a:t>2021-06-15</a:t>
             </a:fld>
             <a:endParaRPr lang="ko-KR" altLang="en-US" dirty="0"/>
           </a:p>
@@ -1295,7 +1380,7 @@
           <a:p>
             <a:fld id="{5F2A5EC0-1062-406B-AAB4-E55CDFAD0023}" type="datetimeFigureOut">
               <a:rPr lang="ko-KR" altLang="en-US" smtClean="0"/>
-              <a:t>2021-05-27</a:t>
+              <a:t>2021-06-15</a:t>
             </a:fld>
             <a:endParaRPr lang="ko-KR" altLang="en-US" dirty="0"/>
           </a:p>
@@ -1606,7 +1691,7 @@
           <a:p>
             <a:fld id="{5F2A5EC0-1062-406B-AAB4-E55CDFAD0023}" type="datetimeFigureOut">
               <a:rPr lang="ko-KR" altLang="en-US" smtClean="0"/>
-              <a:t>2021-05-27</a:t>
+              <a:t>2021-06-15</a:t>
             </a:fld>
             <a:endParaRPr lang="ko-KR" altLang="en-US" dirty="0"/>
           </a:p>
@@ -1850,7 +1935,7 @@
           <a:p>
             <a:fld id="{5F2A5EC0-1062-406B-AAB4-E55CDFAD0023}" type="datetimeFigureOut">
               <a:rPr lang="ko-KR" altLang="en-US" smtClean="0"/>
-              <a:t>2021-05-27</a:t>
+              <a:t>2021-06-15</a:t>
             </a:fld>
             <a:endParaRPr lang="ko-KR" altLang="en-US" dirty="0"/>
           </a:p>
@@ -2082,7 +2167,7 @@
           <a:p>
             <a:fld id="{5F2A5EC0-1062-406B-AAB4-E55CDFAD0023}" type="datetimeFigureOut">
               <a:rPr lang="ko-KR" altLang="en-US" smtClean="0"/>
-              <a:t>2021-05-27</a:t>
+              <a:t>2021-06-15</a:t>
             </a:fld>
             <a:endParaRPr lang="ko-KR" altLang="en-US" dirty="0"/>
           </a:p>
@@ -2449,7 +2534,7 @@
           <a:p>
             <a:fld id="{5F2A5EC0-1062-406B-AAB4-E55CDFAD0023}" type="datetimeFigureOut">
               <a:rPr lang="ko-KR" altLang="en-US" smtClean="0"/>
-              <a:t>2021-05-27</a:t>
+              <a:t>2021-06-15</a:t>
             </a:fld>
             <a:endParaRPr lang="ko-KR" altLang="en-US" dirty="0"/>
           </a:p>
@@ -2567,7 +2652,7 @@
           <a:p>
             <a:fld id="{5F2A5EC0-1062-406B-AAB4-E55CDFAD0023}" type="datetimeFigureOut">
               <a:rPr lang="ko-KR" altLang="en-US" smtClean="0"/>
-              <a:t>2021-05-27</a:t>
+              <a:t>2021-06-15</a:t>
             </a:fld>
             <a:endParaRPr lang="ko-KR" altLang="en-US" dirty="0"/>
           </a:p>
@@ -2662,7 +2747,7 @@
           <a:p>
             <a:fld id="{5F2A5EC0-1062-406B-AAB4-E55CDFAD0023}" type="datetimeFigureOut">
               <a:rPr lang="ko-KR" altLang="en-US" smtClean="0"/>
-              <a:t>2021-05-27</a:t>
+              <a:t>2021-06-15</a:t>
             </a:fld>
             <a:endParaRPr lang="ko-KR" altLang="en-US" dirty="0"/>
           </a:p>
@@ -2939,7 +3024,7 @@
           <a:p>
             <a:fld id="{5F2A5EC0-1062-406B-AAB4-E55CDFAD0023}" type="datetimeFigureOut">
               <a:rPr lang="ko-KR" altLang="en-US" smtClean="0"/>
-              <a:t>2021-05-27</a:t>
+              <a:t>2021-06-15</a:t>
             </a:fld>
             <a:endParaRPr lang="ko-KR" altLang="en-US" dirty="0"/>
           </a:p>
@@ -3196,7 +3281,7 @@
           <a:p>
             <a:fld id="{5F2A5EC0-1062-406B-AAB4-E55CDFAD0023}" type="datetimeFigureOut">
               <a:rPr lang="ko-KR" altLang="en-US" smtClean="0"/>
-              <a:t>2021-05-27</a:t>
+              <a:t>2021-06-15</a:t>
             </a:fld>
             <a:endParaRPr lang="ko-KR" altLang="en-US" dirty="0"/>
           </a:p>
@@ -3409,7 +3494,7 @@
           <a:p>
             <a:fld id="{5F2A5EC0-1062-406B-AAB4-E55CDFAD0023}" type="datetimeFigureOut">
               <a:rPr lang="ko-KR" altLang="en-US" smtClean="0"/>
-              <a:t>2021-05-27</a:t>
+              <a:t>2021-06-15</a:t>
             </a:fld>
             <a:endParaRPr lang="ko-KR" altLang="en-US" dirty="0"/>
           </a:p>
@@ -14173,6 +14258,6668 @@
 </p:sld>
 </file>
 
+<file path=ppt/slides/slide4.xml><?xml version="1.0" encoding="utf-8"?>
+<p:sld xmlns:a="http://schemas.openxmlformats.org/drawingml/2006/main" xmlns:r="http://schemas.openxmlformats.org/officeDocument/2006/relationships" xmlns:p="http://schemas.openxmlformats.org/presentationml/2006/main">
+  <p:cSld>
+    <p:spTree>
+      <p:nvGrpSpPr>
+        <p:cNvPr id="1" name=""/>
+        <p:cNvGrpSpPr/>
+        <p:nvPr/>
+      </p:nvGrpSpPr>
+      <p:grpSpPr>
+        <a:xfrm>
+          <a:off x="0" y="0"/>
+          <a:ext cx="0" cy="0"/>
+          <a:chOff x="0" y="0"/>
+          <a:chExt cx="0" cy="0"/>
+        </a:xfrm>
+      </p:grpSpPr>
+      <p:sp>
+        <p:nvSpPr>
+          <p:cNvPr id="6" name="직사각형 5"/>
+          <p:cNvSpPr/>
+          <p:nvPr/>
+        </p:nvSpPr>
+        <p:spPr bwMode="auto">
+          <a:xfrm>
+            <a:off x="289060" y="254111"/>
+            <a:ext cx="4786996" cy="364996"/>
+          </a:xfrm>
+          <a:prstGeom prst="rect">
+            <a:avLst/>
+          </a:prstGeom>
+        </p:spPr>
+        <p:txBody>
+          <a:bodyPr wrap="square" lIns="87144" tIns="43573" rIns="87144" bIns="43573">
+            <a:spAutoFit/>
+          </a:bodyPr>
+          <a:lstStyle/>
+          <a:p>
+            <a:pPr>
+              <a:defRPr/>
+            </a:pPr>
+            <a:r>
+              <a:rPr lang="en-US" altLang="ko-KR" b="1" spc="-96" dirty="0">
+                <a:ln>
+                  <a:solidFill>
+                    <a:schemeClr val="accent1">
+                      <a:alpha val="0"/>
+                    </a:schemeClr>
+                  </a:solidFill>
+                </a:ln>
+                <a:solidFill>
+                  <a:schemeClr val="tx1">
+                    <a:lumMod val="75000"/>
+                    <a:lumOff val="25000"/>
+                  </a:schemeClr>
+                </a:solidFill>
+                <a:latin typeface="+mn-ea"/>
+              </a:rPr>
+              <a:t>6</a:t>
+            </a:r>
+            <a:r>
+              <a:rPr lang="ko-KR" altLang="en-US" b="1" spc="-96" dirty="0" smtClean="0">
+                <a:ln>
+                  <a:solidFill>
+                    <a:schemeClr val="accent1">
+                      <a:alpha val="0"/>
+                    </a:schemeClr>
+                  </a:solidFill>
+                </a:ln>
+                <a:solidFill>
+                  <a:schemeClr val="tx1">
+                    <a:lumMod val="75000"/>
+                    <a:lumOff val="25000"/>
+                  </a:schemeClr>
+                </a:solidFill>
+                <a:latin typeface="+mn-ea"/>
+              </a:rPr>
+              <a:t>월 식단표 </a:t>
+            </a:r>
+            <a:r>
+              <a:rPr lang="en-US" altLang="ko-KR" b="1" spc="-96" dirty="0" smtClean="0">
+                <a:ln>
+                  <a:solidFill>
+                    <a:schemeClr val="accent1">
+                      <a:alpha val="0"/>
+                    </a:schemeClr>
+                  </a:solidFill>
+                </a:ln>
+                <a:solidFill>
+                  <a:schemeClr val="tx1">
+                    <a:lumMod val="75000"/>
+                    <a:lumOff val="25000"/>
+                  </a:schemeClr>
+                </a:solidFill>
+                <a:latin typeface="+mn-ea"/>
+              </a:rPr>
+              <a:t>- </a:t>
+            </a:r>
+            <a:r>
+              <a:rPr lang="en-US" altLang="ko-KR" b="1" spc="-96" dirty="0">
+                <a:ln>
+                  <a:solidFill>
+                    <a:schemeClr val="accent1">
+                      <a:alpha val="0"/>
+                    </a:schemeClr>
+                  </a:solidFill>
+                </a:ln>
+                <a:solidFill>
+                  <a:schemeClr val="tx1">
+                    <a:lumMod val="75000"/>
+                    <a:lumOff val="25000"/>
+                  </a:schemeClr>
+                </a:solidFill>
+                <a:latin typeface="+mn-ea"/>
+              </a:rPr>
+              <a:t>1</a:t>
+            </a:r>
+            <a:endParaRPr lang="ko-KR" altLang="en-US" b="1" spc="-96" dirty="0" smtClean="0">
+              <a:ln>
+                <a:solidFill>
+                  <a:schemeClr val="accent1">
+                    <a:alpha val="0"/>
+                  </a:schemeClr>
+                </a:solidFill>
+              </a:ln>
+              <a:solidFill>
+                <a:schemeClr val="tx1">
+                  <a:lumMod val="75000"/>
+                  <a:lumOff val="25000"/>
+                </a:schemeClr>
+              </a:solidFill>
+              <a:latin typeface="+mn-ea"/>
+            </a:endParaRPr>
+          </a:p>
+        </p:txBody>
+      </p:sp>
+      <p:graphicFrame>
+        <p:nvGraphicFramePr>
+          <p:cNvPr id="9" name="표 8"/>
+          <p:cNvGraphicFramePr>
+            <a:graphicFrameLocks noGrp="1"/>
+          </p:cNvGraphicFramePr>
+          <p:nvPr>
+            <p:extLst>
+              <p:ext uri="{D42A27DB-BD31-4B8C-83A1-F6EECF244321}">
+                <p14:modId xmlns:p14="http://schemas.microsoft.com/office/powerpoint/2010/main" val="2606542489"/>
+              </p:ext>
+            </p:extLst>
+          </p:nvPr>
+        </p:nvGraphicFramePr>
+        <p:xfrm>
+          <a:off x="133351" y="1048257"/>
+          <a:ext cx="8858248" cy="5302894"/>
+        </p:xfrm>
+        <a:graphic>
+          <a:graphicData uri="http://schemas.openxmlformats.org/drawingml/2006/table">
+            <a:tbl>
+              <a:tblPr firstRow="1" bandRow="1">
+                <a:tableStyleId>{5940675A-B579-460E-94D1-54222C63F5DA}</a:tableStyleId>
+              </a:tblPr>
+              <a:tblGrid>
+                <a:gridCol w="805296"/>
+                <a:gridCol w="1547378"/>
+                <a:gridCol w="1624700"/>
+                <a:gridCol w="1640052"/>
+                <a:gridCol w="1610590"/>
+                <a:gridCol w="1630232"/>
+              </a:tblGrid>
+              <a:tr h="360000">
+                <a:tc>
+                  <a:txBody>
+                    <a:bodyPr/>
+                    <a:lstStyle/>
+                    <a:p>
+                      <a:pPr algn="ctr" latinLnBrk="1">
+                        <a:lnSpc>
+                          <a:spcPts val="1100"/>
+                        </a:lnSpc>
+                      </a:pPr>
+                      <a:r>
+                        <a:rPr lang="en-US" altLang="ko-KR" sz="1050" b="1" dirty="0" smtClean="0">
+                          <a:solidFill>
+                            <a:schemeClr val="tx1"/>
+                          </a:solidFill>
+                          <a:latin typeface="+mn-ea"/>
+                          <a:ea typeface="+mn-ea"/>
+                        </a:rPr>
+                        <a:t>1</a:t>
+                      </a:r>
+                      <a:r>
+                        <a:rPr lang="ko-KR" altLang="en-US" sz="1050" b="1" dirty="0" smtClean="0">
+                          <a:solidFill>
+                            <a:schemeClr val="tx1"/>
+                          </a:solidFill>
+                          <a:latin typeface="+mn-ea"/>
+                          <a:ea typeface="+mn-ea"/>
+                        </a:rPr>
+                        <a:t>주차</a:t>
+                      </a:r>
+                      <a:endParaRPr lang="ko-KR" altLang="en-US" sz="1050" b="1" dirty="0">
+                        <a:solidFill>
+                          <a:schemeClr val="tx1"/>
+                        </a:solidFill>
+                        <a:latin typeface="+mn-ea"/>
+                        <a:ea typeface="+mn-ea"/>
+                      </a:endParaRPr>
+                    </a:p>
+                  </a:txBody>
+                  <a:tcPr anchor="ctr">
+                    <a:lnL w="12700" cap="flat" cmpd="sng" algn="ctr">
+                      <a:solidFill>
+                        <a:schemeClr val="tx1"/>
+                      </a:solidFill>
+                      <a:prstDash val="solid"/>
+                      <a:round/>
+                      <a:headEnd type="none" w="med" len="med"/>
+                      <a:tailEnd type="none" w="med" len="med"/>
+                    </a:lnL>
+                    <a:lnR w="12700" cap="flat" cmpd="sng" algn="ctr">
+                      <a:solidFill>
+                        <a:schemeClr val="tx1"/>
+                      </a:solidFill>
+                      <a:prstDash val="solid"/>
+                      <a:round/>
+                      <a:headEnd type="none" w="med" len="med"/>
+                      <a:tailEnd type="none" w="med" len="med"/>
+                    </a:lnR>
+                    <a:lnT w="12700" cap="flat" cmpd="sng" algn="ctr">
+                      <a:solidFill>
+                        <a:schemeClr val="tx1"/>
+                      </a:solidFill>
+                      <a:prstDash val="solid"/>
+                      <a:round/>
+                      <a:headEnd type="none" w="med" len="med"/>
+                      <a:tailEnd type="none" w="med" len="med"/>
+                    </a:lnT>
+                    <a:lnB w="12700" cap="flat" cmpd="sng" algn="ctr">
+                      <a:solidFill>
+                        <a:schemeClr val="tx1"/>
+                      </a:solidFill>
+                      <a:prstDash val="solid"/>
+                      <a:round/>
+                      <a:headEnd type="none" w="med" len="med"/>
+                      <a:tailEnd type="none" w="med" len="med"/>
+                    </a:lnB>
+                    <a:lnTlToBr w="12700" cmpd="sng">
+                      <a:noFill/>
+                      <a:prstDash val="solid"/>
+                    </a:lnTlToBr>
+                    <a:lnBlToTr w="12700" cmpd="sng">
+                      <a:noFill/>
+                      <a:prstDash val="solid"/>
+                    </a:lnBlToTr>
+                    <a:solidFill>
+                      <a:schemeClr val="accent4"/>
+                    </a:solidFill>
+                  </a:tcPr>
+                </a:tc>
+                <a:tc>
+                  <a:txBody>
+                    <a:bodyPr/>
+                    <a:lstStyle/>
+                    <a:p>
+                      <a:pPr marL="0" marR="0" indent="0" algn="ctr" defTabSz="914400" rtl="0" eaLnBrk="1" fontAlgn="auto" latinLnBrk="1" hangingPunct="1">
+                        <a:lnSpc>
+                          <a:spcPts val="1100"/>
+                        </a:lnSpc>
+                        <a:spcBef>
+                          <a:spcPts val="0"/>
+                        </a:spcBef>
+                        <a:spcAft>
+                          <a:spcPts val="0"/>
+                        </a:spcAft>
+                        <a:buClrTx/>
+                        <a:buSzTx/>
+                        <a:buFontTx/>
+                        <a:buNone/>
+                        <a:tabLst/>
+                        <a:defRPr/>
+                      </a:pPr>
+                      <a:r>
+                        <a:rPr lang="en-US" altLang="ko-KR" sz="1050" b="1" dirty="0" smtClean="0">
+                          <a:solidFill>
+                            <a:schemeClr val="tx1"/>
+                          </a:solidFill>
+                          <a:latin typeface="+mn-ea"/>
+                          <a:ea typeface="+mn-ea"/>
+                        </a:rPr>
+                        <a:t>21</a:t>
+                      </a:r>
+                      <a:r>
+                        <a:rPr lang="ko-KR" altLang="en-US" sz="1050" b="1" dirty="0" smtClean="0">
+                          <a:solidFill>
+                            <a:schemeClr val="tx1"/>
+                          </a:solidFill>
+                          <a:latin typeface="+mn-ea"/>
+                          <a:ea typeface="+mn-ea"/>
+                        </a:rPr>
+                        <a:t>일</a:t>
+                      </a:r>
+                      <a:r>
+                        <a:rPr lang="en-US" altLang="ko-KR" sz="1050" b="1" baseline="0" dirty="0" smtClean="0">
+                          <a:solidFill>
+                            <a:schemeClr val="tx1"/>
+                          </a:solidFill>
+                          <a:latin typeface="+mn-ea"/>
+                          <a:ea typeface="+mn-ea"/>
+                        </a:rPr>
+                        <a:t> (</a:t>
+                      </a:r>
+                      <a:r>
+                        <a:rPr lang="ko-KR" altLang="en-US" sz="1050" b="1" baseline="0" dirty="0" smtClean="0">
+                          <a:solidFill>
+                            <a:schemeClr val="tx1"/>
+                          </a:solidFill>
+                          <a:latin typeface="+mn-ea"/>
+                          <a:ea typeface="+mn-ea"/>
+                        </a:rPr>
+                        <a:t>월</a:t>
+                      </a:r>
+                      <a:r>
+                        <a:rPr lang="en-US" altLang="ko-KR" sz="1050" b="1" baseline="0" dirty="0" smtClean="0">
+                          <a:solidFill>
+                            <a:schemeClr val="tx1"/>
+                          </a:solidFill>
+                          <a:latin typeface="+mn-ea"/>
+                          <a:ea typeface="+mn-ea"/>
+                        </a:rPr>
+                        <a:t>)</a:t>
+                      </a:r>
+                      <a:endParaRPr lang="ko-KR" altLang="en-US" sz="1050" b="1" dirty="0" smtClean="0">
+                        <a:solidFill>
+                          <a:schemeClr val="tx1"/>
+                        </a:solidFill>
+                        <a:latin typeface="+mn-ea"/>
+                        <a:ea typeface="+mn-ea"/>
+                      </a:endParaRPr>
+                    </a:p>
+                  </a:txBody>
+                  <a:tcPr anchor="ctr">
+                    <a:lnL w="12700" cap="flat" cmpd="sng" algn="ctr">
+                      <a:solidFill>
+                        <a:schemeClr val="tx1"/>
+                      </a:solidFill>
+                      <a:prstDash val="solid"/>
+                      <a:round/>
+                      <a:headEnd type="none" w="med" len="med"/>
+                      <a:tailEnd type="none" w="med" len="med"/>
+                    </a:lnL>
+                    <a:lnR w="12700" cap="flat" cmpd="sng" algn="ctr">
+                      <a:solidFill>
+                        <a:schemeClr val="tx1"/>
+                      </a:solidFill>
+                      <a:prstDash val="solid"/>
+                      <a:round/>
+                      <a:headEnd type="none" w="med" len="med"/>
+                      <a:tailEnd type="none" w="med" len="med"/>
+                    </a:lnR>
+                    <a:lnT w="12700" cap="flat" cmpd="sng" algn="ctr">
+                      <a:solidFill>
+                        <a:schemeClr val="tx1"/>
+                      </a:solidFill>
+                      <a:prstDash val="solid"/>
+                      <a:round/>
+                      <a:headEnd type="none" w="med" len="med"/>
+                      <a:tailEnd type="none" w="med" len="med"/>
+                    </a:lnT>
+                    <a:lnB w="12700" cap="flat" cmpd="sng" algn="ctr">
+                      <a:solidFill>
+                        <a:schemeClr val="tx1"/>
+                      </a:solidFill>
+                      <a:prstDash val="solid"/>
+                      <a:round/>
+                      <a:headEnd type="none" w="med" len="med"/>
+                      <a:tailEnd type="none" w="med" len="med"/>
+                    </a:lnB>
+                    <a:lnTlToBr w="12700" cmpd="sng">
+                      <a:noFill/>
+                      <a:prstDash val="solid"/>
+                    </a:lnTlToBr>
+                    <a:lnBlToTr w="12700" cmpd="sng">
+                      <a:noFill/>
+                      <a:prstDash val="solid"/>
+                    </a:lnBlToTr>
+                    <a:solidFill>
+                      <a:schemeClr val="accent4"/>
+                    </a:solidFill>
+                  </a:tcPr>
+                </a:tc>
+                <a:tc>
+                  <a:txBody>
+                    <a:bodyPr/>
+                    <a:lstStyle/>
+                    <a:p>
+                      <a:pPr marL="0" marR="0" indent="0" algn="ctr" defTabSz="914400" rtl="0" eaLnBrk="1" fontAlgn="auto" latinLnBrk="1" hangingPunct="1">
+                        <a:lnSpc>
+                          <a:spcPts val="1100"/>
+                        </a:lnSpc>
+                        <a:spcBef>
+                          <a:spcPts val="0"/>
+                        </a:spcBef>
+                        <a:spcAft>
+                          <a:spcPts val="0"/>
+                        </a:spcAft>
+                        <a:buClrTx/>
+                        <a:buSzTx/>
+                        <a:buFontTx/>
+                        <a:buNone/>
+                        <a:tabLst/>
+                        <a:defRPr/>
+                      </a:pPr>
+                      <a:r>
+                        <a:rPr lang="en-US" altLang="ko-KR" sz="1050" b="1" dirty="0" smtClean="0">
+                          <a:solidFill>
+                            <a:schemeClr val="tx1"/>
+                          </a:solidFill>
+                          <a:latin typeface="+mn-ea"/>
+                          <a:ea typeface="+mn-ea"/>
+                        </a:rPr>
+                        <a:t>22</a:t>
+                      </a:r>
+                      <a:r>
+                        <a:rPr lang="ko-KR" altLang="en-US" sz="1050" b="1" dirty="0" smtClean="0">
+                          <a:solidFill>
+                            <a:schemeClr val="tx1"/>
+                          </a:solidFill>
+                          <a:latin typeface="+mn-ea"/>
+                          <a:ea typeface="+mn-ea"/>
+                        </a:rPr>
+                        <a:t>일 </a:t>
+                      </a:r>
+                      <a:r>
+                        <a:rPr lang="en-US" altLang="ko-KR" sz="1050" b="1" dirty="0" smtClean="0">
+                          <a:solidFill>
+                            <a:schemeClr val="tx1"/>
+                          </a:solidFill>
+                          <a:latin typeface="+mn-ea"/>
+                          <a:ea typeface="+mn-ea"/>
+                        </a:rPr>
+                        <a:t>(</a:t>
+                      </a:r>
+                      <a:r>
+                        <a:rPr lang="ko-KR" altLang="en-US" sz="1050" b="1" dirty="0" smtClean="0">
+                          <a:solidFill>
+                            <a:schemeClr val="tx1"/>
+                          </a:solidFill>
+                          <a:latin typeface="+mn-ea"/>
+                          <a:ea typeface="+mn-ea"/>
+                        </a:rPr>
+                        <a:t>화</a:t>
+                      </a:r>
+                      <a:r>
+                        <a:rPr lang="en-US" altLang="ko-KR" sz="1050" b="1" dirty="0" smtClean="0">
+                          <a:solidFill>
+                            <a:schemeClr val="tx1"/>
+                          </a:solidFill>
+                          <a:latin typeface="+mn-ea"/>
+                          <a:ea typeface="+mn-ea"/>
+                        </a:rPr>
+                        <a:t>)</a:t>
+                      </a:r>
+                      <a:endParaRPr lang="ko-KR" altLang="en-US" sz="1050" b="1" dirty="0" smtClean="0">
+                        <a:solidFill>
+                          <a:schemeClr val="tx1"/>
+                        </a:solidFill>
+                        <a:latin typeface="+mn-ea"/>
+                        <a:ea typeface="+mn-ea"/>
+                      </a:endParaRPr>
+                    </a:p>
+                  </a:txBody>
+                  <a:tcPr anchor="ctr">
+                    <a:lnL w="12700" cap="flat" cmpd="sng" algn="ctr">
+                      <a:solidFill>
+                        <a:schemeClr val="tx1"/>
+                      </a:solidFill>
+                      <a:prstDash val="solid"/>
+                      <a:round/>
+                      <a:headEnd type="none" w="med" len="med"/>
+                      <a:tailEnd type="none" w="med" len="med"/>
+                    </a:lnL>
+                    <a:lnR w="12700" cap="flat" cmpd="sng" algn="ctr">
+                      <a:solidFill>
+                        <a:schemeClr val="tx1"/>
+                      </a:solidFill>
+                      <a:prstDash val="solid"/>
+                      <a:round/>
+                      <a:headEnd type="none" w="med" len="med"/>
+                      <a:tailEnd type="none" w="med" len="med"/>
+                    </a:lnR>
+                    <a:lnT w="12700" cap="flat" cmpd="sng" algn="ctr">
+                      <a:solidFill>
+                        <a:schemeClr val="tx1"/>
+                      </a:solidFill>
+                      <a:prstDash val="solid"/>
+                      <a:round/>
+                      <a:headEnd type="none" w="med" len="med"/>
+                      <a:tailEnd type="none" w="med" len="med"/>
+                    </a:lnT>
+                    <a:lnB w="12700" cap="flat" cmpd="sng" algn="ctr">
+                      <a:solidFill>
+                        <a:schemeClr val="tx1"/>
+                      </a:solidFill>
+                      <a:prstDash val="solid"/>
+                      <a:round/>
+                      <a:headEnd type="none" w="med" len="med"/>
+                      <a:tailEnd type="none" w="med" len="med"/>
+                    </a:lnB>
+                    <a:lnTlToBr w="12700" cmpd="sng">
+                      <a:noFill/>
+                      <a:prstDash val="solid"/>
+                    </a:lnTlToBr>
+                    <a:lnBlToTr w="12700" cmpd="sng">
+                      <a:noFill/>
+                      <a:prstDash val="solid"/>
+                    </a:lnBlToTr>
+                    <a:solidFill>
+                      <a:schemeClr val="accent4"/>
+                    </a:solidFill>
+                  </a:tcPr>
+                </a:tc>
+                <a:tc>
+                  <a:txBody>
+                    <a:bodyPr/>
+                    <a:lstStyle/>
+                    <a:p>
+                      <a:pPr marL="0" marR="0" indent="0" algn="ctr" defTabSz="914400" rtl="0" eaLnBrk="1" fontAlgn="auto" latinLnBrk="1" hangingPunct="1">
+                        <a:lnSpc>
+                          <a:spcPts val="1100"/>
+                        </a:lnSpc>
+                        <a:spcBef>
+                          <a:spcPts val="0"/>
+                        </a:spcBef>
+                        <a:spcAft>
+                          <a:spcPts val="0"/>
+                        </a:spcAft>
+                        <a:buClrTx/>
+                        <a:buSzTx/>
+                        <a:buFontTx/>
+                        <a:buNone/>
+                        <a:tabLst/>
+                        <a:defRPr/>
+                      </a:pPr>
+                      <a:r>
+                        <a:rPr lang="en-US" altLang="ko-KR" sz="1050" b="1" dirty="0" smtClean="0">
+                          <a:solidFill>
+                            <a:schemeClr val="tx1"/>
+                          </a:solidFill>
+                          <a:latin typeface="+mn-ea"/>
+                          <a:ea typeface="+mn-ea"/>
+                        </a:rPr>
+                        <a:t>23</a:t>
+                      </a:r>
+                      <a:r>
+                        <a:rPr lang="ko-KR" altLang="en-US" sz="1050" b="1" dirty="0" smtClean="0">
+                          <a:solidFill>
+                            <a:schemeClr val="tx1"/>
+                          </a:solidFill>
+                          <a:latin typeface="+mn-ea"/>
+                          <a:ea typeface="+mn-ea"/>
+                        </a:rPr>
+                        <a:t>일 </a:t>
+                      </a:r>
+                      <a:r>
+                        <a:rPr lang="en-US" altLang="ko-KR" sz="1050" b="1" dirty="0" smtClean="0">
+                          <a:solidFill>
+                            <a:schemeClr val="tx1"/>
+                          </a:solidFill>
+                          <a:latin typeface="+mn-ea"/>
+                          <a:ea typeface="+mn-ea"/>
+                        </a:rPr>
+                        <a:t>(</a:t>
+                      </a:r>
+                      <a:r>
+                        <a:rPr lang="ko-KR" altLang="en-US" sz="1050" b="1" dirty="0" smtClean="0">
+                          <a:solidFill>
+                            <a:schemeClr val="tx1"/>
+                          </a:solidFill>
+                          <a:latin typeface="+mn-ea"/>
+                          <a:ea typeface="+mn-ea"/>
+                        </a:rPr>
+                        <a:t>수</a:t>
+                      </a:r>
+                      <a:r>
+                        <a:rPr lang="en-US" altLang="ko-KR" sz="1050" b="1" dirty="0" smtClean="0">
+                          <a:solidFill>
+                            <a:schemeClr val="tx1"/>
+                          </a:solidFill>
+                          <a:latin typeface="+mn-ea"/>
+                          <a:ea typeface="+mn-ea"/>
+                        </a:rPr>
+                        <a:t>)</a:t>
+                      </a:r>
+                    </a:p>
+                  </a:txBody>
+                  <a:tcPr anchor="ctr">
+                    <a:lnL w="12700" cap="flat" cmpd="sng" algn="ctr">
+                      <a:solidFill>
+                        <a:schemeClr val="tx1"/>
+                      </a:solidFill>
+                      <a:prstDash val="solid"/>
+                      <a:round/>
+                      <a:headEnd type="none" w="med" len="med"/>
+                      <a:tailEnd type="none" w="med" len="med"/>
+                    </a:lnL>
+                    <a:lnR w="12700" cap="flat" cmpd="sng" algn="ctr">
+                      <a:solidFill>
+                        <a:schemeClr val="tx1"/>
+                      </a:solidFill>
+                      <a:prstDash val="solid"/>
+                      <a:round/>
+                      <a:headEnd type="none" w="med" len="med"/>
+                      <a:tailEnd type="none" w="med" len="med"/>
+                    </a:lnR>
+                    <a:lnT w="12700" cap="flat" cmpd="sng" algn="ctr">
+                      <a:solidFill>
+                        <a:schemeClr val="tx1"/>
+                      </a:solidFill>
+                      <a:prstDash val="solid"/>
+                      <a:round/>
+                      <a:headEnd type="none" w="med" len="med"/>
+                      <a:tailEnd type="none" w="med" len="med"/>
+                    </a:lnT>
+                    <a:lnB w="12700" cap="flat" cmpd="sng" algn="ctr">
+                      <a:solidFill>
+                        <a:schemeClr val="tx1"/>
+                      </a:solidFill>
+                      <a:prstDash val="solid"/>
+                      <a:round/>
+                      <a:headEnd type="none" w="med" len="med"/>
+                      <a:tailEnd type="none" w="med" len="med"/>
+                    </a:lnB>
+                    <a:lnTlToBr w="12700" cmpd="sng">
+                      <a:noFill/>
+                      <a:prstDash val="solid"/>
+                    </a:lnTlToBr>
+                    <a:lnBlToTr w="12700" cmpd="sng">
+                      <a:noFill/>
+                      <a:prstDash val="solid"/>
+                    </a:lnBlToTr>
+                    <a:solidFill>
+                      <a:schemeClr val="accent4"/>
+                    </a:solidFill>
+                  </a:tcPr>
+                </a:tc>
+                <a:tc>
+                  <a:txBody>
+                    <a:bodyPr/>
+                    <a:lstStyle/>
+                    <a:p>
+                      <a:pPr marL="0" marR="0" indent="0" algn="ctr" defTabSz="914400" rtl="0" eaLnBrk="1" fontAlgn="auto" latinLnBrk="1" hangingPunct="1">
+                        <a:lnSpc>
+                          <a:spcPts val="1100"/>
+                        </a:lnSpc>
+                        <a:spcBef>
+                          <a:spcPts val="0"/>
+                        </a:spcBef>
+                        <a:spcAft>
+                          <a:spcPts val="0"/>
+                        </a:spcAft>
+                        <a:buClrTx/>
+                        <a:buSzTx/>
+                        <a:buFontTx/>
+                        <a:buNone/>
+                        <a:tabLst/>
+                        <a:defRPr/>
+                      </a:pPr>
+                      <a:r>
+                        <a:rPr lang="en-US" altLang="ko-KR" sz="1050" b="1" dirty="0" smtClean="0">
+                          <a:solidFill>
+                            <a:schemeClr val="tx1"/>
+                          </a:solidFill>
+                          <a:latin typeface="+mn-ea"/>
+                          <a:ea typeface="+mn-ea"/>
+                        </a:rPr>
+                        <a:t>24</a:t>
+                      </a:r>
+                      <a:r>
+                        <a:rPr lang="ko-KR" altLang="en-US" sz="1050" b="1" dirty="0" smtClean="0">
+                          <a:solidFill>
+                            <a:schemeClr val="tx1"/>
+                          </a:solidFill>
+                          <a:latin typeface="+mn-ea"/>
+                          <a:ea typeface="+mn-ea"/>
+                        </a:rPr>
+                        <a:t>일 </a:t>
+                      </a:r>
+                      <a:r>
+                        <a:rPr lang="en-US" altLang="ko-KR" sz="1050" b="1" dirty="0" smtClean="0">
+                          <a:solidFill>
+                            <a:schemeClr val="tx1"/>
+                          </a:solidFill>
+                          <a:latin typeface="+mn-ea"/>
+                          <a:ea typeface="+mn-ea"/>
+                        </a:rPr>
+                        <a:t>(</a:t>
+                      </a:r>
+                      <a:r>
+                        <a:rPr lang="ko-KR" altLang="en-US" sz="1050" b="1" dirty="0" smtClean="0">
+                          <a:solidFill>
+                            <a:schemeClr val="tx1"/>
+                          </a:solidFill>
+                          <a:latin typeface="+mn-ea"/>
+                          <a:ea typeface="+mn-ea"/>
+                        </a:rPr>
+                        <a:t>목</a:t>
+                      </a:r>
+                      <a:r>
+                        <a:rPr lang="en-US" altLang="ko-KR" sz="1050" b="1" dirty="0" smtClean="0">
+                          <a:solidFill>
+                            <a:schemeClr val="tx1"/>
+                          </a:solidFill>
+                          <a:latin typeface="+mn-ea"/>
+                          <a:ea typeface="+mn-ea"/>
+                        </a:rPr>
+                        <a:t>)</a:t>
+                      </a:r>
+                      <a:endParaRPr lang="ko-KR" altLang="en-US" sz="1050" b="1" dirty="0" smtClean="0">
+                        <a:solidFill>
+                          <a:schemeClr val="tx1"/>
+                        </a:solidFill>
+                        <a:latin typeface="+mn-ea"/>
+                        <a:ea typeface="+mn-ea"/>
+                      </a:endParaRPr>
+                    </a:p>
+                  </a:txBody>
+                  <a:tcPr anchor="ctr">
+                    <a:lnL w="12700" cap="flat" cmpd="sng" algn="ctr">
+                      <a:solidFill>
+                        <a:schemeClr val="tx1"/>
+                      </a:solidFill>
+                      <a:prstDash val="solid"/>
+                      <a:round/>
+                      <a:headEnd type="none" w="med" len="med"/>
+                      <a:tailEnd type="none" w="med" len="med"/>
+                    </a:lnL>
+                    <a:lnR w="12700" cap="flat" cmpd="sng" algn="ctr">
+                      <a:solidFill>
+                        <a:schemeClr val="tx1"/>
+                      </a:solidFill>
+                      <a:prstDash val="solid"/>
+                      <a:round/>
+                      <a:headEnd type="none" w="med" len="med"/>
+                      <a:tailEnd type="none" w="med" len="med"/>
+                    </a:lnR>
+                    <a:lnT w="12700" cap="flat" cmpd="sng" algn="ctr">
+                      <a:solidFill>
+                        <a:schemeClr val="tx1"/>
+                      </a:solidFill>
+                      <a:prstDash val="solid"/>
+                      <a:round/>
+                      <a:headEnd type="none" w="med" len="med"/>
+                      <a:tailEnd type="none" w="med" len="med"/>
+                    </a:lnT>
+                    <a:lnB w="12700" cap="flat" cmpd="sng" algn="ctr">
+                      <a:solidFill>
+                        <a:schemeClr val="tx1"/>
+                      </a:solidFill>
+                      <a:prstDash val="solid"/>
+                      <a:round/>
+                      <a:headEnd type="none" w="med" len="med"/>
+                      <a:tailEnd type="none" w="med" len="med"/>
+                    </a:lnB>
+                    <a:lnTlToBr w="12700" cmpd="sng">
+                      <a:noFill/>
+                      <a:prstDash val="solid"/>
+                    </a:lnTlToBr>
+                    <a:lnBlToTr w="12700" cmpd="sng">
+                      <a:noFill/>
+                      <a:prstDash val="solid"/>
+                    </a:lnBlToTr>
+                    <a:solidFill>
+                      <a:schemeClr val="accent4"/>
+                    </a:solidFill>
+                  </a:tcPr>
+                </a:tc>
+                <a:tc>
+                  <a:txBody>
+                    <a:bodyPr/>
+                    <a:lstStyle/>
+                    <a:p>
+                      <a:pPr marL="0" marR="0" indent="0" algn="ctr" defTabSz="914400" rtl="0" eaLnBrk="1" fontAlgn="auto" latinLnBrk="1" hangingPunct="1">
+                        <a:lnSpc>
+                          <a:spcPts val="1100"/>
+                        </a:lnSpc>
+                        <a:spcBef>
+                          <a:spcPts val="0"/>
+                        </a:spcBef>
+                        <a:spcAft>
+                          <a:spcPts val="0"/>
+                        </a:spcAft>
+                        <a:buClrTx/>
+                        <a:buSzTx/>
+                        <a:buFontTx/>
+                        <a:buNone/>
+                        <a:tabLst/>
+                        <a:defRPr/>
+                      </a:pPr>
+                      <a:r>
+                        <a:rPr lang="en-US" altLang="ko-KR" sz="1050" b="1" dirty="0" smtClean="0">
+                          <a:solidFill>
+                            <a:schemeClr val="tx1"/>
+                          </a:solidFill>
+                          <a:latin typeface="+mn-ea"/>
+                          <a:ea typeface="+mn-ea"/>
+                        </a:rPr>
+                        <a:t>25</a:t>
+                      </a:r>
+                      <a:r>
+                        <a:rPr lang="ko-KR" altLang="en-US" sz="1050" b="1" dirty="0" smtClean="0">
+                          <a:solidFill>
+                            <a:schemeClr val="tx1"/>
+                          </a:solidFill>
+                          <a:latin typeface="+mn-ea"/>
+                          <a:ea typeface="+mn-ea"/>
+                        </a:rPr>
+                        <a:t>일 </a:t>
+                      </a:r>
+                      <a:r>
+                        <a:rPr lang="en-US" altLang="ko-KR" sz="1050" b="1" dirty="0" smtClean="0">
+                          <a:solidFill>
+                            <a:schemeClr val="tx1"/>
+                          </a:solidFill>
+                          <a:latin typeface="+mn-ea"/>
+                          <a:ea typeface="+mn-ea"/>
+                        </a:rPr>
+                        <a:t>(</a:t>
+                      </a:r>
+                      <a:r>
+                        <a:rPr lang="ko-KR" altLang="en-US" sz="1050" b="1" dirty="0" smtClean="0">
+                          <a:solidFill>
+                            <a:schemeClr val="tx1"/>
+                          </a:solidFill>
+                          <a:latin typeface="+mn-ea"/>
+                          <a:ea typeface="+mn-ea"/>
+                        </a:rPr>
+                        <a:t>금</a:t>
+                      </a:r>
+                      <a:r>
+                        <a:rPr lang="en-US" altLang="ko-KR" sz="1050" b="1" dirty="0" smtClean="0">
+                          <a:solidFill>
+                            <a:schemeClr val="tx1"/>
+                          </a:solidFill>
+                          <a:latin typeface="+mn-ea"/>
+                          <a:ea typeface="+mn-ea"/>
+                        </a:rPr>
+                        <a:t>)</a:t>
+                      </a:r>
+                    </a:p>
+                  </a:txBody>
+                  <a:tcPr anchor="ctr">
+                    <a:lnL w="12700" cap="flat" cmpd="sng" algn="ctr">
+                      <a:solidFill>
+                        <a:schemeClr val="tx1"/>
+                      </a:solidFill>
+                      <a:prstDash val="solid"/>
+                      <a:round/>
+                      <a:headEnd type="none" w="med" len="med"/>
+                      <a:tailEnd type="none" w="med" len="med"/>
+                    </a:lnL>
+                    <a:lnR w="12700" cap="flat" cmpd="sng" algn="ctr">
+                      <a:solidFill>
+                        <a:schemeClr val="tx1"/>
+                      </a:solidFill>
+                      <a:prstDash val="solid"/>
+                      <a:round/>
+                      <a:headEnd type="none" w="med" len="med"/>
+                      <a:tailEnd type="none" w="med" len="med"/>
+                    </a:lnR>
+                    <a:lnT w="12700" cap="flat" cmpd="sng" algn="ctr">
+                      <a:solidFill>
+                        <a:schemeClr val="tx1"/>
+                      </a:solidFill>
+                      <a:prstDash val="solid"/>
+                      <a:round/>
+                      <a:headEnd type="none" w="med" len="med"/>
+                      <a:tailEnd type="none" w="med" len="med"/>
+                    </a:lnT>
+                    <a:lnB w="12700" cap="flat" cmpd="sng" algn="ctr">
+                      <a:solidFill>
+                        <a:schemeClr val="tx1"/>
+                      </a:solidFill>
+                      <a:prstDash val="solid"/>
+                      <a:round/>
+                      <a:headEnd type="none" w="med" len="med"/>
+                      <a:tailEnd type="none" w="med" len="med"/>
+                    </a:lnB>
+                    <a:lnTlToBr w="12700" cmpd="sng">
+                      <a:noFill/>
+                      <a:prstDash val="solid"/>
+                    </a:lnTlToBr>
+                    <a:lnBlToTr w="12700" cmpd="sng">
+                      <a:noFill/>
+                      <a:prstDash val="solid"/>
+                    </a:lnBlToTr>
+                    <a:solidFill>
+                      <a:schemeClr val="accent4"/>
+                    </a:solidFill>
+                  </a:tcPr>
+                </a:tc>
+              </a:tr>
+              <a:tr h="900000">
+                <a:tc>
+                  <a:txBody>
+                    <a:bodyPr/>
+                    <a:lstStyle/>
+                    <a:p>
+                      <a:pPr algn="ctr" latinLnBrk="1">
+                        <a:lnSpc>
+                          <a:spcPts val="1100"/>
+                        </a:lnSpc>
+                      </a:pPr>
+                      <a:r>
+                        <a:rPr lang="ko-KR" altLang="en-US" sz="1050" b="1" dirty="0" smtClean="0">
+                          <a:solidFill>
+                            <a:schemeClr val="tx1"/>
+                          </a:solidFill>
+                          <a:latin typeface="+mn-ea"/>
+                          <a:ea typeface="+mn-ea"/>
+                        </a:rPr>
+                        <a:t>소담반상</a:t>
+                      </a:r>
+                      <a:endParaRPr lang="ko-KR" altLang="en-US" sz="1050" b="1" dirty="0">
+                        <a:solidFill>
+                          <a:schemeClr val="tx1"/>
+                        </a:solidFill>
+                        <a:latin typeface="+mn-ea"/>
+                        <a:ea typeface="+mn-ea"/>
+                      </a:endParaRPr>
+                    </a:p>
+                  </a:txBody>
+                  <a:tcPr anchor="ctr">
+                    <a:lnL w="12700" cap="flat" cmpd="sng" algn="ctr">
+                      <a:solidFill>
+                        <a:schemeClr val="tx1"/>
+                      </a:solidFill>
+                      <a:prstDash val="solid"/>
+                      <a:round/>
+                      <a:headEnd type="none" w="med" len="med"/>
+                      <a:tailEnd type="none" w="med" len="med"/>
+                    </a:lnL>
+                    <a:lnR w="12700" cap="flat" cmpd="sng" algn="ctr">
+                      <a:solidFill>
+                        <a:schemeClr val="tx1"/>
+                      </a:solidFill>
+                      <a:prstDash val="solid"/>
+                      <a:round/>
+                      <a:headEnd type="none" w="med" len="med"/>
+                      <a:tailEnd type="none" w="med" len="med"/>
+                    </a:lnR>
+                    <a:lnT w="12700" cap="flat" cmpd="sng" algn="ctr">
+                      <a:solidFill>
+                        <a:schemeClr val="tx1"/>
+                      </a:solidFill>
+                      <a:prstDash val="solid"/>
+                      <a:round/>
+                      <a:headEnd type="none" w="med" len="med"/>
+                      <a:tailEnd type="none" w="med" len="med"/>
+                    </a:lnT>
+                    <a:lnB w="12700" cap="flat" cmpd="sng" algn="ctr">
+                      <a:solidFill>
+                        <a:schemeClr val="tx1"/>
+                      </a:solidFill>
+                      <a:prstDash val="solid"/>
+                      <a:round/>
+                      <a:headEnd type="none" w="med" len="med"/>
+                      <a:tailEnd type="none" w="med" len="med"/>
+                    </a:lnB>
+                    <a:lnTlToBr w="12700" cmpd="sng">
+                      <a:noFill/>
+                      <a:prstDash val="solid"/>
+                    </a:lnTlToBr>
+                    <a:lnBlToTr w="12700" cmpd="sng">
+                      <a:noFill/>
+                      <a:prstDash val="solid"/>
+                    </a:lnBlToTr>
+                    <a:solidFill>
+                      <a:schemeClr val="bg1"/>
+                    </a:solidFill>
+                  </a:tcPr>
+                </a:tc>
+                <a:tc>
+                  <a:txBody>
+                    <a:bodyPr/>
+                    <a:lstStyle/>
+                    <a:p>
+                      <a:pPr algn="ctr" latinLnBrk="1">
+                        <a:lnSpc>
+                          <a:spcPts val="1100"/>
+                        </a:lnSpc>
+                      </a:pPr>
+                      <a:r>
+                        <a:rPr lang="ko-KR" altLang="en-US" sz="1050" b="1" dirty="0" smtClean="0">
+                          <a:solidFill>
+                            <a:schemeClr val="tx1"/>
+                          </a:solidFill>
+                          <a:latin typeface="+mn-ea"/>
+                          <a:ea typeface="+mn-ea"/>
+                        </a:rPr>
+                        <a:t>해물순두부찌개</a:t>
+                      </a:r>
+                      <a:endParaRPr lang="en-US" altLang="ko-KR" sz="1050" b="1" dirty="0" smtClean="0">
+                        <a:solidFill>
+                          <a:schemeClr val="tx1"/>
+                        </a:solidFill>
+                        <a:latin typeface="+mn-ea"/>
+                        <a:ea typeface="+mn-ea"/>
+                      </a:endParaRPr>
+                    </a:p>
+                    <a:p>
+                      <a:pPr algn="ctr" latinLnBrk="1">
+                        <a:lnSpc>
+                          <a:spcPts val="1100"/>
+                        </a:lnSpc>
+                      </a:pPr>
+                      <a:r>
+                        <a:rPr lang="en-US" altLang="ko-KR" sz="1050" b="1" dirty="0" smtClean="0">
+                          <a:solidFill>
+                            <a:schemeClr val="tx1"/>
+                          </a:solidFill>
+                          <a:latin typeface="+mn-ea"/>
+                          <a:ea typeface="+mn-ea"/>
+                        </a:rPr>
+                        <a:t>(7,000)</a:t>
+                      </a:r>
+                      <a:endParaRPr lang="en-US" altLang="ko-KR" sz="1050" b="1" dirty="0" smtClean="0">
+                        <a:solidFill>
+                          <a:schemeClr val="tx1"/>
+                        </a:solidFill>
+                        <a:latin typeface="+mn-ea"/>
+                        <a:ea typeface="+mn-ea"/>
+                      </a:endParaRPr>
+                    </a:p>
+                    <a:p>
+                      <a:pPr algn="ctr" latinLnBrk="1">
+                        <a:lnSpc>
+                          <a:spcPts val="1100"/>
+                        </a:lnSpc>
+                      </a:pPr>
+                      <a:r>
+                        <a:rPr lang="ko-KR" altLang="en-US" sz="1050" b="1" dirty="0" smtClean="0">
+                          <a:solidFill>
+                            <a:schemeClr val="tx1"/>
+                          </a:solidFill>
+                          <a:latin typeface="+mn-ea"/>
+                          <a:ea typeface="+mn-ea"/>
+                        </a:rPr>
+                        <a:t>물냉면 </a:t>
+                      </a:r>
+                      <a:r>
+                        <a:rPr lang="ko-KR" altLang="en-US" sz="1050" b="1" dirty="0" smtClean="0">
+                          <a:solidFill>
+                            <a:schemeClr val="tx1"/>
+                          </a:solidFill>
+                          <a:latin typeface="+mn-ea"/>
+                          <a:ea typeface="+mn-ea"/>
+                        </a:rPr>
+                        <a:t>반상</a:t>
+                      </a:r>
+                      <a:endParaRPr lang="en-US" altLang="ko-KR" sz="1050" b="1" dirty="0" smtClean="0">
+                        <a:solidFill>
+                          <a:schemeClr val="tx1"/>
+                        </a:solidFill>
+                        <a:latin typeface="+mn-ea"/>
+                        <a:ea typeface="+mn-ea"/>
+                      </a:endParaRPr>
+                    </a:p>
+                    <a:p>
+                      <a:pPr algn="ctr" latinLnBrk="1">
+                        <a:lnSpc>
+                          <a:spcPts val="1100"/>
+                        </a:lnSpc>
+                      </a:pPr>
+                      <a:r>
+                        <a:rPr lang="en-US" altLang="ko-KR" sz="1050" b="1" dirty="0" smtClean="0">
+                          <a:solidFill>
+                            <a:schemeClr val="tx1"/>
+                          </a:solidFill>
+                          <a:latin typeface="+mn-ea"/>
+                          <a:ea typeface="+mn-ea"/>
+                        </a:rPr>
+                        <a:t>(8,500)</a:t>
+                      </a:r>
+                      <a:endParaRPr lang="en-US" altLang="ko-KR" sz="1050" b="1" dirty="0" smtClean="0">
+                        <a:solidFill>
+                          <a:schemeClr val="tx1"/>
+                        </a:solidFill>
+                        <a:latin typeface="+mn-ea"/>
+                        <a:ea typeface="+mn-ea"/>
+                      </a:endParaRPr>
+                    </a:p>
+                  </a:txBody>
+                  <a:tcPr anchor="ctr">
+                    <a:lnL w="12700" cap="flat" cmpd="sng" algn="ctr">
+                      <a:solidFill>
+                        <a:schemeClr val="tx1"/>
+                      </a:solidFill>
+                      <a:prstDash val="solid"/>
+                      <a:round/>
+                      <a:headEnd type="none" w="med" len="med"/>
+                      <a:tailEnd type="none" w="med" len="med"/>
+                    </a:lnL>
+                    <a:lnR w="12700" cap="flat" cmpd="sng" algn="ctr">
+                      <a:solidFill>
+                        <a:schemeClr val="tx1"/>
+                      </a:solidFill>
+                      <a:prstDash val="solid"/>
+                      <a:round/>
+                      <a:headEnd type="none" w="med" len="med"/>
+                      <a:tailEnd type="none" w="med" len="med"/>
+                    </a:lnR>
+                    <a:lnT w="12700" cap="flat" cmpd="sng" algn="ctr">
+                      <a:solidFill>
+                        <a:schemeClr val="tx1"/>
+                      </a:solidFill>
+                      <a:prstDash val="solid"/>
+                      <a:round/>
+                      <a:headEnd type="none" w="med" len="med"/>
+                      <a:tailEnd type="none" w="med" len="med"/>
+                    </a:lnT>
+                    <a:lnB w="12700" cap="flat" cmpd="sng" algn="ctr">
+                      <a:solidFill>
+                        <a:schemeClr val="tx1"/>
+                      </a:solidFill>
+                      <a:prstDash val="solid"/>
+                      <a:round/>
+                      <a:headEnd type="none" w="med" len="med"/>
+                      <a:tailEnd type="none" w="med" len="med"/>
+                    </a:lnB>
+                    <a:lnTlToBr w="12700" cmpd="sng">
+                      <a:noFill/>
+                      <a:prstDash val="solid"/>
+                    </a:lnTlToBr>
+                    <a:lnBlToTr w="12700" cmpd="sng">
+                      <a:noFill/>
+                      <a:prstDash val="solid"/>
+                    </a:lnBlToTr>
+                    <a:noFill/>
+                  </a:tcPr>
+                </a:tc>
+                <a:tc>
+                  <a:txBody>
+                    <a:bodyPr/>
+                    <a:lstStyle/>
+                    <a:p>
+                      <a:pPr marL="0" marR="0" indent="0" algn="ctr" defTabSz="914400" rtl="0" eaLnBrk="1" fontAlgn="auto" latinLnBrk="1" hangingPunct="1">
+                        <a:lnSpc>
+                          <a:spcPts val="1100"/>
+                        </a:lnSpc>
+                        <a:spcBef>
+                          <a:spcPts val="0"/>
+                        </a:spcBef>
+                        <a:spcAft>
+                          <a:spcPts val="0"/>
+                        </a:spcAft>
+                        <a:buClrTx/>
+                        <a:buSzTx/>
+                        <a:buFontTx/>
+                        <a:buNone/>
+                        <a:tabLst/>
+                        <a:defRPr/>
+                      </a:pPr>
+                      <a:r>
+                        <a:rPr lang="ko-KR" altLang="en-US" sz="1050" b="1" baseline="0" dirty="0" smtClean="0">
+                          <a:solidFill>
+                            <a:schemeClr val="tx1"/>
+                          </a:solidFill>
+                          <a:latin typeface="+mn-ea"/>
+                          <a:ea typeface="+mn-ea"/>
+                        </a:rPr>
+                        <a:t>돼지고기 </a:t>
+                      </a:r>
+                      <a:r>
+                        <a:rPr lang="ko-KR" altLang="en-US" sz="1050" b="1" baseline="0" dirty="0" smtClean="0">
+                          <a:solidFill>
+                            <a:schemeClr val="tx1"/>
+                          </a:solidFill>
+                          <a:latin typeface="+mn-ea"/>
+                          <a:ea typeface="+mn-ea"/>
+                        </a:rPr>
+                        <a:t>김치찌개</a:t>
+                      </a:r>
+                      <a:endParaRPr lang="en-US" altLang="ko-KR" sz="1050" b="1" baseline="0" dirty="0" smtClean="0">
+                        <a:solidFill>
+                          <a:schemeClr val="tx1"/>
+                        </a:solidFill>
+                        <a:latin typeface="+mn-ea"/>
+                        <a:ea typeface="+mn-ea"/>
+                      </a:endParaRPr>
+                    </a:p>
+                    <a:p>
+                      <a:pPr marL="0" marR="0" indent="0" algn="ctr" defTabSz="914400" rtl="0" eaLnBrk="1" fontAlgn="auto" latinLnBrk="1" hangingPunct="1">
+                        <a:lnSpc>
+                          <a:spcPts val="1100"/>
+                        </a:lnSpc>
+                        <a:spcBef>
+                          <a:spcPts val="0"/>
+                        </a:spcBef>
+                        <a:spcAft>
+                          <a:spcPts val="0"/>
+                        </a:spcAft>
+                        <a:buClrTx/>
+                        <a:buSzTx/>
+                        <a:buFontTx/>
+                        <a:buNone/>
+                        <a:tabLst/>
+                        <a:defRPr/>
+                      </a:pPr>
+                      <a:r>
+                        <a:rPr lang="en-US" altLang="ko-KR" sz="1050" b="1" baseline="0" dirty="0" smtClean="0">
+                          <a:solidFill>
+                            <a:schemeClr val="tx1"/>
+                          </a:solidFill>
+                          <a:latin typeface="+mn-ea"/>
+                          <a:ea typeface="+mn-ea"/>
+                        </a:rPr>
+                        <a:t>(7,000)</a:t>
+                      </a:r>
+                      <a:endParaRPr lang="en-US" altLang="ko-KR" sz="1050" b="1" baseline="0" dirty="0" smtClean="0">
+                        <a:solidFill>
+                          <a:schemeClr val="tx1"/>
+                        </a:solidFill>
+                        <a:latin typeface="+mn-ea"/>
+                        <a:ea typeface="+mn-ea"/>
+                      </a:endParaRPr>
+                    </a:p>
+                    <a:p>
+                      <a:pPr marL="0" marR="0" indent="0" algn="ctr" defTabSz="914400" rtl="0" eaLnBrk="1" fontAlgn="auto" latinLnBrk="1" hangingPunct="1">
+                        <a:lnSpc>
+                          <a:spcPts val="1100"/>
+                        </a:lnSpc>
+                        <a:spcBef>
+                          <a:spcPts val="0"/>
+                        </a:spcBef>
+                        <a:spcAft>
+                          <a:spcPts val="0"/>
+                        </a:spcAft>
+                        <a:buClrTx/>
+                        <a:buSzTx/>
+                        <a:buFontTx/>
+                        <a:buNone/>
+                        <a:tabLst/>
+                        <a:defRPr/>
+                      </a:pPr>
+                      <a:r>
+                        <a:rPr lang="ko-KR" altLang="en-US" sz="1050" b="1" baseline="0" dirty="0" smtClean="0">
+                          <a:solidFill>
+                            <a:schemeClr val="tx1"/>
+                          </a:solidFill>
+                          <a:latin typeface="+mn-ea"/>
+                          <a:ea typeface="+mn-ea"/>
+                        </a:rPr>
+                        <a:t>오색비빔밥</a:t>
+                      </a:r>
+                      <a:endParaRPr lang="en-US" altLang="ko-KR" sz="1050" b="1" baseline="0" dirty="0" smtClean="0">
+                        <a:solidFill>
+                          <a:schemeClr val="tx1"/>
+                        </a:solidFill>
+                        <a:latin typeface="+mn-ea"/>
+                        <a:ea typeface="+mn-ea"/>
+                      </a:endParaRPr>
+                    </a:p>
+                    <a:p>
+                      <a:pPr marL="0" marR="0" indent="0" algn="ctr" defTabSz="914400" rtl="0" eaLnBrk="1" fontAlgn="auto" latinLnBrk="1" hangingPunct="1">
+                        <a:lnSpc>
+                          <a:spcPts val="1100"/>
+                        </a:lnSpc>
+                        <a:spcBef>
+                          <a:spcPts val="0"/>
+                        </a:spcBef>
+                        <a:spcAft>
+                          <a:spcPts val="0"/>
+                        </a:spcAft>
+                        <a:buClrTx/>
+                        <a:buSzTx/>
+                        <a:buFontTx/>
+                        <a:buNone/>
+                        <a:tabLst/>
+                        <a:defRPr/>
+                      </a:pPr>
+                      <a:r>
+                        <a:rPr lang="en-US" altLang="ko-KR" sz="1050" b="1" baseline="0" dirty="0" smtClean="0">
+                          <a:solidFill>
+                            <a:schemeClr val="tx1"/>
+                          </a:solidFill>
+                          <a:latin typeface="+mn-ea"/>
+                          <a:ea typeface="+mn-ea"/>
+                        </a:rPr>
+                        <a:t>(8,000)</a:t>
+                      </a:r>
+                      <a:endParaRPr lang="en-US" altLang="ko-KR" sz="1050" b="1" baseline="0" dirty="0" smtClean="0">
+                        <a:solidFill>
+                          <a:schemeClr val="tx1"/>
+                        </a:solidFill>
+                        <a:latin typeface="+mn-ea"/>
+                        <a:ea typeface="+mn-ea"/>
+                      </a:endParaRPr>
+                    </a:p>
+                  </a:txBody>
+                  <a:tcPr anchor="ctr">
+                    <a:lnL w="12700" cap="flat" cmpd="sng" algn="ctr">
+                      <a:solidFill>
+                        <a:schemeClr val="tx1"/>
+                      </a:solidFill>
+                      <a:prstDash val="solid"/>
+                      <a:round/>
+                      <a:headEnd type="none" w="med" len="med"/>
+                      <a:tailEnd type="none" w="med" len="med"/>
+                    </a:lnL>
+                    <a:lnR w="12700" cap="flat" cmpd="sng" algn="ctr">
+                      <a:solidFill>
+                        <a:schemeClr val="tx1"/>
+                      </a:solidFill>
+                      <a:prstDash val="solid"/>
+                      <a:round/>
+                      <a:headEnd type="none" w="med" len="med"/>
+                      <a:tailEnd type="none" w="med" len="med"/>
+                    </a:lnR>
+                    <a:lnT w="12700" cap="flat" cmpd="sng" algn="ctr">
+                      <a:solidFill>
+                        <a:schemeClr val="tx1"/>
+                      </a:solidFill>
+                      <a:prstDash val="solid"/>
+                      <a:round/>
+                      <a:headEnd type="none" w="med" len="med"/>
+                      <a:tailEnd type="none" w="med" len="med"/>
+                    </a:lnT>
+                    <a:lnB w="12700" cap="flat" cmpd="sng" algn="ctr">
+                      <a:solidFill>
+                        <a:schemeClr val="tx1"/>
+                      </a:solidFill>
+                      <a:prstDash val="solid"/>
+                      <a:round/>
+                      <a:headEnd type="none" w="med" len="med"/>
+                      <a:tailEnd type="none" w="med" len="med"/>
+                    </a:lnB>
+                    <a:lnTlToBr w="12700" cmpd="sng">
+                      <a:noFill/>
+                      <a:prstDash val="solid"/>
+                    </a:lnTlToBr>
+                    <a:lnBlToTr w="12700" cmpd="sng">
+                      <a:noFill/>
+                      <a:prstDash val="solid"/>
+                    </a:lnBlToTr>
+                    <a:noFill/>
+                  </a:tcPr>
+                </a:tc>
+                <a:tc>
+                  <a:txBody>
+                    <a:bodyPr/>
+                    <a:lstStyle/>
+                    <a:p>
+                      <a:pPr algn="ctr" latinLnBrk="1">
+                        <a:lnSpc>
+                          <a:spcPts val="1100"/>
+                        </a:lnSpc>
+                      </a:pPr>
+                      <a:r>
+                        <a:rPr lang="ko-KR" altLang="en-US" sz="1050" b="1" dirty="0" err="1" smtClean="0">
+                          <a:solidFill>
+                            <a:schemeClr val="tx1"/>
+                          </a:solidFill>
+                          <a:latin typeface="+mn-ea"/>
+                          <a:ea typeface="+mn-ea"/>
+                        </a:rPr>
+                        <a:t>오리들깨탕</a:t>
+                      </a:r>
+                      <a:endParaRPr lang="en-US" altLang="ko-KR" sz="1050" b="1" dirty="0" smtClean="0">
+                        <a:solidFill>
+                          <a:schemeClr val="tx1"/>
+                        </a:solidFill>
+                        <a:latin typeface="+mn-ea"/>
+                        <a:ea typeface="+mn-ea"/>
+                      </a:endParaRPr>
+                    </a:p>
+                    <a:p>
+                      <a:pPr algn="ctr" latinLnBrk="1">
+                        <a:lnSpc>
+                          <a:spcPts val="1100"/>
+                        </a:lnSpc>
+                      </a:pPr>
+                      <a:r>
+                        <a:rPr lang="en-US" altLang="ko-KR" sz="1050" b="1" dirty="0" smtClean="0">
+                          <a:solidFill>
+                            <a:schemeClr val="tx1"/>
+                          </a:solidFill>
+                          <a:latin typeface="+mn-ea"/>
+                          <a:ea typeface="+mn-ea"/>
+                        </a:rPr>
+                        <a:t>(9,500)</a:t>
+                      </a:r>
+                      <a:endParaRPr lang="en-US" altLang="ko-KR" sz="1050" b="1" dirty="0" smtClean="0">
+                        <a:solidFill>
+                          <a:schemeClr val="tx1"/>
+                        </a:solidFill>
+                        <a:latin typeface="+mn-ea"/>
+                        <a:ea typeface="+mn-ea"/>
+                      </a:endParaRPr>
+                    </a:p>
+                    <a:p>
+                      <a:pPr algn="ctr" latinLnBrk="1">
+                        <a:lnSpc>
+                          <a:spcPts val="1100"/>
+                        </a:lnSpc>
+                      </a:pPr>
+                      <a:r>
+                        <a:rPr lang="ko-KR" altLang="en-US" sz="1050" b="1" baseline="0" dirty="0" err="1" smtClean="0">
+                          <a:solidFill>
+                            <a:schemeClr val="tx1"/>
+                          </a:solidFill>
+                          <a:latin typeface="+mn-ea"/>
+                          <a:ea typeface="+mn-ea"/>
+                        </a:rPr>
+                        <a:t>간고등어</a:t>
+                      </a:r>
+                      <a:r>
+                        <a:rPr lang="ko-KR" altLang="en-US" sz="1050" b="1" baseline="0" dirty="0" smtClean="0">
+                          <a:solidFill>
+                            <a:schemeClr val="tx1"/>
+                          </a:solidFill>
+                          <a:latin typeface="+mn-ea"/>
+                          <a:ea typeface="+mn-ea"/>
+                        </a:rPr>
+                        <a:t> </a:t>
+                      </a:r>
+                      <a:r>
+                        <a:rPr lang="ko-KR" altLang="en-US" sz="1050" b="1" baseline="0" dirty="0" smtClean="0">
+                          <a:solidFill>
+                            <a:schemeClr val="tx1"/>
+                          </a:solidFill>
+                          <a:latin typeface="+mn-ea"/>
+                          <a:ea typeface="+mn-ea"/>
+                        </a:rPr>
+                        <a:t>구이</a:t>
+                      </a:r>
+                      <a:endParaRPr lang="en-US" altLang="ko-KR" sz="1050" b="1" baseline="0" dirty="0" smtClean="0">
+                        <a:solidFill>
+                          <a:schemeClr val="tx1"/>
+                        </a:solidFill>
+                        <a:latin typeface="+mn-ea"/>
+                        <a:ea typeface="+mn-ea"/>
+                      </a:endParaRPr>
+                    </a:p>
+                    <a:p>
+                      <a:pPr algn="ctr" latinLnBrk="1">
+                        <a:lnSpc>
+                          <a:spcPts val="1100"/>
+                        </a:lnSpc>
+                      </a:pPr>
+                      <a:r>
+                        <a:rPr lang="en-US" altLang="ko-KR" sz="1050" b="1" dirty="0" smtClean="0">
+                          <a:solidFill>
+                            <a:schemeClr val="tx1"/>
+                          </a:solidFill>
+                          <a:latin typeface="+mn-ea"/>
+                          <a:ea typeface="+mn-ea"/>
+                        </a:rPr>
+                        <a:t>(9,500)</a:t>
+                      </a:r>
+                      <a:endParaRPr lang="en-US" altLang="ko-KR" sz="1050" b="1" dirty="0" smtClean="0">
+                        <a:solidFill>
+                          <a:schemeClr val="tx1"/>
+                        </a:solidFill>
+                        <a:latin typeface="+mn-ea"/>
+                        <a:ea typeface="+mn-ea"/>
+                      </a:endParaRPr>
+                    </a:p>
+                  </a:txBody>
+                  <a:tcPr anchor="ctr">
+                    <a:lnL w="12700" cap="flat" cmpd="sng" algn="ctr">
+                      <a:solidFill>
+                        <a:schemeClr val="tx1"/>
+                      </a:solidFill>
+                      <a:prstDash val="solid"/>
+                      <a:round/>
+                      <a:headEnd type="none" w="med" len="med"/>
+                      <a:tailEnd type="none" w="med" len="med"/>
+                    </a:lnL>
+                    <a:lnR w="12700" cap="flat" cmpd="sng" algn="ctr">
+                      <a:solidFill>
+                        <a:schemeClr val="tx1"/>
+                      </a:solidFill>
+                      <a:prstDash val="solid"/>
+                      <a:round/>
+                      <a:headEnd type="none" w="med" len="med"/>
+                      <a:tailEnd type="none" w="med" len="med"/>
+                    </a:lnR>
+                    <a:lnT w="12700" cap="flat" cmpd="sng" algn="ctr">
+                      <a:solidFill>
+                        <a:schemeClr val="tx1"/>
+                      </a:solidFill>
+                      <a:prstDash val="solid"/>
+                      <a:round/>
+                      <a:headEnd type="none" w="med" len="med"/>
+                      <a:tailEnd type="none" w="med" len="med"/>
+                    </a:lnT>
+                    <a:lnB w="12700" cap="flat" cmpd="sng" algn="ctr">
+                      <a:solidFill>
+                        <a:schemeClr val="tx1"/>
+                      </a:solidFill>
+                      <a:prstDash val="solid"/>
+                      <a:round/>
+                      <a:headEnd type="none" w="med" len="med"/>
+                      <a:tailEnd type="none" w="med" len="med"/>
+                    </a:lnB>
+                    <a:lnTlToBr w="12700" cmpd="sng">
+                      <a:noFill/>
+                      <a:prstDash val="solid"/>
+                    </a:lnTlToBr>
+                    <a:lnBlToTr w="12700" cmpd="sng">
+                      <a:noFill/>
+                      <a:prstDash val="solid"/>
+                    </a:lnBlToTr>
+                    <a:noFill/>
+                  </a:tcPr>
+                </a:tc>
+                <a:tc>
+                  <a:txBody>
+                    <a:bodyPr/>
+                    <a:lstStyle/>
+                    <a:p>
+                      <a:pPr algn="ctr" latinLnBrk="1">
+                        <a:lnSpc>
+                          <a:spcPts val="1100"/>
+                        </a:lnSpc>
+                      </a:pPr>
+                      <a:r>
+                        <a:rPr lang="ko-KR" altLang="en-US" sz="1050" b="1" dirty="0" smtClean="0">
+                          <a:solidFill>
+                            <a:schemeClr val="tx1"/>
+                          </a:solidFill>
+                          <a:latin typeface="+mn-ea"/>
+                          <a:ea typeface="+mn-ea"/>
+                        </a:rPr>
+                        <a:t>육개장</a:t>
+                      </a:r>
+                      <a:endParaRPr lang="en-US" altLang="ko-KR" sz="1050" b="1" dirty="0" smtClean="0">
+                        <a:solidFill>
+                          <a:schemeClr val="tx1"/>
+                        </a:solidFill>
+                        <a:latin typeface="+mn-ea"/>
+                        <a:ea typeface="+mn-ea"/>
+                      </a:endParaRPr>
+                    </a:p>
+                    <a:p>
+                      <a:pPr algn="ctr" latinLnBrk="1">
+                        <a:lnSpc>
+                          <a:spcPts val="1100"/>
+                        </a:lnSpc>
+                      </a:pPr>
+                      <a:r>
+                        <a:rPr lang="en-US" altLang="ko-KR" sz="1050" b="1" dirty="0" smtClean="0">
+                          <a:solidFill>
+                            <a:schemeClr val="tx1"/>
+                          </a:solidFill>
+                          <a:latin typeface="+mn-ea"/>
+                          <a:ea typeface="+mn-ea"/>
+                        </a:rPr>
+                        <a:t>(8,000)</a:t>
+                      </a:r>
+                      <a:endParaRPr lang="en-US" altLang="ko-KR" sz="1050" b="1" dirty="0" smtClean="0">
+                        <a:solidFill>
+                          <a:schemeClr val="tx1"/>
+                        </a:solidFill>
+                        <a:latin typeface="+mn-ea"/>
+                        <a:ea typeface="+mn-ea"/>
+                      </a:endParaRPr>
+                    </a:p>
+                    <a:p>
+                      <a:pPr algn="ctr" latinLnBrk="1">
+                        <a:lnSpc>
+                          <a:spcPts val="1100"/>
+                        </a:lnSpc>
+                      </a:pPr>
+                      <a:r>
+                        <a:rPr lang="ko-KR" altLang="en-US" sz="1050" b="1" dirty="0" smtClean="0">
+                          <a:solidFill>
+                            <a:schemeClr val="tx1"/>
+                          </a:solidFill>
+                          <a:latin typeface="+mn-ea"/>
+                          <a:ea typeface="+mn-ea"/>
+                        </a:rPr>
+                        <a:t>불고기덮밥</a:t>
+                      </a:r>
+                      <a:endParaRPr lang="en-US" altLang="ko-KR" sz="1050" b="1" dirty="0" smtClean="0">
+                        <a:solidFill>
+                          <a:schemeClr val="tx1"/>
+                        </a:solidFill>
+                        <a:latin typeface="+mn-ea"/>
+                        <a:ea typeface="+mn-ea"/>
+                      </a:endParaRPr>
+                    </a:p>
+                    <a:p>
+                      <a:pPr algn="ctr" latinLnBrk="1">
+                        <a:lnSpc>
+                          <a:spcPts val="1100"/>
+                        </a:lnSpc>
+                      </a:pPr>
+                      <a:r>
+                        <a:rPr lang="en-US" altLang="ko-KR" sz="1050" b="1" dirty="0" smtClean="0">
+                          <a:solidFill>
+                            <a:schemeClr val="tx1"/>
+                          </a:solidFill>
+                          <a:latin typeface="+mn-ea"/>
+                          <a:ea typeface="+mn-ea"/>
+                        </a:rPr>
+                        <a:t>(7,000)</a:t>
+                      </a:r>
+                      <a:endParaRPr lang="en-US" altLang="ko-KR" sz="1050" b="1" dirty="0" smtClean="0">
+                        <a:solidFill>
+                          <a:schemeClr val="tx1"/>
+                        </a:solidFill>
+                        <a:latin typeface="+mn-ea"/>
+                        <a:ea typeface="+mn-ea"/>
+                      </a:endParaRPr>
+                    </a:p>
+                  </a:txBody>
+                  <a:tcPr anchor="ctr">
+                    <a:lnL w="12700" cap="flat" cmpd="sng" algn="ctr">
+                      <a:solidFill>
+                        <a:schemeClr val="tx1"/>
+                      </a:solidFill>
+                      <a:prstDash val="solid"/>
+                      <a:round/>
+                      <a:headEnd type="none" w="med" len="med"/>
+                      <a:tailEnd type="none" w="med" len="med"/>
+                    </a:lnL>
+                    <a:lnR w="12700" cap="flat" cmpd="sng" algn="ctr">
+                      <a:solidFill>
+                        <a:schemeClr val="tx1"/>
+                      </a:solidFill>
+                      <a:prstDash val="solid"/>
+                      <a:round/>
+                      <a:headEnd type="none" w="med" len="med"/>
+                      <a:tailEnd type="none" w="med" len="med"/>
+                    </a:lnR>
+                    <a:lnT w="12700" cap="flat" cmpd="sng" algn="ctr">
+                      <a:solidFill>
+                        <a:schemeClr val="tx1"/>
+                      </a:solidFill>
+                      <a:prstDash val="solid"/>
+                      <a:round/>
+                      <a:headEnd type="none" w="med" len="med"/>
+                      <a:tailEnd type="none" w="med" len="med"/>
+                    </a:lnT>
+                    <a:lnB w="12700" cap="flat" cmpd="sng" algn="ctr">
+                      <a:solidFill>
+                        <a:schemeClr val="tx1"/>
+                      </a:solidFill>
+                      <a:prstDash val="solid"/>
+                      <a:round/>
+                      <a:headEnd type="none" w="med" len="med"/>
+                      <a:tailEnd type="none" w="med" len="med"/>
+                    </a:lnB>
+                    <a:lnTlToBr w="12700" cmpd="sng">
+                      <a:noFill/>
+                      <a:prstDash val="solid"/>
+                    </a:lnTlToBr>
+                    <a:lnBlToTr w="12700" cmpd="sng">
+                      <a:noFill/>
+                      <a:prstDash val="solid"/>
+                    </a:lnBlToTr>
+                    <a:solidFill>
+                      <a:schemeClr val="bg1"/>
+                    </a:solidFill>
+                  </a:tcPr>
+                </a:tc>
+                <a:tc>
+                  <a:txBody>
+                    <a:bodyPr/>
+                    <a:lstStyle/>
+                    <a:p>
+                      <a:pPr algn="ctr" latinLnBrk="1">
+                        <a:lnSpc>
+                          <a:spcPts val="1100"/>
+                        </a:lnSpc>
+                      </a:pPr>
+                      <a:r>
+                        <a:rPr lang="ko-KR" altLang="en-US" sz="1050" b="1" dirty="0" smtClean="0">
+                          <a:solidFill>
+                            <a:schemeClr val="tx1"/>
+                          </a:solidFill>
+                          <a:latin typeface="+mn-ea"/>
+                          <a:ea typeface="+mn-ea"/>
+                        </a:rPr>
+                        <a:t>낙지 볶음 덮밥</a:t>
+                      </a:r>
+                      <a:endParaRPr lang="en-US" altLang="ko-KR" sz="1050" b="1" dirty="0" smtClean="0">
+                        <a:solidFill>
+                          <a:schemeClr val="tx1"/>
+                        </a:solidFill>
+                        <a:latin typeface="+mn-ea"/>
+                        <a:ea typeface="+mn-ea"/>
+                      </a:endParaRPr>
+                    </a:p>
+                    <a:p>
+                      <a:pPr algn="ctr" latinLnBrk="1">
+                        <a:lnSpc>
+                          <a:spcPts val="1100"/>
+                        </a:lnSpc>
+                      </a:pPr>
+                      <a:r>
+                        <a:rPr lang="en-US" altLang="ko-KR" sz="1050" b="1" dirty="0" smtClean="0">
+                          <a:solidFill>
+                            <a:schemeClr val="tx1"/>
+                          </a:solidFill>
+                          <a:latin typeface="+mn-ea"/>
+                          <a:ea typeface="+mn-ea"/>
+                        </a:rPr>
+                        <a:t>(8,000)</a:t>
+                      </a:r>
+                    </a:p>
+                    <a:p>
+                      <a:pPr algn="ctr" latinLnBrk="1">
+                        <a:lnSpc>
+                          <a:spcPts val="1100"/>
+                        </a:lnSpc>
+                      </a:pPr>
+                      <a:r>
+                        <a:rPr lang="ko-KR" altLang="en-US" sz="1050" b="1" dirty="0" smtClean="0">
+                          <a:solidFill>
+                            <a:schemeClr val="tx1"/>
+                          </a:solidFill>
+                          <a:latin typeface="+mn-ea"/>
+                          <a:ea typeface="+mn-ea"/>
+                        </a:rPr>
+                        <a:t>비빔냉면 반상</a:t>
+                      </a:r>
+                      <a:endParaRPr lang="en-US" altLang="ko-KR" sz="1050" b="1" dirty="0" smtClean="0">
+                        <a:solidFill>
+                          <a:schemeClr val="tx1"/>
+                        </a:solidFill>
+                        <a:latin typeface="+mn-ea"/>
+                        <a:ea typeface="+mn-ea"/>
+                      </a:endParaRPr>
+                    </a:p>
+                    <a:p>
+                      <a:pPr algn="ctr" latinLnBrk="1">
+                        <a:lnSpc>
+                          <a:spcPts val="1100"/>
+                        </a:lnSpc>
+                      </a:pPr>
+                      <a:r>
+                        <a:rPr lang="en-US" altLang="ko-KR" sz="1050" b="1" dirty="0" smtClean="0">
+                          <a:solidFill>
+                            <a:schemeClr val="tx1"/>
+                          </a:solidFill>
+                          <a:latin typeface="+mn-ea"/>
+                          <a:ea typeface="+mn-ea"/>
+                        </a:rPr>
+                        <a:t>(8,500)</a:t>
+                      </a:r>
+                      <a:endParaRPr lang="en-US" altLang="ko-KR" sz="1050" b="1" dirty="0" smtClean="0">
+                        <a:solidFill>
+                          <a:schemeClr val="tx1"/>
+                        </a:solidFill>
+                        <a:latin typeface="+mn-ea"/>
+                        <a:ea typeface="+mn-ea"/>
+                      </a:endParaRPr>
+                    </a:p>
+                  </a:txBody>
+                  <a:tcPr anchor="ctr">
+                    <a:lnL w="12700" cap="flat" cmpd="sng" algn="ctr">
+                      <a:solidFill>
+                        <a:schemeClr val="tx1"/>
+                      </a:solidFill>
+                      <a:prstDash val="solid"/>
+                      <a:round/>
+                      <a:headEnd type="none" w="med" len="med"/>
+                      <a:tailEnd type="none" w="med" len="med"/>
+                    </a:lnL>
+                    <a:lnR w="12700" cap="flat" cmpd="sng" algn="ctr">
+                      <a:solidFill>
+                        <a:schemeClr val="tx1"/>
+                      </a:solidFill>
+                      <a:prstDash val="solid"/>
+                      <a:round/>
+                      <a:headEnd type="none" w="med" len="med"/>
+                      <a:tailEnd type="none" w="med" len="med"/>
+                    </a:lnR>
+                    <a:lnT w="12700" cap="flat" cmpd="sng" algn="ctr">
+                      <a:solidFill>
+                        <a:schemeClr val="tx1"/>
+                      </a:solidFill>
+                      <a:prstDash val="solid"/>
+                      <a:round/>
+                      <a:headEnd type="none" w="med" len="med"/>
+                      <a:tailEnd type="none" w="med" len="med"/>
+                    </a:lnT>
+                    <a:lnB w="12700" cap="flat" cmpd="sng" algn="ctr">
+                      <a:solidFill>
+                        <a:schemeClr val="tx1"/>
+                      </a:solidFill>
+                      <a:prstDash val="solid"/>
+                      <a:round/>
+                      <a:headEnd type="none" w="med" len="med"/>
+                      <a:tailEnd type="none" w="med" len="med"/>
+                    </a:lnB>
+                    <a:lnTlToBr w="12700" cmpd="sng">
+                      <a:noFill/>
+                      <a:prstDash val="solid"/>
+                    </a:lnTlToBr>
+                    <a:lnBlToTr w="12700" cmpd="sng">
+                      <a:noFill/>
+                      <a:prstDash val="solid"/>
+                    </a:lnBlToTr>
+                    <a:noFill/>
+                  </a:tcPr>
+                </a:tc>
+              </a:tr>
+              <a:tr h="442894">
+                <a:tc>
+                  <a:txBody>
+                    <a:bodyPr/>
+                    <a:lstStyle/>
+                    <a:p>
+                      <a:pPr algn="ctr" latinLnBrk="1">
+                        <a:lnSpc>
+                          <a:spcPts val="1100"/>
+                        </a:lnSpc>
+                      </a:pPr>
+                      <a:r>
+                        <a:rPr lang="ko-KR" altLang="en-US" sz="1050" b="1" dirty="0" err="1" smtClean="0">
+                          <a:solidFill>
+                            <a:schemeClr val="tx1"/>
+                          </a:solidFill>
+                          <a:latin typeface="+mn-ea"/>
+                          <a:ea typeface="+mn-ea"/>
+                        </a:rPr>
+                        <a:t>호호카츠</a:t>
+                      </a:r>
+                      <a:endParaRPr lang="en-US" altLang="ko-KR" sz="1050" b="1" dirty="0" smtClean="0">
+                        <a:solidFill>
+                          <a:schemeClr val="tx1"/>
+                        </a:solidFill>
+                        <a:latin typeface="+mn-ea"/>
+                        <a:ea typeface="+mn-ea"/>
+                      </a:endParaRPr>
+                    </a:p>
+                  </a:txBody>
+                  <a:tcPr anchor="ctr">
+                    <a:lnL w="12700" cap="flat" cmpd="sng" algn="ctr">
+                      <a:solidFill>
+                        <a:schemeClr val="tx1"/>
+                      </a:solidFill>
+                      <a:prstDash val="solid"/>
+                      <a:round/>
+                      <a:headEnd type="none" w="med" len="med"/>
+                      <a:tailEnd type="none" w="med" len="med"/>
+                    </a:lnL>
+                    <a:lnR w="12700" cap="flat" cmpd="sng" algn="ctr">
+                      <a:solidFill>
+                        <a:schemeClr val="tx1"/>
+                      </a:solidFill>
+                      <a:prstDash val="solid"/>
+                      <a:round/>
+                      <a:headEnd type="none" w="med" len="med"/>
+                      <a:tailEnd type="none" w="med" len="med"/>
+                    </a:lnR>
+                    <a:lnT w="12700" cap="flat" cmpd="sng" algn="ctr">
+                      <a:solidFill>
+                        <a:schemeClr val="tx1"/>
+                      </a:solidFill>
+                      <a:prstDash val="solid"/>
+                      <a:round/>
+                      <a:headEnd type="none" w="med" len="med"/>
+                      <a:tailEnd type="none" w="med" len="med"/>
+                    </a:lnT>
+                    <a:lnB w="12700" cap="flat" cmpd="sng" algn="ctr">
+                      <a:solidFill>
+                        <a:schemeClr val="tx1"/>
+                      </a:solidFill>
+                      <a:prstDash val="solid"/>
+                      <a:round/>
+                      <a:headEnd type="none" w="med" len="med"/>
+                      <a:tailEnd type="none" w="med" len="med"/>
+                    </a:lnB>
+                    <a:lnTlToBr w="12700" cmpd="sng">
+                      <a:noFill/>
+                      <a:prstDash val="solid"/>
+                    </a:lnTlToBr>
+                    <a:lnBlToTr w="12700" cmpd="sng">
+                      <a:noFill/>
+                      <a:prstDash val="solid"/>
+                    </a:lnBlToTr>
+                    <a:solidFill>
+                      <a:schemeClr val="bg1"/>
+                    </a:solidFill>
+                  </a:tcPr>
+                </a:tc>
+                <a:tc>
+                  <a:txBody>
+                    <a:bodyPr/>
+                    <a:lstStyle/>
+                    <a:p>
+                      <a:pPr algn="ctr" latinLnBrk="1">
+                        <a:lnSpc>
+                          <a:spcPts val="1100"/>
+                        </a:lnSpc>
+                      </a:pPr>
+                      <a:r>
+                        <a:rPr lang="ko-KR" altLang="en-US" sz="1050" b="1" dirty="0" smtClean="0">
+                          <a:solidFill>
+                            <a:schemeClr val="tx1"/>
+                          </a:solidFill>
+                          <a:latin typeface="+mn-ea"/>
+                          <a:ea typeface="+mn-ea"/>
+                        </a:rPr>
+                        <a:t>짜장 </a:t>
+                      </a:r>
+                      <a:r>
+                        <a:rPr lang="ko-KR" altLang="en-US" sz="1050" b="1" dirty="0" smtClean="0">
+                          <a:solidFill>
+                            <a:schemeClr val="tx1"/>
+                          </a:solidFill>
+                          <a:latin typeface="+mn-ea"/>
+                          <a:ea typeface="+mn-ea"/>
+                        </a:rPr>
+                        <a:t>볶음밥</a:t>
+                      </a:r>
+                      <a:endParaRPr lang="en-US" altLang="ko-KR" sz="1050" b="1" dirty="0" smtClean="0">
+                        <a:solidFill>
+                          <a:schemeClr val="tx1"/>
+                        </a:solidFill>
+                        <a:latin typeface="+mn-ea"/>
+                        <a:ea typeface="+mn-ea"/>
+                      </a:endParaRPr>
+                    </a:p>
+                    <a:p>
+                      <a:pPr algn="ctr" latinLnBrk="1">
+                        <a:lnSpc>
+                          <a:spcPts val="1100"/>
+                        </a:lnSpc>
+                      </a:pPr>
+                      <a:r>
+                        <a:rPr lang="en-US" altLang="ko-KR" sz="1050" b="1" dirty="0" smtClean="0">
+                          <a:solidFill>
+                            <a:schemeClr val="tx1"/>
+                          </a:solidFill>
+                          <a:latin typeface="+mn-ea"/>
+                          <a:ea typeface="+mn-ea"/>
+                        </a:rPr>
+                        <a:t>(7,000)</a:t>
+                      </a:r>
+                      <a:endParaRPr lang="ko-KR" altLang="en-US" sz="1050" b="1" dirty="0" smtClean="0">
+                        <a:solidFill>
+                          <a:schemeClr val="tx1"/>
+                        </a:solidFill>
+                        <a:latin typeface="+mn-ea"/>
+                        <a:ea typeface="+mn-ea"/>
+                      </a:endParaRPr>
+                    </a:p>
+                  </a:txBody>
+                  <a:tcPr anchor="ctr">
+                    <a:lnL w="12700" cap="flat" cmpd="sng" algn="ctr">
+                      <a:solidFill>
+                        <a:schemeClr val="tx1"/>
+                      </a:solidFill>
+                      <a:prstDash val="solid"/>
+                      <a:round/>
+                      <a:headEnd type="none" w="med" len="med"/>
+                      <a:tailEnd type="none" w="med" len="med"/>
+                    </a:lnL>
+                    <a:lnR w="12700" cap="flat" cmpd="sng" algn="ctr">
+                      <a:solidFill>
+                        <a:schemeClr val="tx1"/>
+                      </a:solidFill>
+                      <a:prstDash val="solid"/>
+                      <a:round/>
+                      <a:headEnd type="none" w="med" len="med"/>
+                      <a:tailEnd type="none" w="med" len="med"/>
+                    </a:lnR>
+                    <a:lnT w="12700" cap="flat" cmpd="sng" algn="ctr">
+                      <a:solidFill>
+                        <a:schemeClr val="tx1"/>
+                      </a:solidFill>
+                      <a:prstDash val="solid"/>
+                      <a:round/>
+                      <a:headEnd type="none" w="med" len="med"/>
+                      <a:tailEnd type="none" w="med" len="med"/>
+                    </a:lnT>
+                    <a:lnB w="12700" cap="flat" cmpd="sng" algn="ctr">
+                      <a:solidFill>
+                        <a:schemeClr val="tx1"/>
+                      </a:solidFill>
+                      <a:prstDash val="solid"/>
+                      <a:round/>
+                      <a:headEnd type="none" w="med" len="med"/>
+                      <a:tailEnd type="none" w="med" len="med"/>
+                    </a:lnB>
+                    <a:lnTlToBr w="12700" cmpd="sng">
+                      <a:noFill/>
+                      <a:prstDash val="solid"/>
+                    </a:lnTlToBr>
+                    <a:lnBlToTr w="12700" cmpd="sng">
+                      <a:noFill/>
+                      <a:prstDash val="solid"/>
+                    </a:lnBlToTr>
+                    <a:noFill/>
+                  </a:tcPr>
+                </a:tc>
+                <a:tc>
+                  <a:txBody>
+                    <a:bodyPr/>
+                    <a:lstStyle/>
+                    <a:p>
+                      <a:pPr marL="0" marR="0" indent="0" algn="ctr" defTabSz="914400" rtl="0" eaLnBrk="1" fontAlgn="auto" latinLnBrk="1" hangingPunct="1">
+                        <a:lnSpc>
+                          <a:spcPts val="1100"/>
+                        </a:lnSpc>
+                        <a:spcBef>
+                          <a:spcPts val="0"/>
+                        </a:spcBef>
+                        <a:spcAft>
+                          <a:spcPts val="0"/>
+                        </a:spcAft>
+                        <a:buClrTx/>
+                        <a:buSzTx/>
+                        <a:buFontTx/>
+                        <a:buNone/>
+                        <a:tabLst/>
+                        <a:defRPr/>
+                      </a:pPr>
+                      <a:r>
+                        <a:rPr lang="ko-KR" altLang="en-US" sz="1050" b="1" dirty="0" err="1" smtClean="0">
+                          <a:solidFill>
+                            <a:schemeClr val="tx1"/>
+                          </a:solidFill>
+                          <a:latin typeface="+mn-ea"/>
+                          <a:ea typeface="+mn-ea"/>
+                        </a:rPr>
+                        <a:t>카츠카레동</a:t>
+                      </a:r>
+                      <a:endParaRPr lang="en-US" altLang="ko-KR" sz="1050" b="1" dirty="0" smtClean="0">
+                        <a:solidFill>
+                          <a:schemeClr val="tx1"/>
+                        </a:solidFill>
+                        <a:latin typeface="+mn-ea"/>
+                        <a:ea typeface="+mn-ea"/>
+                      </a:endParaRPr>
+                    </a:p>
+                    <a:p>
+                      <a:pPr marL="0" marR="0" indent="0" algn="ctr" defTabSz="914400" rtl="0" eaLnBrk="1" fontAlgn="auto" latinLnBrk="1" hangingPunct="1">
+                        <a:lnSpc>
+                          <a:spcPts val="1100"/>
+                        </a:lnSpc>
+                        <a:spcBef>
+                          <a:spcPts val="0"/>
+                        </a:spcBef>
+                        <a:spcAft>
+                          <a:spcPts val="0"/>
+                        </a:spcAft>
+                        <a:buClrTx/>
+                        <a:buSzTx/>
+                        <a:buFontTx/>
+                        <a:buNone/>
+                        <a:tabLst/>
+                        <a:defRPr/>
+                      </a:pPr>
+                      <a:r>
+                        <a:rPr lang="en-US" altLang="ko-KR" sz="1050" b="1" dirty="0" smtClean="0">
+                          <a:solidFill>
+                            <a:schemeClr val="tx1"/>
+                          </a:solidFill>
+                          <a:latin typeface="+mn-ea"/>
+                          <a:ea typeface="+mn-ea"/>
+                        </a:rPr>
+                        <a:t>(8,000)</a:t>
+                      </a:r>
+                      <a:endParaRPr lang="ko-KR" altLang="en-US" sz="1050" b="1" dirty="0" smtClean="0">
+                        <a:solidFill>
+                          <a:schemeClr val="tx1"/>
+                        </a:solidFill>
+                        <a:latin typeface="+mn-ea"/>
+                        <a:ea typeface="+mn-ea"/>
+                      </a:endParaRPr>
+                    </a:p>
+                  </a:txBody>
+                  <a:tcPr anchor="ctr">
+                    <a:lnL w="12700" cap="flat" cmpd="sng" algn="ctr">
+                      <a:solidFill>
+                        <a:schemeClr val="tx1"/>
+                      </a:solidFill>
+                      <a:prstDash val="solid"/>
+                      <a:round/>
+                      <a:headEnd type="none" w="med" len="med"/>
+                      <a:tailEnd type="none" w="med" len="med"/>
+                    </a:lnL>
+                    <a:lnR w="12700" cap="flat" cmpd="sng" algn="ctr">
+                      <a:solidFill>
+                        <a:schemeClr val="tx1"/>
+                      </a:solidFill>
+                      <a:prstDash val="solid"/>
+                      <a:round/>
+                      <a:headEnd type="none" w="med" len="med"/>
+                      <a:tailEnd type="none" w="med" len="med"/>
+                    </a:lnR>
+                    <a:lnT w="12700" cap="flat" cmpd="sng" algn="ctr">
+                      <a:solidFill>
+                        <a:schemeClr val="tx1"/>
+                      </a:solidFill>
+                      <a:prstDash val="solid"/>
+                      <a:round/>
+                      <a:headEnd type="none" w="med" len="med"/>
+                      <a:tailEnd type="none" w="med" len="med"/>
+                    </a:lnT>
+                    <a:lnB w="12700" cap="flat" cmpd="sng" algn="ctr">
+                      <a:solidFill>
+                        <a:schemeClr val="tx1"/>
+                      </a:solidFill>
+                      <a:prstDash val="solid"/>
+                      <a:round/>
+                      <a:headEnd type="none" w="med" len="med"/>
+                      <a:tailEnd type="none" w="med" len="med"/>
+                    </a:lnB>
+                    <a:lnTlToBr w="12700" cmpd="sng">
+                      <a:noFill/>
+                      <a:prstDash val="solid"/>
+                    </a:lnTlToBr>
+                    <a:lnBlToTr w="12700" cmpd="sng">
+                      <a:noFill/>
+                      <a:prstDash val="solid"/>
+                    </a:lnBlToTr>
+                    <a:noFill/>
+                  </a:tcPr>
+                </a:tc>
+                <a:tc>
+                  <a:txBody>
+                    <a:bodyPr/>
+                    <a:lstStyle/>
+                    <a:p>
+                      <a:pPr marL="0" marR="0" indent="0" algn="ctr" defTabSz="914400" rtl="0" eaLnBrk="1" fontAlgn="auto" latinLnBrk="1" hangingPunct="1">
+                        <a:lnSpc>
+                          <a:spcPts val="1100"/>
+                        </a:lnSpc>
+                        <a:spcBef>
+                          <a:spcPts val="0"/>
+                        </a:spcBef>
+                        <a:spcAft>
+                          <a:spcPts val="0"/>
+                        </a:spcAft>
+                        <a:buClrTx/>
+                        <a:buSzTx/>
+                        <a:buFontTx/>
+                        <a:buNone/>
+                        <a:tabLst/>
+                        <a:defRPr/>
+                      </a:pPr>
+                      <a:r>
+                        <a:rPr lang="ko-KR" altLang="en-US" sz="1050" b="1" dirty="0" smtClean="0">
+                          <a:solidFill>
+                            <a:schemeClr val="tx1"/>
+                          </a:solidFill>
+                          <a:latin typeface="+mn-ea"/>
+                          <a:ea typeface="+mn-ea"/>
+                        </a:rPr>
+                        <a:t>봄나물 소고기 비빔우동</a:t>
+                      </a:r>
+                      <a:endParaRPr lang="en-US" altLang="ko-KR" sz="1050" b="1" dirty="0" smtClean="0">
+                        <a:solidFill>
+                          <a:schemeClr val="tx1"/>
+                        </a:solidFill>
+                        <a:latin typeface="+mn-ea"/>
+                        <a:ea typeface="+mn-ea"/>
+                      </a:endParaRPr>
+                    </a:p>
+                    <a:p>
+                      <a:pPr marL="0" marR="0" indent="0" algn="ctr" defTabSz="914400" rtl="0" eaLnBrk="1" fontAlgn="auto" latinLnBrk="1" hangingPunct="1">
+                        <a:lnSpc>
+                          <a:spcPts val="1100"/>
+                        </a:lnSpc>
+                        <a:spcBef>
+                          <a:spcPts val="0"/>
+                        </a:spcBef>
+                        <a:spcAft>
+                          <a:spcPts val="0"/>
+                        </a:spcAft>
+                        <a:buClrTx/>
+                        <a:buSzTx/>
+                        <a:buFontTx/>
+                        <a:buNone/>
+                        <a:tabLst/>
+                        <a:defRPr/>
+                      </a:pPr>
+                      <a:r>
+                        <a:rPr lang="en-US" altLang="ko-KR" sz="1050" b="1" dirty="0" smtClean="0">
+                          <a:solidFill>
+                            <a:schemeClr val="tx1"/>
+                          </a:solidFill>
+                          <a:latin typeface="+mn-ea"/>
+                          <a:ea typeface="+mn-ea"/>
+                        </a:rPr>
+                        <a:t>(7,500)</a:t>
+                      </a:r>
+                      <a:endParaRPr lang="en-US" altLang="ko-KR" sz="1050" b="1" dirty="0" smtClean="0">
+                        <a:solidFill>
+                          <a:schemeClr val="tx1"/>
+                        </a:solidFill>
+                        <a:latin typeface="+mn-ea"/>
+                        <a:ea typeface="+mn-ea"/>
+                      </a:endParaRPr>
+                    </a:p>
+                  </a:txBody>
+                  <a:tcPr anchor="ctr">
+                    <a:lnL w="12700" cap="flat" cmpd="sng" algn="ctr">
+                      <a:solidFill>
+                        <a:schemeClr val="tx1"/>
+                      </a:solidFill>
+                      <a:prstDash val="solid"/>
+                      <a:round/>
+                      <a:headEnd type="none" w="med" len="med"/>
+                      <a:tailEnd type="none" w="med" len="med"/>
+                    </a:lnL>
+                    <a:lnR w="12700" cap="flat" cmpd="sng" algn="ctr">
+                      <a:solidFill>
+                        <a:schemeClr val="tx1"/>
+                      </a:solidFill>
+                      <a:prstDash val="solid"/>
+                      <a:round/>
+                      <a:headEnd type="none" w="med" len="med"/>
+                      <a:tailEnd type="none" w="med" len="med"/>
+                    </a:lnR>
+                    <a:lnT w="12700" cap="flat" cmpd="sng" algn="ctr">
+                      <a:solidFill>
+                        <a:schemeClr val="tx1"/>
+                      </a:solidFill>
+                      <a:prstDash val="solid"/>
+                      <a:round/>
+                      <a:headEnd type="none" w="med" len="med"/>
+                      <a:tailEnd type="none" w="med" len="med"/>
+                    </a:lnT>
+                    <a:lnB w="12700" cap="flat" cmpd="sng" algn="ctr">
+                      <a:solidFill>
+                        <a:schemeClr val="tx1"/>
+                      </a:solidFill>
+                      <a:prstDash val="solid"/>
+                      <a:round/>
+                      <a:headEnd type="none" w="med" len="med"/>
+                      <a:tailEnd type="none" w="med" len="med"/>
+                    </a:lnB>
+                    <a:lnTlToBr w="12700" cmpd="sng">
+                      <a:noFill/>
+                      <a:prstDash val="solid"/>
+                    </a:lnTlToBr>
+                    <a:lnBlToTr w="12700" cmpd="sng">
+                      <a:noFill/>
+                      <a:prstDash val="solid"/>
+                    </a:lnBlToTr>
+                    <a:solidFill>
+                      <a:schemeClr val="bg1"/>
+                    </a:solidFill>
+                  </a:tcPr>
+                </a:tc>
+                <a:tc>
+                  <a:txBody>
+                    <a:bodyPr/>
+                    <a:lstStyle/>
+                    <a:p>
+                      <a:pPr marL="0" marR="0" indent="0" algn="ctr" defTabSz="914400" rtl="0" eaLnBrk="1" fontAlgn="auto" latinLnBrk="1" hangingPunct="1">
+                        <a:lnSpc>
+                          <a:spcPts val="1100"/>
+                        </a:lnSpc>
+                        <a:spcBef>
+                          <a:spcPts val="0"/>
+                        </a:spcBef>
+                        <a:spcAft>
+                          <a:spcPts val="0"/>
+                        </a:spcAft>
+                        <a:buClrTx/>
+                        <a:buSzTx/>
+                        <a:buFontTx/>
+                        <a:buNone/>
+                        <a:tabLst/>
+                        <a:defRPr/>
+                      </a:pPr>
+                      <a:r>
+                        <a:rPr lang="ko-KR" altLang="en-US" sz="1050" b="1" dirty="0" err="1" smtClean="0">
+                          <a:solidFill>
+                            <a:schemeClr val="tx1"/>
+                          </a:solidFill>
+                          <a:latin typeface="+mn-ea"/>
+                          <a:ea typeface="+mn-ea"/>
+                        </a:rPr>
+                        <a:t>에비카츠동</a:t>
+                      </a:r>
+                      <a:endParaRPr lang="en-US" altLang="ko-KR" sz="1050" b="1" dirty="0" smtClean="0">
+                        <a:solidFill>
+                          <a:schemeClr val="tx1"/>
+                        </a:solidFill>
+                        <a:latin typeface="+mn-ea"/>
+                        <a:ea typeface="+mn-ea"/>
+                      </a:endParaRPr>
+                    </a:p>
+                    <a:p>
+                      <a:pPr marL="0" marR="0" indent="0" algn="ctr" defTabSz="914400" rtl="0" eaLnBrk="1" fontAlgn="auto" latinLnBrk="1" hangingPunct="1">
+                        <a:lnSpc>
+                          <a:spcPts val="1100"/>
+                        </a:lnSpc>
+                        <a:spcBef>
+                          <a:spcPts val="0"/>
+                        </a:spcBef>
+                        <a:spcAft>
+                          <a:spcPts val="0"/>
+                        </a:spcAft>
+                        <a:buClrTx/>
+                        <a:buSzTx/>
+                        <a:buFontTx/>
+                        <a:buNone/>
+                        <a:tabLst/>
+                        <a:defRPr/>
+                      </a:pPr>
+                      <a:r>
+                        <a:rPr lang="en-US" altLang="ko-KR" sz="1050" b="1" dirty="0" smtClean="0">
+                          <a:solidFill>
+                            <a:schemeClr val="tx1"/>
+                          </a:solidFill>
+                          <a:latin typeface="+mn-ea"/>
+                          <a:ea typeface="+mn-ea"/>
+                        </a:rPr>
+                        <a:t>(8,000)</a:t>
+                      </a:r>
+                      <a:endParaRPr lang="en-US" altLang="ko-KR" sz="1050" b="1" dirty="0" smtClean="0">
+                        <a:solidFill>
+                          <a:schemeClr val="tx1"/>
+                        </a:solidFill>
+                        <a:latin typeface="+mn-ea"/>
+                        <a:ea typeface="+mn-ea"/>
+                      </a:endParaRPr>
+                    </a:p>
+                  </a:txBody>
+                  <a:tcPr anchor="ctr">
+                    <a:lnL w="12700" cap="flat" cmpd="sng" algn="ctr">
+                      <a:solidFill>
+                        <a:schemeClr val="tx1"/>
+                      </a:solidFill>
+                      <a:prstDash val="solid"/>
+                      <a:round/>
+                      <a:headEnd type="none" w="med" len="med"/>
+                      <a:tailEnd type="none" w="med" len="med"/>
+                    </a:lnL>
+                    <a:lnR w="12700" cap="flat" cmpd="sng" algn="ctr">
+                      <a:solidFill>
+                        <a:schemeClr val="tx1"/>
+                      </a:solidFill>
+                      <a:prstDash val="solid"/>
+                      <a:round/>
+                      <a:headEnd type="none" w="med" len="med"/>
+                      <a:tailEnd type="none" w="med" len="med"/>
+                    </a:lnR>
+                    <a:lnT w="12700" cap="flat" cmpd="sng" algn="ctr">
+                      <a:solidFill>
+                        <a:schemeClr val="tx1"/>
+                      </a:solidFill>
+                      <a:prstDash val="solid"/>
+                      <a:round/>
+                      <a:headEnd type="none" w="med" len="med"/>
+                      <a:tailEnd type="none" w="med" len="med"/>
+                    </a:lnT>
+                    <a:lnB w="12700" cap="flat" cmpd="sng" algn="ctr">
+                      <a:solidFill>
+                        <a:schemeClr val="tx1"/>
+                      </a:solidFill>
+                      <a:prstDash val="solid"/>
+                      <a:round/>
+                      <a:headEnd type="none" w="med" len="med"/>
+                      <a:tailEnd type="none" w="med" len="med"/>
+                    </a:lnB>
+                    <a:lnTlToBr w="12700" cmpd="sng">
+                      <a:noFill/>
+                      <a:prstDash val="solid"/>
+                    </a:lnTlToBr>
+                    <a:lnBlToTr w="12700" cmpd="sng">
+                      <a:noFill/>
+                      <a:prstDash val="solid"/>
+                    </a:lnBlToTr>
+                    <a:solidFill>
+                      <a:schemeClr val="bg1"/>
+                    </a:solidFill>
+                  </a:tcPr>
+                </a:tc>
+                <a:tc>
+                  <a:txBody>
+                    <a:bodyPr/>
+                    <a:lstStyle/>
+                    <a:p>
+                      <a:pPr marL="0" marR="0" indent="0" algn="ctr" defTabSz="914400" rtl="0" eaLnBrk="1" fontAlgn="auto" latinLnBrk="1" hangingPunct="1">
+                        <a:lnSpc>
+                          <a:spcPts val="1100"/>
+                        </a:lnSpc>
+                        <a:spcBef>
+                          <a:spcPts val="0"/>
+                        </a:spcBef>
+                        <a:spcAft>
+                          <a:spcPts val="0"/>
+                        </a:spcAft>
+                        <a:buClrTx/>
+                        <a:buSzTx/>
+                        <a:buFontTx/>
+                        <a:buNone/>
+                        <a:tabLst/>
+                        <a:defRPr/>
+                      </a:pPr>
+                      <a:r>
+                        <a:rPr lang="ko-KR" altLang="en-US" sz="1050" b="1" dirty="0" err="1" smtClean="0">
+                          <a:solidFill>
+                            <a:schemeClr val="tx1"/>
+                          </a:solidFill>
+                          <a:latin typeface="+mn-ea"/>
+                          <a:ea typeface="+mn-ea"/>
+                        </a:rPr>
+                        <a:t>히레카츠</a:t>
+                      </a:r>
+                      <a:r>
+                        <a:rPr lang="ko-KR" altLang="en-US" sz="1050" b="1" dirty="0" smtClean="0">
+                          <a:solidFill>
+                            <a:schemeClr val="tx1"/>
+                          </a:solidFill>
+                          <a:latin typeface="+mn-ea"/>
+                          <a:ea typeface="+mn-ea"/>
+                        </a:rPr>
+                        <a:t> 정식</a:t>
+                      </a:r>
+                      <a:endParaRPr lang="en-US" altLang="ko-KR" sz="1050" b="1" dirty="0" smtClean="0">
+                        <a:solidFill>
+                          <a:schemeClr val="tx1"/>
+                        </a:solidFill>
+                        <a:latin typeface="+mn-ea"/>
+                        <a:ea typeface="+mn-ea"/>
+                      </a:endParaRPr>
+                    </a:p>
+                    <a:p>
+                      <a:pPr marL="0" marR="0" indent="0" algn="ctr" defTabSz="914400" rtl="0" eaLnBrk="1" fontAlgn="auto" latinLnBrk="1" hangingPunct="1">
+                        <a:lnSpc>
+                          <a:spcPts val="1100"/>
+                        </a:lnSpc>
+                        <a:spcBef>
+                          <a:spcPts val="0"/>
+                        </a:spcBef>
+                        <a:spcAft>
+                          <a:spcPts val="0"/>
+                        </a:spcAft>
+                        <a:buClrTx/>
+                        <a:buSzTx/>
+                        <a:buFontTx/>
+                        <a:buNone/>
+                        <a:tabLst/>
+                        <a:defRPr/>
+                      </a:pPr>
+                      <a:r>
+                        <a:rPr lang="en-US" altLang="ko-KR" sz="1050" b="1" dirty="0" smtClean="0">
+                          <a:solidFill>
+                            <a:schemeClr val="tx1"/>
+                          </a:solidFill>
+                          <a:latin typeface="+mn-ea"/>
+                          <a:ea typeface="+mn-ea"/>
+                        </a:rPr>
+                        <a:t>(13,000)</a:t>
+                      </a:r>
+                      <a:endParaRPr lang="en-US" altLang="ko-KR" sz="1050" b="1" dirty="0" smtClean="0">
+                        <a:solidFill>
+                          <a:schemeClr val="tx1"/>
+                        </a:solidFill>
+                        <a:latin typeface="+mn-ea"/>
+                        <a:ea typeface="+mn-ea"/>
+                      </a:endParaRPr>
+                    </a:p>
+                  </a:txBody>
+                  <a:tcPr anchor="ctr">
+                    <a:lnL w="12700" cap="flat" cmpd="sng" algn="ctr">
+                      <a:solidFill>
+                        <a:schemeClr val="tx1"/>
+                      </a:solidFill>
+                      <a:prstDash val="solid"/>
+                      <a:round/>
+                      <a:headEnd type="none" w="med" len="med"/>
+                      <a:tailEnd type="none" w="med" len="med"/>
+                    </a:lnL>
+                    <a:lnR w="12700" cap="flat" cmpd="sng" algn="ctr">
+                      <a:solidFill>
+                        <a:schemeClr val="tx1"/>
+                      </a:solidFill>
+                      <a:prstDash val="solid"/>
+                      <a:round/>
+                      <a:headEnd type="none" w="med" len="med"/>
+                      <a:tailEnd type="none" w="med" len="med"/>
+                    </a:lnR>
+                    <a:lnT w="12700" cap="flat" cmpd="sng" algn="ctr">
+                      <a:solidFill>
+                        <a:schemeClr val="tx1"/>
+                      </a:solidFill>
+                      <a:prstDash val="solid"/>
+                      <a:round/>
+                      <a:headEnd type="none" w="med" len="med"/>
+                      <a:tailEnd type="none" w="med" len="med"/>
+                    </a:lnT>
+                    <a:lnB w="12700" cap="flat" cmpd="sng" algn="ctr">
+                      <a:solidFill>
+                        <a:schemeClr val="tx1"/>
+                      </a:solidFill>
+                      <a:prstDash val="solid"/>
+                      <a:round/>
+                      <a:headEnd type="none" w="med" len="med"/>
+                      <a:tailEnd type="none" w="med" len="med"/>
+                    </a:lnB>
+                    <a:lnTlToBr w="12700" cmpd="sng">
+                      <a:noFill/>
+                      <a:prstDash val="solid"/>
+                    </a:lnTlToBr>
+                    <a:lnBlToTr w="12700" cmpd="sng">
+                      <a:noFill/>
+                      <a:prstDash val="solid"/>
+                    </a:lnBlToTr>
+                    <a:solidFill>
+                      <a:schemeClr val="bg1"/>
+                    </a:solidFill>
+                  </a:tcPr>
+                </a:tc>
+              </a:tr>
+              <a:tr h="468000">
+                <a:tc>
+                  <a:txBody>
+                    <a:bodyPr/>
+                    <a:lstStyle/>
+                    <a:p>
+                      <a:pPr algn="ctr" latinLnBrk="1">
+                        <a:lnSpc>
+                          <a:spcPts val="1100"/>
+                        </a:lnSpc>
+                      </a:pPr>
+                      <a:r>
+                        <a:rPr lang="ko-KR" altLang="en-US" sz="1050" b="1" dirty="0" smtClean="0">
+                          <a:solidFill>
+                            <a:schemeClr val="tx1"/>
+                          </a:solidFill>
+                          <a:latin typeface="+mn-ea"/>
+                          <a:ea typeface="+mn-ea"/>
+                        </a:rPr>
+                        <a:t>오색면전</a:t>
+                      </a:r>
+                      <a:endParaRPr lang="ko-KR" altLang="en-US" sz="1050" b="1" dirty="0">
+                        <a:solidFill>
+                          <a:schemeClr val="tx1"/>
+                        </a:solidFill>
+                        <a:latin typeface="+mn-ea"/>
+                        <a:ea typeface="+mn-ea"/>
+                      </a:endParaRPr>
+                    </a:p>
+                  </a:txBody>
+                  <a:tcPr anchor="ctr">
+                    <a:lnL w="12700" cap="flat" cmpd="sng" algn="ctr">
+                      <a:solidFill>
+                        <a:schemeClr val="tx1"/>
+                      </a:solidFill>
+                      <a:prstDash val="solid"/>
+                      <a:round/>
+                      <a:headEnd type="none" w="med" len="med"/>
+                      <a:tailEnd type="none" w="med" len="med"/>
+                    </a:lnL>
+                    <a:lnR w="12700" cap="flat" cmpd="sng" algn="ctr">
+                      <a:solidFill>
+                        <a:schemeClr val="tx1"/>
+                      </a:solidFill>
+                      <a:prstDash val="solid"/>
+                      <a:round/>
+                      <a:headEnd type="none" w="med" len="med"/>
+                      <a:tailEnd type="none" w="med" len="med"/>
+                    </a:lnR>
+                    <a:lnT w="12700" cap="flat" cmpd="sng" algn="ctr">
+                      <a:solidFill>
+                        <a:schemeClr val="tx1"/>
+                      </a:solidFill>
+                      <a:prstDash val="solid"/>
+                      <a:round/>
+                      <a:headEnd type="none" w="med" len="med"/>
+                      <a:tailEnd type="none" w="med" len="med"/>
+                    </a:lnT>
+                    <a:lnB w="12700" cap="flat" cmpd="sng" algn="ctr">
+                      <a:solidFill>
+                        <a:schemeClr val="tx1"/>
+                      </a:solidFill>
+                      <a:prstDash val="solid"/>
+                      <a:round/>
+                      <a:headEnd type="none" w="med" len="med"/>
+                      <a:tailEnd type="none" w="med" len="med"/>
+                    </a:lnB>
+                    <a:lnTlToBr w="12700" cmpd="sng">
+                      <a:noFill/>
+                      <a:prstDash val="solid"/>
+                    </a:lnTlToBr>
+                    <a:lnBlToTr w="12700" cmpd="sng">
+                      <a:noFill/>
+                      <a:prstDash val="solid"/>
+                    </a:lnBlToTr>
+                    <a:solidFill>
+                      <a:schemeClr val="bg1"/>
+                    </a:solidFill>
+                  </a:tcPr>
+                </a:tc>
+                <a:tc>
+                  <a:txBody>
+                    <a:bodyPr/>
+                    <a:lstStyle/>
+                    <a:p>
+                      <a:pPr algn="ctr" latinLnBrk="1">
+                        <a:lnSpc>
+                          <a:spcPts val="1100"/>
+                        </a:lnSpc>
+                      </a:pPr>
+                      <a:r>
+                        <a:rPr lang="ko-KR" altLang="en-US" sz="1050" b="1" dirty="0" smtClean="0">
+                          <a:solidFill>
+                            <a:schemeClr val="tx1"/>
+                          </a:solidFill>
+                          <a:latin typeface="+mn-ea"/>
+                          <a:ea typeface="+mn-ea"/>
+                        </a:rPr>
+                        <a:t>새우튀김우동</a:t>
+                      </a:r>
+                      <a:endParaRPr lang="en-US" altLang="ko-KR" sz="1050" b="1" dirty="0" smtClean="0">
+                        <a:solidFill>
+                          <a:schemeClr val="tx1"/>
+                        </a:solidFill>
+                        <a:latin typeface="+mn-ea"/>
+                        <a:ea typeface="+mn-ea"/>
+                      </a:endParaRPr>
+                    </a:p>
+                    <a:p>
+                      <a:pPr algn="ctr" latinLnBrk="1">
+                        <a:lnSpc>
+                          <a:spcPts val="1100"/>
+                        </a:lnSpc>
+                      </a:pPr>
+                      <a:r>
+                        <a:rPr lang="en-US" altLang="ko-KR" sz="1050" b="1" dirty="0" smtClean="0">
+                          <a:solidFill>
+                            <a:schemeClr val="tx1"/>
+                          </a:solidFill>
+                          <a:latin typeface="+mn-ea"/>
+                          <a:ea typeface="+mn-ea"/>
+                        </a:rPr>
+                        <a:t>(8,000)</a:t>
+                      </a:r>
+                      <a:endParaRPr lang="ko-KR" altLang="en-US" sz="1050" b="1" dirty="0" smtClean="0">
+                        <a:solidFill>
+                          <a:schemeClr val="tx1"/>
+                        </a:solidFill>
+                        <a:latin typeface="+mn-ea"/>
+                        <a:ea typeface="+mn-ea"/>
+                      </a:endParaRPr>
+                    </a:p>
+                  </a:txBody>
+                  <a:tcPr anchor="ctr">
+                    <a:lnL w="12700" cap="flat" cmpd="sng" algn="ctr">
+                      <a:solidFill>
+                        <a:schemeClr val="tx1"/>
+                      </a:solidFill>
+                      <a:prstDash val="solid"/>
+                      <a:round/>
+                      <a:headEnd type="none" w="med" len="med"/>
+                      <a:tailEnd type="none" w="med" len="med"/>
+                    </a:lnL>
+                    <a:lnR w="12700" cap="flat" cmpd="sng" algn="ctr">
+                      <a:solidFill>
+                        <a:schemeClr val="tx1"/>
+                      </a:solidFill>
+                      <a:prstDash val="solid"/>
+                      <a:round/>
+                      <a:headEnd type="none" w="med" len="med"/>
+                      <a:tailEnd type="none" w="med" len="med"/>
+                    </a:lnR>
+                    <a:lnT w="12700" cap="flat" cmpd="sng" algn="ctr">
+                      <a:solidFill>
+                        <a:schemeClr val="tx1"/>
+                      </a:solidFill>
+                      <a:prstDash val="solid"/>
+                      <a:round/>
+                      <a:headEnd type="none" w="med" len="med"/>
+                      <a:tailEnd type="none" w="med" len="med"/>
+                    </a:lnT>
+                    <a:lnB w="12700" cap="flat" cmpd="sng" algn="ctr">
+                      <a:solidFill>
+                        <a:schemeClr val="tx1"/>
+                      </a:solidFill>
+                      <a:prstDash val="solid"/>
+                      <a:round/>
+                      <a:headEnd type="none" w="med" len="med"/>
+                      <a:tailEnd type="none" w="med" len="med"/>
+                    </a:lnB>
+                    <a:lnTlToBr w="12700" cmpd="sng">
+                      <a:noFill/>
+                      <a:prstDash val="solid"/>
+                    </a:lnTlToBr>
+                    <a:lnBlToTr w="12700" cmpd="sng">
+                      <a:noFill/>
+                      <a:prstDash val="solid"/>
+                    </a:lnBlToTr>
+                    <a:noFill/>
+                  </a:tcPr>
+                </a:tc>
+                <a:tc>
+                  <a:txBody>
+                    <a:bodyPr/>
+                    <a:lstStyle/>
+                    <a:p>
+                      <a:pPr algn="ctr" latinLnBrk="1">
+                        <a:lnSpc>
+                          <a:spcPts val="1100"/>
+                        </a:lnSpc>
+                      </a:pPr>
+                      <a:r>
+                        <a:rPr lang="ko-KR" altLang="en-US" sz="1050" b="1" dirty="0" smtClean="0">
+                          <a:solidFill>
+                            <a:schemeClr val="tx1"/>
+                          </a:solidFill>
+                          <a:latin typeface="+mn-ea"/>
+                          <a:ea typeface="+mn-ea"/>
+                        </a:rPr>
+                        <a:t>명란 </a:t>
+                      </a:r>
+                      <a:r>
+                        <a:rPr lang="ko-KR" altLang="en-US" sz="1050" b="1" dirty="0" err="1" smtClean="0">
+                          <a:solidFill>
+                            <a:schemeClr val="tx1"/>
+                          </a:solidFill>
+                          <a:latin typeface="+mn-ea"/>
+                          <a:ea typeface="+mn-ea"/>
+                        </a:rPr>
+                        <a:t>우삼겹</a:t>
+                      </a:r>
+                      <a:r>
+                        <a:rPr lang="ko-KR" altLang="en-US" sz="1050" b="1" dirty="0" smtClean="0">
+                          <a:solidFill>
+                            <a:schemeClr val="tx1"/>
+                          </a:solidFill>
+                          <a:latin typeface="+mn-ea"/>
+                          <a:ea typeface="+mn-ea"/>
+                        </a:rPr>
+                        <a:t> </a:t>
+                      </a:r>
+                      <a:r>
+                        <a:rPr lang="ko-KR" altLang="en-US" sz="1050" b="1" dirty="0" smtClean="0">
+                          <a:solidFill>
+                            <a:schemeClr val="tx1"/>
+                          </a:solidFill>
+                          <a:latin typeface="+mn-ea"/>
+                          <a:ea typeface="+mn-ea"/>
+                        </a:rPr>
+                        <a:t>덮밥</a:t>
+                      </a:r>
+                      <a:endParaRPr lang="en-US" altLang="ko-KR" sz="1050" b="1" dirty="0" smtClean="0">
+                        <a:solidFill>
+                          <a:schemeClr val="tx1"/>
+                        </a:solidFill>
+                        <a:latin typeface="+mn-ea"/>
+                        <a:ea typeface="+mn-ea"/>
+                      </a:endParaRPr>
+                    </a:p>
+                    <a:p>
+                      <a:pPr algn="ctr" latinLnBrk="1">
+                        <a:lnSpc>
+                          <a:spcPts val="1100"/>
+                        </a:lnSpc>
+                      </a:pPr>
+                      <a:r>
+                        <a:rPr lang="en-US" altLang="ko-KR" sz="1050" b="1" dirty="0" smtClean="0">
+                          <a:solidFill>
+                            <a:schemeClr val="tx1"/>
+                          </a:solidFill>
+                          <a:latin typeface="+mn-ea"/>
+                          <a:ea typeface="+mn-ea"/>
+                        </a:rPr>
+                        <a:t>(8,000)</a:t>
+                      </a:r>
+                      <a:endParaRPr lang="ko-KR" altLang="en-US" sz="1050" b="1" dirty="0" smtClean="0">
+                        <a:solidFill>
+                          <a:schemeClr val="tx1"/>
+                        </a:solidFill>
+                        <a:latin typeface="+mn-ea"/>
+                        <a:ea typeface="+mn-ea"/>
+                      </a:endParaRPr>
+                    </a:p>
+                  </a:txBody>
+                  <a:tcPr anchor="ctr">
+                    <a:lnL w="12700" cap="flat" cmpd="sng" algn="ctr">
+                      <a:solidFill>
+                        <a:schemeClr val="tx1"/>
+                      </a:solidFill>
+                      <a:prstDash val="solid"/>
+                      <a:round/>
+                      <a:headEnd type="none" w="med" len="med"/>
+                      <a:tailEnd type="none" w="med" len="med"/>
+                    </a:lnL>
+                    <a:lnR w="12700" cap="flat" cmpd="sng" algn="ctr">
+                      <a:solidFill>
+                        <a:schemeClr val="tx1"/>
+                      </a:solidFill>
+                      <a:prstDash val="solid"/>
+                      <a:round/>
+                      <a:headEnd type="none" w="med" len="med"/>
+                      <a:tailEnd type="none" w="med" len="med"/>
+                    </a:lnR>
+                    <a:lnT w="12700" cap="flat" cmpd="sng" algn="ctr">
+                      <a:solidFill>
+                        <a:schemeClr val="tx1"/>
+                      </a:solidFill>
+                      <a:prstDash val="solid"/>
+                      <a:round/>
+                      <a:headEnd type="none" w="med" len="med"/>
+                      <a:tailEnd type="none" w="med" len="med"/>
+                    </a:lnT>
+                    <a:lnB w="12700" cap="flat" cmpd="sng" algn="ctr">
+                      <a:solidFill>
+                        <a:schemeClr val="tx1"/>
+                      </a:solidFill>
+                      <a:prstDash val="solid"/>
+                      <a:round/>
+                      <a:headEnd type="none" w="med" len="med"/>
+                      <a:tailEnd type="none" w="med" len="med"/>
+                    </a:lnB>
+                    <a:lnTlToBr w="12700" cmpd="sng">
+                      <a:noFill/>
+                      <a:prstDash val="solid"/>
+                    </a:lnTlToBr>
+                    <a:lnBlToTr w="12700" cmpd="sng">
+                      <a:noFill/>
+                      <a:prstDash val="solid"/>
+                    </a:lnBlToTr>
+                    <a:noFill/>
+                  </a:tcPr>
+                </a:tc>
+                <a:tc>
+                  <a:txBody>
+                    <a:bodyPr/>
+                    <a:lstStyle/>
+                    <a:p>
+                      <a:pPr algn="ctr" latinLnBrk="1">
+                        <a:lnSpc>
+                          <a:spcPts val="1100"/>
+                        </a:lnSpc>
+                      </a:pPr>
+                      <a:r>
+                        <a:rPr lang="ko-KR" altLang="en-US" sz="1050" b="1" dirty="0" smtClean="0">
+                          <a:solidFill>
+                            <a:schemeClr val="tx1"/>
+                          </a:solidFill>
+                          <a:latin typeface="+mn-ea"/>
+                          <a:ea typeface="+mn-ea"/>
+                        </a:rPr>
+                        <a:t>명태 비빔 국수</a:t>
+                      </a:r>
+                      <a:endParaRPr lang="en-US" altLang="ko-KR" sz="1050" b="1" dirty="0" smtClean="0">
+                        <a:solidFill>
+                          <a:schemeClr val="tx1"/>
+                        </a:solidFill>
+                        <a:latin typeface="+mn-ea"/>
+                        <a:ea typeface="+mn-ea"/>
+                      </a:endParaRPr>
+                    </a:p>
+                    <a:p>
+                      <a:pPr algn="ctr" latinLnBrk="1">
+                        <a:lnSpc>
+                          <a:spcPts val="1100"/>
+                        </a:lnSpc>
+                      </a:pPr>
+                      <a:r>
+                        <a:rPr lang="en-US" altLang="ko-KR" sz="1050" b="1" dirty="0" smtClean="0">
+                          <a:solidFill>
+                            <a:schemeClr val="tx1"/>
+                          </a:solidFill>
+                          <a:latin typeface="+mn-ea"/>
+                          <a:ea typeface="+mn-ea"/>
+                        </a:rPr>
+                        <a:t>(9,000)</a:t>
+                      </a:r>
+                      <a:endParaRPr lang="en-US" altLang="ko-KR" sz="1050" b="1" dirty="0" smtClean="0">
+                        <a:solidFill>
+                          <a:schemeClr val="tx1"/>
+                        </a:solidFill>
+                        <a:latin typeface="+mn-ea"/>
+                        <a:ea typeface="+mn-ea"/>
+                      </a:endParaRPr>
+                    </a:p>
+                  </a:txBody>
+                  <a:tcPr anchor="ctr">
+                    <a:lnL w="12700" cap="flat" cmpd="sng" algn="ctr">
+                      <a:solidFill>
+                        <a:schemeClr val="tx1"/>
+                      </a:solidFill>
+                      <a:prstDash val="solid"/>
+                      <a:round/>
+                      <a:headEnd type="none" w="med" len="med"/>
+                      <a:tailEnd type="none" w="med" len="med"/>
+                    </a:lnL>
+                    <a:lnR w="12700" cap="flat" cmpd="sng" algn="ctr">
+                      <a:solidFill>
+                        <a:schemeClr val="tx1"/>
+                      </a:solidFill>
+                      <a:prstDash val="solid"/>
+                      <a:round/>
+                      <a:headEnd type="none" w="med" len="med"/>
+                      <a:tailEnd type="none" w="med" len="med"/>
+                    </a:lnR>
+                    <a:lnT w="12700" cap="flat" cmpd="sng" algn="ctr">
+                      <a:solidFill>
+                        <a:schemeClr val="tx1"/>
+                      </a:solidFill>
+                      <a:prstDash val="solid"/>
+                      <a:round/>
+                      <a:headEnd type="none" w="med" len="med"/>
+                      <a:tailEnd type="none" w="med" len="med"/>
+                    </a:lnT>
+                    <a:lnB w="12700" cap="flat" cmpd="sng" algn="ctr">
+                      <a:solidFill>
+                        <a:schemeClr val="tx1"/>
+                      </a:solidFill>
+                      <a:prstDash val="solid"/>
+                      <a:round/>
+                      <a:headEnd type="none" w="med" len="med"/>
+                      <a:tailEnd type="none" w="med" len="med"/>
+                    </a:lnB>
+                    <a:lnTlToBr w="12700" cmpd="sng">
+                      <a:noFill/>
+                      <a:prstDash val="solid"/>
+                    </a:lnTlToBr>
+                    <a:lnBlToTr w="12700" cmpd="sng">
+                      <a:noFill/>
+                      <a:prstDash val="solid"/>
+                    </a:lnBlToTr>
+                    <a:solidFill>
+                      <a:schemeClr val="bg1"/>
+                    </a:solidFill>
+                  </a:tcPr>
+                </a:tc>
+                <a:tc>
+                  <a:txBody>
+                    <a:bodyPr/>
+                    <a:lstStyle/>
+                    <a:p>
+                      <a:pPr algn="ctr" latinLnBrk="1">
+                        <a:lnSpc>
+                          <a:spcPts val="1100"/>
+                        </a:lnSpc>
+                      </a:pPr>
+                      <a:r>
+                        <a:rPr lang="ko-KR" altLang="en-US" sz="1050" b="1" dirty="0" smtClean="0">
+                          <a:solidFill>
+                            <a:schemeClr val="tx1"/>
+                          </a:solidFill>
+                          <a:latin typeface="+mn-ea"/>
+                          <a:ea typeface="+mn-ea"/>
+                        </a:rPr>
+                        <a:t>낙지해물칼국수</a:t>
+                      </a:r>
+                      <a:endParaRPr lang="en-US" altLang="ko-KR" sz="1050" b="1" dirty="0" smtClean="0">
+                        <a:solidFill>
+                          <a:schemeClr val="tx1"/>
+                        </a:solidFill>
+                        <a:latin typeface="+mn-ea"/>
+                        <a:ea typeface="+mn-ea"/>
+                      </a:endParaRPr>
+                    </a:p>
+                    <a:p>
+                      <a:pPr algn="ctr" latinLnBrk="1">
+                        <a:lnSpc>
+                          <a:spcPts val="1100"/>
+                        </a:lnSpc>
+                      </a:pPr>
+                      <a:r>
+                        <a:rPr lang="en-US" altLang="ko-KR" sz="1050" b="1" dirty="0" smtClean="0">
+                          <a:solidFill>
+                            <a:schemeClr val="tx1"/>
+                          </a:solidFill>
+                          <a:latin typeface="+mn-ea"/>
+                          <a:ea typeface="+mn-ea"/>
+                        </a:rPr>
+                        <a:t>(9,000)</a:t>
+                      </a:r>
+                      <a:endParaRPr lang="ko-KR" altLang="en-US" sz="1050" b="1" dirty="0" smtClean="0">
+                        <a:solidFill>
+                          <a:schemeClr val="tx1"/>
+                        </a:solidFill>
+                        <a:latin typeface="+mn-ea"/>
+                        <a:ea typeface="+mn-ea"/>
+                      </a:endParaRPr>
+                    </a:p>
+                  </a:txBody>
+                  <a:tcPr anchor="ctr">
+                    <a:lnL w="12700" cap="flat" cmpd="sng" algn="ctr">
+                      <a:solidFill>
+                        <a:schemeClr val="tx1"/>
+                      </a:solidFill>
+                      <a:prstDash val="solid"/>
+                      <a:round/>
+                      <a:headEnd type="none" w="med" len="med"/>
+                      <a:tailEnd type="none" w="med" len="med"/>
+                    </a:lnL>
+                    <a:lnR w="12700" cap="flat" cmpd="sng" algn="ctr">
+                      <a:solidFill>
+                        <a:schemeClr val="tx1"/>
+                      </a:solidFill>
+                      <a:prstDash val="solid"/>
+                      <a:round/>
+                      <a:headEnd type="none" w="med" len="med"/>
+                      <a:tailEnd type="none" w="med" len="med"/>
+                    </a:lnR>
+                    <a:lnT w="12700" cap="flat" cmpd="sng" algn="ctr">
+                      <a:solidFill>
+                        <a:schemeClr val="tx1"/>
+                      </a:solidFill>
+                      <a:prstDash val="solid"/>
+                      <a:round/>
+                      <a:headEnd type="none" w="med" len="med"/>
+                      <a:tailEnd type="none" w="med" len="med"/>
+                    </a:lnT>
+                    <a:lnB w="12700" cap="flat" cmpd="sng" algn="ctr">
+                      <a:solidFill>
+                        <a:schemeClr val="tx1"/>
+                      </a:solidFill>
+                      <a:prstDash val="solid"/>
+                      <a:round/>
+                      <a:headEnd type="none" w="med" len="med"/>
+                      <a:tailEnd type="none" w="med" len="med"/>
+                    </a:lnB>
+                    <a:lnTlToBr w="12700" cmpd="sng">
+                      <a:noFill/>
+                      <a:prstDash val="solid"/>
+                    </a:lnTlToBr>
+                    <a:lnBlToTr w="12700" cmpd="sng">
+                      <a:noFill/>
+                      <a:prstDash val="solid"/>
+                    </a:lnBlToTr>
+                    <a:solidFill>
+                      <a:schemeClr val="bg1"/>
+                    </a:solidFill>
+                  </a:tcPr>
+                </a:tc>
+                <a:tc>
+                  <a:txBody>
+                    <a:bodyPr/>
+                    <a:lstStyle/>
+                    <a:p>
+                      <a:pPr algn="ctr" latinLnBrk="1">
+                        <a:lnSpc>
+                          <a:spcPts val="1100"/>
+                        </a:lnSpc>
+                      </a:pPr>
+                      <a:r>
+                        <a:rPr lang="ko-KR" altLang="en-US" sz="1050" b="1" dirty="0" err="1" smtClean="0">
+                          <a:solidFill>
+                            <a:schemeClr val="tx1"/>
+                          </a:solidFill>
+                          <a:latin typeface="+mn-ea"/>
+                          <a:ea typeface="+mn-ea"/>
+                        </a:rPr>
+                        <a:t>팟타이</a:t>
+                      </a:r>
+                      <a:r>
+                        <a:rPr lang="ko-KR" altLang="en-US" sz="1050" b="1" dirty="0" smtClean="0">
+                          <a:solidFill>
+                            <a:schemeClr val="tx1"/>
+                          </a:solidFill>
+                          <a:latin typeface="+mn-ea"/>
+                          <a:ea typeface="+mn-ea"/>
+                        </a:rPr>
+                        <a:t> 꿍</a:t>
+                      </a:r>
+                      <a:endParaRPr lang="en-US" altLang="ko-KR" sz="1050" b="1" dirty="0" smtClean="0">
+                        <a:solidFill>
+                          <a:schemeClr val="tx1"/>
+                        </a:solidFill>
+                        <a:latin typeface="+mn-ea"/>
+                        <a:ea typeface="+mn-ea"/>
+                      </a:endParaRPr>
+                    </a:p>
+                    <a:p>
+                      <a:pPr algn="ctr" latinLnBrk="1">
+                        <a:lnSpc>
+                          <a:spcPts val="1100"/>
+                        </a:lnSpc>
+                      </a:pPr>
+                      <a:r>
+                        <a:rPr lang="en-US" altLang="ko-KR" sz="1050" b="1" dirty="0" smtClean="0">
+                          <a:solidFill>
+                            <a:schemeClr val="tx1"/>
+                          </a:solidFill>
+                          <a:latin typeface="+mn-ea"/>
+                          <a:ea typeface="+mn-ea"/>
+                        </a:rPr>
+                        <a:t>(9,000)</a:t>
+                      </a:r>
+                      <a:endParaRPr lang="en-US" altLang="ko-KR" sz="1050" b="1" dirty="0" smtClean="0">
+                        <a:solidFill>
+                          <a:schemeClr val="tx1"/>
+                        </a:solidFill>
+                        <a:latin typeface="+mn-ea"/>
+                        <a:ea typeface="+mn-ea"/>
+                      </a:endParaRPr>
+                    </a:p>
+                  </a:txBody>
+                  <a:tcPr anchor="ctr">
+                    <a:lnL w="12700" cap="flat" cmpd="sng" algn="ctr">
+                      <a:solidFill>
+                        <a:schemeClr val="tx1"/>
+                      </a:solidFill>
+                      <a:prstDash val="solid"/>
+                      <a:round/>
+                      <a:headEnd type="none" w="med" len="med"/>
+                      <a:tailEnd type="none" w="med" len="med"/>
+                    </a:lnL>
+                    <a:lnR w="12700" cap="flat" cmpd="sng" algn="ctr">
+                      <a:solidFill>
+                        <a:schemeClr val="tx1"/>
+                      </a:solidFill>
+                      <a:prstDash val="solid"/>
+                      <a:round/>
+                      <a:headEnd type="none" w="med" len="med"/>
+                      <a:tailEnd type="none" w="med" len="med"/>
+                    </a:lnR>
+                    <a:lnT w="12700" cap="flat" cmpd="sng" algn="ctr">
+                      <a:solidFill>
+                        <a:schemeClr val="tx1"/>
+                      </a:solidFill>
+                      <a:prstDash val="solid"/>
+                      <a:round/>
+                      <a:headEnd type="none" w="med" len="med"/>
+                      <a:tailEnd type="none" w="med" len="med"/>
+                    </a:lnT>
+                    <a:lnB w="12700" cap="flat" cmpd="sng" algn="ctr">
+                      <a:solidFill>
+                        <a:schemeClr val="tx1"/>
+                      </a:solidFill>
+                      <a:prstDash val="solid"/>
+                      <a:round/>
+                      <a:headEnd type="none" w="med" len="med"/>
+                      <a:tailEnd type="none" w="med" len="med"/>
+                    </a:lnB>
+                    <a:lnTlToBr w="12700" cmpd="sng">
+                      <a:noFill/>
+                      <a:prstDash val="solid"/>
+                    </a:lnTlToBr>
+                    <a:lnBlToTr w="12700" cmpd="sng">
+                      <a:noFill/>
+                      <a:prstDash val="solid"/>
+                    </a:lnBlToTr>
+                    <a:solidFill>
+                      <a:schemeClr val="bg1"/>
+                    </a:solidFill>
+                  </a:tcPr>
+                </a:tc>
+              </a:tr>
+              <a:tr h="468000">
+                <a:tc>
+                  <a:txBody>
+                    <a:bodyPr/>
+                    <a:lstStyle/>
+                    <a:p>
+                      <a:pPr algn="ctr" latinLnBrk="1">
+                        <a:lnSpc>
+                          <a:spcPts val="1100"/>
+                        </a:lnSpc>
+                      </a:pPr>
+                      <a:r>
+                        <a:rPr lang="ko-KR" altLang="en-US" sz="1050" b="1" dirty="0" err="1" smtClean="0">
+                          <a:solidFill>
+                            <a:schemeClr val="tx1"/>
+                          </a:solidFill>
+                          <a:latin typeface="+mn-ea"/>
+                          <a:ea typeface="+mn-ea"/>
+                        </a:rPr>
+                        <a:t>한스푼</a:t>
+                      </a:r>
+                      <a:endParaRPr lang="ko-KR" altLang="en-US" sz="1050" b="1" dirty="0">
+                        <a:solidFill>
+                          <a:schemeClr val="tx1"/>
+                        </a:solidFill>
+                        <a:latin typeface="+mn-ea"/>
+                        <a:ea typeface="+mn-ea"/>
+                      </a:endParaRPr>
+                    </a:p>
+                  </a:txBody>
+                  <a:tcPr anchor="ctr">
+                    <a:lnL w="12700" cap="flat" cmpd="sng" algn="ctr">
+                      <a:solidFill>
+                        <a:schemeClr val="tx1"/>
+                      </a:solidFill>
+                      <a:prstDash val="solid"/>
+                      <a:round/>
+                      <a:headEnd type="none" w="med" len="med"/>
+                      <a:tailEnd type="none" w="med" len="med"/>
+                    </a:lnL>
+                    <a:lnR w="12700" cap="flat" cmpd="sng" algn="ctr">
+                      <a:solidFill>
+                        <a:schemeClr val="tx1"/>
+                      </a:solidFill>
+                      <a:prstDash val="solid"/>
+                      <a:round/>
+                      <a:headEnd type="none" w="med" len="med"/>
+                      <a:tailEnd type="none" w="med" len="med"/>
+                    </a:lnR>
+                    <a:lnT w="12700" cap="flat" cmpd="sng" algn="ctr">
+                      <a:solidFill>
+                        <a:schemeClr val="tx1"/>
+                      </a:solidFill>
+                      <a:prstDash val="solid"/>
+                      <a:round/>
+                      <a:headEnd type="none" w="med" len="med"/>
+                      <a:tailEnd type="none" w="med" len="med"/>
+                    </a:lnT>
+                    <a:lnB w="12700" cap="flat" cmpd="sng" algn="ctr">
+                      <a:solidFill>
+                        <a:schemeClr val="tx1"/>
+                      </a:solidFill>
+                      <a:prstDash val="solid"/>
+                      <a:round/>
+                      <a:headEnd type="none" w="med" len="med"/>
+                      <a:tailEnd type="none" w="med" len="med"/>
+                    </a:lnB>
+                    <a:lnTlToBr w="12700" cmpd="sng">
+                      <a:noFill/>
+                      <a:prstDash val="solid"/>
+                    </a:lnTlToBr>
+                    <a:lnBlToTr w="12700" cmpd="sng">
+                      <a:noFill/>
+                      <a:prstDash val="solid"/>
+                    </a:lnBlToTr>
+                    <a:solidFill>
+                      <a:schemeClr val="bg1"/>
+                    </a:solidFill>
+                  </a:tcPr>
+                </a:tc>
+                <a:tc gridSpan="5">
+                  <a:txBody>
+                    <a:bodyPr/>
+                    <a:lstStyle/>
+                    <a:p>
+                      <a:pPr algn="ctr" latinLnBrk="1">
+                        <a:lnSpc>
+                          <a:spcPts val="1100"/>
+                        </a:lnSpc>
+                      </a:pPr>
+                      <a:r>
+                        <a:rPr lang="ko-KR" altLang="en-US" sz="1050" b="1" dirty="0" smtClean="0">
+                          <a:solidFill>
+                            <a:schemeClr val="tx1"/>
+                          </a:solidFill>
+                          <a:latin typeface="+mn-ea"/>
+                          <a:ea typeface="+mn-ea"/>
+                        </a:rPr>
+                        <a:t>총 </a:t>
+                      </a:r>
+                      <a:r>
+                        <a:rPr lang="en-US" altLang="ko-KR" sz="1050" b="1" dirty="0" smtClean="0">
+                          <a:solidFill>
+                            <a:schemeClr val="tx1"/>
+                          </a:solidFill>
+                          <a:latin typeface="+mn-ea"/>
+                          <a:ea typeface="+mn-ea"/>
+                        </a:rPr>
+                        <a:t>16</a:t>
+                      </a:r>
+                      <a:r>
+                        <a:rPr lang="ko-KR" altLang="en-US" sz="1050" b="1" dirty="0" smtClean="0">
+                          <a:solidFill>
+                            <a:schemeClr val="tx1"/>
+                          </a:solidFill>
+                          <a:latin typeface="+mn-ea"/>
+                          <a:ea typeface="+mn-ea"/>
+                        </a:rPr>
+                        <a:t>종 운영</a:t>
+                      </a:r>
+                      <a:endParaRPr lang="en-US" altLang="ko-KR" sz="1050" b="1" dirty="0" smtClean="0">
+                        <a:solidFill>
+                          <a:schemeClr val="tx1"/>
+                        </a:solidFill>
+                        <a:latin typeface="+mn-ea"/>
+                        <a:ea typeface="+mn-ea"/>
+                      </a:endParaRPr>
+                    </a:p>
+                  </a:txBody>
+                  <a:tcPr anchor="ctr">
+                    <a:lnL w="12700" cap="flat" cmpd="sng" algn="ctr">
+                      <a:solidFill>
+                        <a:schemeClr val="tx1"/>
+                      </a:solidFill>
+                      <a:prstDash val="solid"/>
+                      <a:round/>
+                      <a:headEnd type="none" w="med" len="med"/>
+                      <a:tailEnd type="none" w="med" len="med"/>
+                    </a:lnL>
+                    <a:lnR w="12700" cap="flat" cmpd="sng" algn="ctr">
+                      <a:solidFill>
+                        <a:schemeClr val="tx1"/>
+                      </a:solidFill>
+                      <a:prstDash val="solid"/>
+                      <a:round/>
+                      <a:headEnd type="none" w="med" len="med"/>
+                      <a:tailEnd type="none" w="med" len="med"/>
+                    </a:lnR>
+                    <a:lnT w="12700" cap="flat" cmpd="sng" algn="ctr">
+                      <a:solidFill>
+                        <a:schemeClr val="tx1"/>
+                      </a:solidFill>
+                      <a:prstDash val="solid"/>
+                      <a:round/>
+                      <a:headEnd type="none" w="med" len="med"/>
+                      <a:tailEnd type="none" w="med" len="med"/>
+                    </a:lnT>
+                    <a:lnB w="12700" cap="flat" cmpd="sng" algn="ctr">
+                      <a:solidFill>
+                        <a:schemeClr val="tx1"/>
+                      </a:solidFill>
+                      <a:prstDash val="solid"/>
+                      <a:round/>
+                      <a:headEnd type="none" w="med" len="med"/>
+                      <a:tailEnd type="none" w="med" len="med"/>
+                    </a:lnB>
+                    <a:lnTlToBr w="12700" cmpd="sng">
+                      <a:noFill/>
+                      <a:prstDash val="solid"/>
+                    </a:lnTlToBr>
+                    <a:lnBlToTr w="12700" cmpd="sng">
+                      <a:noFill/>
+                      <a:prstDash val="solid"/>
+                    </a:lnBlToTr>
+                    <a:noFill/>
+                  </a:tcPr>
+                </a:tc>
+                <a:tc hMerge="1">
+                  <a:txBody>
+                    <a:bodyPr/>
+                    <a:lstStyle/>
+                    <a:p>
+                      <a:pPr algn="ctr" latinLnBrk="1">
+                        <a:lnSpc>
+                          <a:spcPts val="1100"/>
+                        </a:lnSpc>
+                      </a:pPr>
+                      <a:endParaRPr lang="ko-KR" altLang="en-US" sz="1050" b="1" dirty="0" smtClean="0">
+                        <a:solidFill>
+                          <a:schemeClr val="tx1"/>
+                        </a:solidFill>
+                        <a:latin typeface="+mn-ea"/>
+                        <a:ea typeface="+mn-ea"/>
+                      </a:endParaRPr>
+                    </a:p>
+                  </a:txBody>
+                  <a:tcPr anchor="ctr">
+                    <a:lnL w="12700" cap="flat" cmpd="sng" algn="ctr">
+                      <a:solidFill>
+                        <a:schemeClr val="tx1"/>
+                      </a:solidFill>
+                      <a:prstDash val="solid"/>
+                      <a:round/>
+                      <a:headEnd type="none" w="med" len="med"/>
+                      <a:tailEnd type="none" w="med" len="med"/>
+                    </a:lnL>
+                    <a:lnR w="12700" cap="flat" cmpd="sng" algn="ctr">
+                      <a:solidFill>
+                        <a:schemeClr val="tx1"/>
+                      </a:solidFill>
+                      <a:prstDash val="solid"/>
+                      <a:round/>
+                      <a:headEnd type="none" w="med" len="med"/>
+                      <a:tailEnd type="none" w="med" len="med"/>
+                    </a:lnR>
+                    <a:lnT w="12700" cap="flat" cmpd="sng" algn="ctr">
+                      <a:solidFill>
+                        <a:schemeClr val="tx1"/>
+                      </a:solidFill>
+                      <a:prstDash val="solid"/>
+                      <a:round/>
+                      <a:headEnd type="none" w="med" len="med"/>
+                      <a:tailEnd type="none" w="med" len="med"/>
+                    </a:lnT>
+                    <a:lnB w="12700" cap="flat" cmpd="sng" algn="ctr">
+                      <a:solidFill>
+                        <a:schemeClr val="tx1"/>
+                      </a:solidFill>
+                      <a:prstDash val="solid"/>
+                      <a:round/>
+                      <a:headEnd type="none" w="med" len="med"/>
+                      <a:tailEnd type="none" w="med" len="med"/>
+                    </a:lnB>
+                    <a:lnTlToBr w="12700" cmpd="sng">
+                      <a:noFill/>
+                      <a:prstDash val="solid"/>
+                    </a:lnTlToBr>
+                    <a:lnBlToTr w="12700" cmpd="sng">
+                      <a:noFill/>
+                      <a:prstDash val="solid"/>
+                    </a:lnBlToTr>
+                    <a:noFill/>
+                  </a:tcPr>
+                </a:tc>
+                <a:tc hMerge="1">
+                  <a:txBody>
+                    <a:bodyPr/>
+                    <a:lstStyle/>
+                    <a:p>
+                      <a:pPr algn="ctr" latinLnBrk="1">
+                        <a:lnSpc>
+                          <a:spcPts val="1100"/>
+                        </a:lnSpc>
+                      </a:pPr>
+                      <a:endParaRPr lang="ko-KR" altLang="en-US" sz="1050" b="1" dirty="0" smtClean="0">
+                        <a:solidFill>
+                          <a:schemeClr val="tx1"/>
+                        </a:solidFill>
+                        <a:latin typeface="+mn-ea"/>
+                        <a:ea typeface="+mn-ea"/>
+                      </a:endParaRPr>
+                    </a:p>
+                  </a:txBody>
+                  <a:tcPr anchor="ctr">
+                    <a:lnL w="12700" cap="flat" cmpd="sng" algn="ctr">
+                      <a:solidFill>
+                        <a:schemeClr val="tx1"/>
+                      </a:solidFill>
+                      <a:prstDash val="solid"/>
+                      <a:round/>
+                      <a:headEnd type="none" w="med" len="med"/>
+                      <a:tailEnd type="none" w="med" len="med"/>
+                    </a:lnL>
+                    <a:lnR w="12700" cap="flat" cmpd="sng" algn="ctr">
+                      <a:solidFill>
+                        <a:schemeClr val="tx1"/>
+                      </a:solidFill>
+                      <a:prstDash val="solid"/>
+                      <a:round/>
+                      <a:headEnd type="none" w="med" len="med"/>
+                      <a:tailEnd type="none" w="med" len="med"/>
+                    </a:lnR>
+                    <a:lnT w="12700" cap="flat" cmpd="sng" algn="ctr">
+                      <a:solidFill>
+                        <a:schemeClr val="tx1"/>
+                      </a:solidFill>
+                      <a:prstDash val="solid"/>
+                      <a:round/>
+                      <a:headEnd type="none" w="med" len="med"/>
+                      <a:tailEnd type="none" w="med" len="med"/>
+                    </a:lnT>
+                    <a:lnB w="12700" cap="flat" cmpd="sng" algn="ctr">
+                      <a:solidFill>
+                        <a:schemeClr val="tx1"/>
+                      </a:solidFill>
+                      <a:prstDash val="solid"/>
+                      <a:round/>
+                      <a:headEnd type="none" w="med" len="med"/>
+                      <a:tailEnd type="none" w="med" len="med"/>
+                    </a:lnB>
+                    <a:lnTlToBr w="12700" cmpd="sng">
+                      <a:noFill/>
+                      <a:prstDash val="solid"/>
+                    </a:lnTlToBr>
+                    <a:lnBlToTr w="12700" cmpd="sng">
+                      <a:noFill/>
+                      <a:prstDash val="solid"/>
+                    </a:lnBlToTr>
+                    <a:solidFill>
+                      <a:schemeClr val="bg1"/>
+                    </a:solidFill>
+                  </a:tcPr>
+                </a:tc>
+                <a:tc hMerge="1">
+                  <a:txBody>
+                    <a:bodyPr/>
+                    <a:lstStyle/>
+                    <a:p>
+                      <a:pPr algn="ctr" latinLnBrk="1">
+                        <a:lnSpc>
+                          <a:spcPts val="1100"/>
+                        </a:lnSpc>
+                      </a:pPr>
+                      <a:endParaRPr lang="ko-KR" altLang="en-US" sz="1050" b="1" dirty="0" smtClean="0">
+                        <a:solidFill>
+                          <a:schemeClr val="tx1"/>
+                        </a:solidFill>
+                        <a:latin typeface="+mn-ea"/>
+                        <a:ea typeface="+mn-ea"/>
+                      </a:endParaRPr>
+                    </a:p>
+                  </a:txBody>
+                  <a:tcPr anchor="ctr">
+                    <a:lnL w="12700" cap="flat" cmpd="sng" algn="ctr">
+                      <a:solidFill>
+                        <a:schemeClr val="tx1"/>
+                      </a:solidFill>
+                      <a:prstDash val="solid"/>
+                      <a:round/>
+                      <a:headEnd type="none" w="med" len="med"/>
+                      <a:tailEnd type="none" w="med" len="med"/>
+                    </a:lnL>
+                    <a:lnR w="12700" cap="flat" cmpd="sng" algn="ctr">
+                      <a:solidFill>
+                        <a:schemeClr val="tx1"/>
+                      </a:solidFill>
+                      <a:prstDash val="solid"/>
+                      <a:round/>
+                      <a:headEnd type="none" w="med" len="med"/>
+                      <a:tailEnd type="none" w="med" len="med"/>
+                    </a:lnR>
+                    <a:lnT w="12700" cap="flat" cmpd="sng" algn="ctr">
+                      <a:solidFill>
+                        <a:schemeClr val="tx1"/>
+                      </a:solidFill>
+                      <a:prstDash val="solid"/>
+                      <a:round/>
+                      <a:headEnd type="none" w="med" len="med"/>
+                      <a:tailEnd type="none" w="med" len="med"/>
+                    </a:lnT>
+                    <a:lnB w="12700" cap="flat" cmpd="sng" algn="ctr">
+                      <a:solidFill>
+                        <a:schemeClr val="tx1"/>
+                      </a:solidFill>
+                      <a:prstDash val="solid"/>
+                      <a:round/>
+                      <a:headEnd type="none" w="med" len="med"/>
+                      <a:tailEnd type="none" w="med" len="med"/>
+                    </a:lnB>
+                    <a:lnTlToBr w="12700" cmpd="sng">
+                      <a:noFill/>
+                      <a:prstDash val="solid"/>
+                    </a:lnTlToBr>
+                    <a:lnBlToTr w="12700" cmpd="sng">
+                      <a:noFill/>
+                      <a:prstDash val="solid"/>
+                    </a:lnBlToTr>
+                    <a:solidFill>
+                      <a:schemeClr val="bg1"/>
+                    </a:solidFill>
+                  </a:tcPr>
+                </a:tc>
+                <a:tc hMerge="1">
+                  <a:txBody>
+                    <a:bodyPr/>
+                    <a:lstStyle/>
+                    <a:p>
+                      <a:pPr algn="ctr" latinLnBrk="1">
+                        <a:lnSpc>
+                          <a:spcPts val="1100"/>
+                        </a:lnSpc>
+                      </a:pPr>
+                      <a:endParaRPr lang="ko-KR" altLang="en-US" sz="1050" b="1" dirty="0" smtClean="0">
+                        <a:solidFill>
+                          <a:schemeClr val="tx1"/>
+                        </a:solidFill>
+                        <a:latin typeface="+mn-ea"/>
+                        <a:ea typeface="+mn-ea"/>
+                      </a:endParaRPr>
+                    </a:p>
+                  </a:txBody>
+                  <a:tcPr anchor="ctr">
+                    <a:lnL w="12700" cap="flat" cmpd="sng" algn="ctr">
+                      <a:solidFill>
+                        <a:schemeClr val="tx1"/>
+                      </a:solidFill>
+                      <a:prstDash val="solid"/>
+                      <a:round/>
+                      <a:headEnd type="none" w="med" len="med"/>
+                      <a:tailEnd type="none" w="med" len="med"/>
+                    </a:lnL>
+                    <a:lnR w="12700" cap="flat" cmpd="sng" algn="ctr">
+                      <a:solidFill>
+                        <a:schemeClr val="tx1"/>
+                      </a:solidFill>
+                      <a:prstDash val="solid"/>
+                      <a:round/>
+                      <a:headEnd type="none" w="med" len="med"/>
+                      <a:tailEnd type="none" w="med" len="med"/>
+                    </a:lnR>
+                    <a:lnT w="12700" cap="flat" cmpd="sng" algn="ctr">
+                      <a:solidFill>
+                        <a:schemeClr val="tx1"/>
+                      </a:solidFill>
+                      <a:prstDash val="solid"/>
+                      <a:round/>
+                      <a:headEnd type="none" w="med" len="med"/>
+                      <a:tailEnd type="none" w="med" len="med"/>
+                    </a:lnT>
+                    <a:lnB w="12700" cap="flat" cmpd="sng" algn="ctr">
+                      <a:solidFill>
+                        <a:schemeClr val="tx1"/>
+                      </a:solidFill>
+                      <a:prstDash val="solid"/>
+                      <a:round/>
+                      <a:headEnd type="none" w="med" len="med"/>
+                      <a:tailEnd type="none" w="med" len="med"/>
+                    </a:lnB>
+                    <a:lnTlToBr w="12700" cmpd="sng">
+                      <a:noFill/>
+                      <a:prstDash val="solid"/>
+                    </a:lnTlToBr>
+                    <a:lnBlToTr w="12700" cmpd="sng">
+                      <a:noFill/>
+                      <a:prstDash val="solid"/>
+                    </a:lnBlToTr>
+                    <a:solidFill>
+                      <a:schemeClr val="bg1"/>
+                    </a:solidFill>
+                  </a:tcPr>
+                </a:tc>
+              </a:tr>
+              <a:tr h="360000">
+                <a:tc>
+                  <a:txBody>
+                    <a:bodyPr/>
+                    <a:lstStyle/>
+                    <a:p>
+                      <a:pPr algn="ctr" latinLnBrk="1">
+                        <a:lnSpc>
+                          <a:spcPts val="1100"/>
+                        </a:lnSpc>
+                      </a:pPr>
+                      <a:r>
+                        <a:rPr lang="en-US" altLang="ko-KR" sz="1050" b="1" dirty="0" smtClean="0">
+                          <a:solidFill>
+                            <a:schemeClr val="tx1"/>
+                          </a:solidFill>
+                          <a:latin typeface="+mn-ea"/>
+                          <a:ea typeface="+mn-ea"/>
+                        </a:rPr>
+                        <a:t>2</a:t>
+                      </a:r>
+                      <a:r>
+                        <a:rPr lang="ko-KR" altLang="en-US" sz="1050" b="1" dirty="0" smtClean="0">
+                          <a:solidFill>
+                            <a:schemeClr val="tx1"/>
+                          </a:solidFill>
+                          <a:latin typeface="+mn-ea"/>
+                          <a:ea typeface="+mn-ea"/>
+                        </a:rPr>
+                        <a:t>주차</a:t>
+                      </a:r>
+                      <a:endParaRPr lang="ko-KR" altLang="en-US" sz="1050" b="1" dirty="0">
+                        <a:solidFill>
+                          <a:schemeClr val="tx1"/>
+                        </a:solidFill>
+                        <a:latin typeface="+mn-ea"/>
+                        <a:ea typeface="+mn-ea"/>
+                      </a:endParaRPr>
+                    </a:p>
+                  </a:txBody>
+                  <a:tcPr anchor="ctr">
+                    <a:lnL w="12700" cap="flat" cmpd="sng" algn="ctr">
+                      <a:solidFill>
+                        <a:schemeClr val="tx1"/>
+                      </a:solidFill>
+                      <a:prstDash val="solid"/>
+                      <a:round/>
+                      <a:headEnd type="none" w="med" len="med"/>
+                      <a:tailEnd type="none" w="med" len="med"/>
+                    </a:lnL>
+                    <a:lnR w="12700" cap="flat" cmpd="sng" algn="ctr">
+                      <a:solidFill>
+                        <a:schemeClr val="tx1"/>
+                      </a:solidFill>
+                      <a:prstDash val="solid"/>
+                      <a:round/>
+                      <a:headEnd type="none" w="med" len="med"/>
+                      <a:tailEnd type="none" w="med" len="med"/>
+                    </a:lnR>
+                    <a:lnT w="12700" cap="flat" cmpd="sng" algn="ctr">
+                      <a:solidFill>
+                        <a:schemeClr val="tx1"/>
+                      </a:solidFill>
+                      <a:prstDash val="solid"/>
+                      <a:round/>
+                      <a:headEnd type="none" w="med" len="med"/>
+                      <a:tailEnd type="none" w="med" len="med"/>
+                    </a:lnT>
+                    <a:lnB w="12700" cap="flat" cmpd="sng" algn="ctr">
+                      <a:solidFill>
+                        <a:schemeClr val="tx1"/>
+                      </a:solidFill>
+                      <a:prstDash val="solid"/>
+                      <a:round/>
+                      <a:headEnd type="none" w="med" len="med"/>
+                      <a:tailEnd type="none" w="med" len="med"/>
+                    </a:lnB>
+                    <a:lnTlToBr w="12700" cmpd="sng">
+                      <a:noFill/>
+                      <a:prstDash val="solid"/>
+                    </a:lnTlToBr>
+                    <a:lnBlToTr w="12700" cmpd="sng">
+                      <a:noFill/>
+                      <a:prstDash val="solid"/>
+                    </a:lnBlToTr>
+                    <a:solidFill>
+                      <a:schemeClr val="accent4"/>
+                    </a:solidFill>
+                  </a:tcPr>
+                </a:tc>
+                <a:tc>
+                  <a:txBody>
+                    <a:bodyPr/>
+                    <a:lstStyle/>
+                    <a:p>
+                      <a:pPr marL="0" marR="0" indent="0" algn="ctr" defTabSz="914400" rtl="0" eaLnBrk="1" fontAlgn="auto" latinLnBrk="1" hangingPunct="1">
+                        <a:lnSpc>
+                          <a:spcPts val="1100"/>
+                        </a:lnSpc>
+                        <a:spcBef>
+                          <a:spcPts val="0"/>
+                        </a:spcBef>
+                        <a:spcAft>
+                          <a:spcPts val="0"/>
+                        </a:spcAft>
+                        <a:buClrTx/>
+                        <a:buSzTx/>
+                        <a:buFontTx/>
+                        <a:buNone/>
+                        <a:tabLst/>
+                        <a:defRPr/>
+                      </a:pPr>
+                      <a:r>
+                        <a:rPr lang="en-US" altLang="ko-KR" sz="1050" b="1" dirty="0" smtClean="0">
+                          <a:solidFill>
+                            <a:schemeClr val="tx1"/>
+                          </a:solidFill>
+                          <a:latin typeface="+mn-ea"/>
+                          <a:ea typeface="+mn-ea"/>
+                        </a:rPr>
+                        <a:t>28</a:t>
+                      </a:r>
+                      <a:r>
+                        <a:rPr lang="ko-KR" altLang="en-US" sz="1050" b="1" dirty="0" smtClean="0">
+                          <a:solidFill>
+                            <a:schemeClr val="tx1"/>
+                          </a:solidFill>
+                          <a:latin typeface="+mn-ea"/>
+                          <a:ea typeface="+mn-ea"/>
+                        </a:rPr>
+                        <a:t>일 </a:t>
+                      </a:r>
+                      <a:r>
+                        <a:rPr lang="en-US" altLang="ko-KR" sz="1050" b="1" dirty="0" smtClean="0">
+                          <a:solidFill>
+                            <a:schemeClr val="tx1"/>
+                          </a:solidFill>
+                          <a:latin typeface="+mn-ea"/>
+                          <a:ea typeface="+mn-ea"/>
+                        </a:rPr>
+                        <a:t>(</a:t>
+                      </a:r>
+                      <a:r>
+                        <a:rPr lang="ko-KR" altLang="en-US" sz="1050" b="1" dirty="0" smtClean="0">
+                          <a:solidFill>
+                            <a:schemeClr val="tx1"/>
+                          </a:solidFill>
+                          <a:latin typeface="+mn-ea"/>
+                          <a:ea typeface="+mn-ea"/>
+                        </a:rPr>
+                        <a:t>월</a:t>
+                      </a:r>
+                      <a:r>
+                        <a:rPr lang="en-US" altLang="ko-KR" sz="1050" b="1" dirty="0" smtClean="0">
+                          <a:solidFill>
+                            <a:schemeClr val="tx1"/>
+                          </a:solidFill>
+                          <a:latin typeface="+mn-ea"/>
+                          <a:ea typeface="+mn-ea"/>
+                        </a:rPr>
+                        <a:t>)</a:t>
+                      </a:r>
+                      <a:endParaRPr lang="ko-KR" altLang="en-US" sz="1050" b="1" dirty="0" smtClean="0">
+                        <a:solidFill>
+                          <a:schemeClr val="tx1"/>
+                        </a:solidFill>
+                        <a:latin typeface="+mn-ea"/>
+                        <a:ea typeface="+mn-ea"/>
+                      </a:endParaRPr>
+                    </a:p>
+                  </a:txBody>
+                  <a:tcPr anchor="ctr">
+                    <a:lnL w="12700" cap="flat" cmpd="sng" algn="ctr">
+                      <a:solidFill>
+                        <a:schemeClr val="tx1"/>
+                      </a:solidFill>
+                      <a:prstDash val="solid"/>
+                      <a:round/>
+                      <a:headEnd type="none" w="med" len="med"/>
+                      <a:tailEnd type="none" w="med" len="med"/>
+                    </a:lnL>
+                    <a:lnR w="12700" cap="flat" cmpd="sng" algn="ctr">
+                      <a:solidFill>
+                        <a:schemeClr val="tx1"/>
+                      </a:solidFill>
+                      <a:prstDash val="solid"/>
+                      <a:round/>
+                      <a:headEnd type="none" w="med" len="med"/>
+                      <a:tailEnd type="none" w="med" len="med"/>
+                    </a:lnR>
+                    <a:lnT w="12700" cap="flat" cmpd="sng" algn="ctr">
+                      <a:solidFill>
+                        <a:schemeClr val="tx1"/>
+                      </a:solidFill>
+                      <a:prstDash val="solid"/>
+                      <a:round/>
+                      <a:headEnd type="none" w="med" len="med"/>
+                      <a:tailEnd type="none" w="med" len="med"/>
+                    </a:lnT>
+                    <a:lnB w="12700" cap="flat" cmpd="sng" algn="ctr">
+                      <a:solidFill>
+                        <a:schemeClr val="tx1"/>
+                      </a:solidFill>
+                      <a:prstDash val="solid"/>
+                      <a:round/>
+                      <a:headEnd type="none" w="med" len="med"/>
+                      <a:tailEnd type="none" w="med" len="med"/>
+                    </a:lnB>
+                    <a:lnTlToBr w="12700" cmpd="sng">
+                      <a:noFill/>
+                      <a:prstDash val="solid"/>
+                    </a:lnTlToBr>
+                    <a:lnBlToTr w="12700" cmpd="sng">
+                      <a:noFill/>
+                      <a:prstDash val="solid"/>
+                    </a:lnBlToTr>
+                    <a:solidFill>
+                      <a:schemeClr val="accent4"/>
+                    </a:solidFill>
+                  </a:tcPr>
+                </a:tc>
+                <a:tc>
+                  <a:txBody>
+                    <a:bodyPr/>
+                    <a:lstStyle/>
+                    <a:p>
+                      <a:pPr marL="0" marR="0" indent="0" algn="ctr" defTabSz="914400" rtl="0" eaLnBrk="1" fontAlgn="auto" latinLnBrk="1" hangingPunct="1">
+                        <a:lnSpc>
+                          <a:spcPts val="1100"/>
+                        </a:lnSpc>
+                        <a:spcBef>
+                          <a:spcPts val="0"/>
+                        </a:spcBef>
+                        <a:spcAft>
+                          <a:spcPts val="0"/>
+                        </a:spcAft>
+                        <a:buClrTx/>
+                        <a:buSzTx/>
+                        <a:buFontTx/>
+                        <a:buNone/>
+                        <a:tabLst/>
+                        <a:defRPr/>
+                      </a:pPr>
+                      <a:r>
+                        <a:rPr lang="en-US" altLang="ko-KR" sz="1050" b="1" dirty="0" smtClean="0">
+                          <a:solidFill>
+                            <a:schemeClr val="tx1"/>
+                          </a:solidFill>
+                          <a:latin typeface="+mn-ea"/>
+                          <a:ea typeface="+mn-ea"/>
+                        </a:rPr>
+                        <a:t>29</a:t>
+                      </a:r>
+                      <a:r>
+                        <a:rPr lang="ko-KR" altLang="en-US" sz="1050" b="1" dirty="0" smtClean="0">
+                          <a:solidFill>
+                            <a:schemeClr val="tx1"/>
+                          </a:solidFill>
+                          <a:latin typeface="+mn-ea"/>
+                          <a:ea typeface="+mn-ea"/>
+                        </a:rPr>
+                        <a:t>일 </a:t>
+                      </a:r>
+                      <a:r>
+                        <a:rPr lang="en-US" altLang="ko-KR" sz="1050" b="1" dirty="0" smtClean="0">
+                          <a:solidFill>
+                            <a:schemeClr val="tx1"/>
+                          </a:solidFill>
+                          <a:latin typeface="+mn-ea"/>
+                          <a:ea typeface="+mn-ea"/>
+                        </a:rPr>
+                        <a:t>(</a:t>
+                      </a:r>
+                      <a:r>
+                        <a:rPr lang="ko-KR" altLang="en-US" sz="1050" b="1" dirty="0" smtClean="0">
+                          <a:solidFill>
+                            <a:schemeClr val="tx1"/>
+                          </a:solidFill>
+                          <a:latin typeface="+mn-ea"/>
+                          <a:ea typeface="+mn-ea"/>
+                        </a:rPr>
+                        <a:t>화</a:t>
+                      </a:r>
+                      <a:r>
+                        <a:rPr lang="en-US" altLang="ko-KR" sz="1050" b="1" dirty="0" smtClean="0">
+                          <a:solidFill>
+                            <a:schemeClr val="tx1"/>
+                          </a:solidFill>
+                          <a:latin typeface="+mn-ea"/>
+                          <a:ea typeface="+mn-ea"/>
+                        </a:rPr>
+                        <a:t>)</a:t>
+                      </a:r>
+                      <a:endParaRPr lang="ko-KR" altLang="en-US" sz="1050" b="1" dirty="0" smtClean="0">
+                        <a:solidFill>
+                          <a:schemeClr val="tx1"/>
+                        </a:solidFill>
+                        <a:latin typeface="+mn-ea"/>
+                        <a:ea typeface="+mn-ea"/>
+                      </a:endParaRPr>
+                    </a:p>
+                  </a:txBody>
+                  <a:tcPr anchor="ctr">
+                    <a:lnL w="12700" cap="flat" cmpd="sng" algn="ctr">
+                      <a:solidFill>
+                        <a:schemeClr val="tx1"/>
+                      </a:solidFill>
+                      <a:prstDash val="solid"/>
+                      <a:round/>
+                      <a:headEnd type="none" w="med" len="med"/>
+                      <a:tailEnd type="none" w="med" len="med"/>
+                    </a:lnL>
+                    <a:lnR w="12700" cap="flat" cmpd="sng" algn="ctr">
+                      <a:solidFill>
+                        <a:schemeClr val="tx1"/>
+                      </a:solidFill>
+                      <a:prstDash val="solid"/>
+                      <a:round/>
+                      <a:headEnd type="none" w="med" len="med"/>
+                      <a:tailEnd type="none" w="med" len="med"/>
+                    </a:lnR>
+                    <a:lnT w="12700" cap="flat" cmpd="sng" algn="ctr">
+                      <a:solidFill>
+                        <a:schemeClr val="tx1"/>
+                      </a:solidFill>
+                      <a:prstDash val="solid"/>
+                      <a:round/>
+                      <a:headEnd type="none" w="med" len="med"/>
+                      <a:tailEnd type="none" w="med" len="med"/>
+                    </a:lnT>
+                    <a:lnB w="12700" cap="flat" cmpd="sng" algn="ctr">
+                      <a:solidFill>
+                        <a:schemeClr val="tx1"/>
+                      </a:solidFill>
+                      <a:prstDash val="solid"/>
+                      <a:round/>
+                      <a:headEnd type="none" w="med" len="med"/>
+                      <a:tailEnd type="none" w="med" len="med"/>
+                    </a:lnB>
+                    <a:lnTlToBr w="12700" cmpd="sng">
+                      <a:noFill/>
+                      <a:prstDash val="solid"/>
+                    </a:lnTlToBr>
+                    <a:lnBlToTr w="12700" cmpd="sng">
+                      <a:noFill/>
+                      <a:prstDash val="solid"/>
+                    </a:lnBlToTr>
+                    <a:solidFill>
+                      <a:schemeClr val="accent4"/>
+                    </a:solidFill>
+                  </a:tcPr>
+                </a:tc>
+                <a:tc>
+                  <a:txBody>
+                    <a:bodyPr/>
+                    <a:lstStyle/>
+                    <a:p>
+                      <a:pPr marL="0" marR="0" indent="0" algn="ctr" defTabSz="914400" rtl="0" eaLnBrk="1" fontAlgn="auto" latinLnBrk="1" hangingPunct="1">
+                        <a:lnSpc>
+                          <a:spcPts val="1100"/>
+                        </a:lnSpc>
+                        <a:spcBef>
+                          <a:spcPts val="0"/>
+                        </a:spcBef>
+                        <a:spcAft>
+                          <a:spcPts val="0"/>
+                        </a:spcAft>
+                        <a:buClrTx/>
+                        <a:buSzTx/>
+                        <a:buFontTx/>
+                        <a:buNone/>
+                        <a:tabLst/>
+                        <a:defRPr/>
+                      </a:pPr>
+                      <a:r>
+                        <a:rPr lang="en-US" altLang="ko-KR" sz="1050" b="1" dirty="0" smtClean="0">
+                          <a:solidFill>
+                            <a:schemeClr val="tx1"/>
+                          </a:solidFill>
+                          <a:latin typeface="+mn-ea"/>
+                          <a:ea typeface="+mn-ea"/>
+                        </a:rPr>
+                        <a:t>30</a:t>
+                      </a:r>
+                      <a:r>
+                        <a:rPr lang="ko-KR" altLang="en-US" sz="1050" b="1" dirty="0" smtClean="0">
+                          <a:solidFill>
+                            <a:schemeClr val="tx1"/>
+                          </a:solidFill>
+                          <a:latin typeface="+mn-ea"/>
+                          <a:ea typeface="+mn-ea"/>
+                        </a:rPr>
+                        <a:t>일 </a:t>
+                      </a:r>
+                      <a:r>
+                        <a:rPr lang="en-US" altLang="ko-KR" sz="1050" b="1" dirty="0" smtClean="0">
+                          <a:solidFill>
+                            <a:schemeClr val="tx1"/>
+                          </a:solidFill>
+                          <a:latin typeface="+mn-ea"/>
+                          <a:ea typeface="+mn-ea"/>
+                        </a:rPr>
+                        <a:t>(</a:t>
+                      </a:r>
+                      <a:r>
+                        <a:rPr lang="ko-KR" altLang="en-US" sz="1050" b="1" dirty="0" smtClean="0">
+                          <a:solidFill>
+                            <a:schemeClr val="tx1"/>
+                          </a:solidFill>
+                          <a:latin typeface="+mn-ea"/>
+                          <a:ea typeface="+mn-ea"/>
+                        </a:rPr>
+                        <a:t>수</a:t>
+                      </a:r>
+                      <a:r>
+                        <a:rPr lang="en-US" altLang="ko-KR" sz="1050" b="1" dirty="0" smtClean="0">
+                          <a:solidFill>
+                            <a:schemeClr val="tx1"/>
+                          </a:solidFill>
+                          <a:latin typeface="+mn-ea"/>
+                          <a:ea typeface="+mn-ea"/>
+                        </a:rPr>
+                        <a:t>)</a:t>
+                      </a:r>
+                    </a:p>
+                  </a:txBody>
+                  <a:tcPr anchor="ctr">
+                    <a:lnL w="12700" cap="flat" cmpd="sng" algn="ctr">
+                      <a:solidFill>
+                        <a:schemeClr val="tx1"/>
+                      </a:solidFill>
+                      <a:prstDash val="solid"/>
+                      <a:round/>
+                      <a:headEnd type="none" w="med" len="med"/>
+                      <a:tailEnd type="none" w="med" len="med"/>
+                    </a:lnL>
+                    <a:lnR w="12700" cap="flat" cmpd="sng" algn="ctr">
+                      <a:solidFill>
+                        <a:schemeClr val="tx1"/>
+                      </a:solidFill>
+                      <a:prstDash val="solid"/>
+                      <a:round/>
+                      <a:headEnd type="none" w="med" len="med"/>
+                      <a:tailEnd type="none" w="med" len="med"/>
+                    </a:lnR>
+                    <a:lnT w="12700" cap="flat" cmpd="sng" algn="ctr">
+                      <a:solidFill>
+                        <a:schemeClr val="tx1"/>
+                      </a:solidFill>
+                      <a:prstDash val="solid"/>
+                      <a:round/>
+                      <a:headEnd type="none" w="med" len="med"/>
+                      <a:tailEnd type="none" w="med" len="med"/>
+                    </a:lnT>
+                    <a:lnB w="12700" cap="flat" cmpd="sng" algn="ctr">
+                      <a:solidFill>
+                        <a:schemeClr val="tx1"/>
+                      </a:solidFill>
+                      <a:prstDash val="solid"/>
+                      <a:round/>
+                      <a:headEnd type="none" w="med" len="med"/>
+                      <a:tailEnd type="none" w="med" len="med"/>
+                    </a:lnB>
+                    <a:lnTlToBr w="12700" cmpd="sng">
+                      <a:noFill/>
+                      <a:prstDash val="solid"/>
+                    </a:lnTlToBr>
+                    <a:lnBlToTr w="12700" cmpd="sng">
+                      <a:noFill/>
+                      <a:prstDash val="solid"/>
+                    </a:lnBlToTr>
+                    <a:solidFill>
+                      <a:schemeClr val="accent4"/>
+                    </a:solidFill>
+                  </a:tcPr>
+                </a:tc>
+                <a:tc>
+                  <a:txBody>
+                    <a:bodyPr/>
+                    <a:lstStyle/>
+                    <a:p>
+                      <a:pPr marL="0" marR="0" indent="0" algn="ctr" defTabSz="914400" rtl="0" eaLnBrk="1" fontAlgn="auto" latinLnBrk="1" hangingPunct="1">
+                        <a:lnSpc>
+                          <a:spcPts val="1100"/>
+                        </a:lnSpc>
+                        <a:spcBef>
+                          <a:spcPts val="0"/>
+                        </a:spcBef>
+                        <a:spcAft>
+                          <a:spcPts val="0"/>
+                        </a:spcAft>
+                        <a:buClrTx/>
+                        <a:buSzTx/>
+                        <a:buFontTx/>
+                        <a:buNone/>
+                        <a:tabLst/>
+                        <a:defRPr/>
+                      </a:pPr>
+                      <a:endParaRPr lang="ko-KR" altLang="en-US" sz="1050" b="1" dirty="0" smtClean="0">
+                        <a:solidFill>
+                          <a:schemeClr val="tx1"/>
+                        </a:solidFill>
+                        <a:latin typeface="+mn-ea"/>
+                        <a:ea typeface="+mn-ea"/>
+                      </a:endParaRPr>
+                    </a:p>
+                  </a:txBody>
+                  <a:tcPr anchor="ctr">
+                    <a:lnL w="12700" cap="flat" cmpd="sng" algn="ctr">
+                      <a:solidFill>
+                        <a:schemeClr val="tx1"/>
+                      </a:solidFill>
+                      <a:prstDash val="solid"/>
+                      <a:round/>
+                      <a:headEnd type="none" w="med" len="med"/>
+                      <a:tailEnd type="none" w="med" len="med"/>
+                    </a:lnL>
+                    <a:lnR w="12700" cap="flat" cmpd="sng" algn="ctr">
+                      <a:solidFill>
+                        <a:schemeClr val="tx1"/>
+                      </a:solidFill>
+                      <a:prstDash val="solid"/>
+                      <a:round/>
+                      <a:headEnd type="none" w="med" len="med"/>
+                      <a:tailEnd type="none" w="med" len="med"/>
+                    </a:lnR>
+                    <a:lnT w="12700" cap="flat" cmpd="sng" algn="ctr">
+                      <a:solidFill>
+                        <a:schemeClr val="tx1"/>
+                      </a:solidFill>
+                      <a:prstDash val="solid"/>
+                      <a:round/>
+                      <a:headEnd type="none" w="med" len="med"/>
+                      <a:tailEnd type="none" w="med" len="med"/>
+                    </a:lnT>
+                    <a:lnB w="12700" cap="flat" cmpd="sng" algn="ctr">
+                      <a:solidFill>
+                        <a:schemeClr val="tx1"/>
+                      </a:solidFill>
+                      <a:prstDash val="solid"/>
+                      <a:round/>
+                      <a:headEnd type="none" w="med" len="med"/>
+                      <a:tailEnd type="none" w="med" len="med"/>
+                    </a:lnB>
+                    <a:lnTlToBr w="12700" cmpd="sng">
+                      <a:noFill/>
+                      <a:prstDash val="solid"/>
+                    </a:lnTlToBr>
+                    <a:lnBlToTr w="12700" cmpd="sng">
+                      <a:noFill/>
+                      <a:prstDash val="solid"/>
+                    </a:lnBlToTr>
+                    <a:solidFill>
+                      <a:schemeClr val="accent4"/>
+                    </a:solidFill>
+                  </a:tcPr>
+                </a:tc>
+                <a:tc>
+                  <a:txBody>
+                    <a:bodyPr/>
+                    <a:lstStyle/>
+                    <a:p>
+                      <a:pPr marL="0" marR="0" indent="0" algn="ctr" defTabSz="914400" rtl="0" eaLnBrk="1" fontAlgn="auto" latinLnBrk="1" hangingPunct="1">
+                        <a:lnSpc>
+                          <a:spcPts val="1100"/>
+                        </a:lnSpc>
+                        <a:spcBef>
+                          <a:spcPts val="0"/>
+                        </a:spcBef>
+                        <a:spcAft>
+                          <a:spcPts val="0"/>
+                        </a:spcAft>
+                        <a:buClrTx/>
+                        <a:buSzTx/>
+                        <a:buFontTx/>
+                        <a:buNone/>
+                        <a:tabLst/>
+                        <a:defRPr/>
+                      </a:pPr>
+                      <a:endParaRPr lang="en-US" altLang="ko-KR" sz="1050" b="1" dirty="0" smtClean="0">
+                        <a:solidFill>
+                          <a:schemeClr val="tx1"/>
+                        </a:solidFill>
+                        <a:latin typeface="+mn-ea"/>
+                        <a:ea typeface="+mn-ea"/>
+                      </a:endParaRPr>
+                    </a:p>
+                  </a:txBody>
+                  <a:tcPr anchor="ctr">
+                    <a:lnL w="12700" cap="flat" cmpd="sng" algn="ctr">
+                      <a:solidFill>
+                        <a:schemeClr val="tx1"/>
+                      </a:solidFill>
+                      <a:prstDash val="solid"/>
+                      <a:round/>
+                      <a:headEnd type="none" w="med" len="med"/>
+                      <a:tailEnd type="none" w="med" len="med"/>
+                    </a:lnL>
+                    <a:lnR w="12700" cap="flat" cmpd="sng" algn="ctr">
+                      <a:solidFill>
+                        <a:schemeClr val="tx1"/>
+                      </a:solidFill>
+                      <a:prstDash val="solid"/>
+                      <a:round/>
+                      <a:headEnd type="none" w="med" len="med"/>
+                      <a:tailEnd type="none" w="med" len="med"/>
+                    </a:lnR>
+                    <a:lnT w="12700" cap="flat" cmpd="sng" algn="ctr">
+                      <a:solidFill>
+                        <a:schemeClr val="tx1"/>
+                      </a:solidFill>
+                      <a:prstDash val="solid"/>
+                      <a:round/>
+                      <a:headEnd type="none" w="med" len="med"/>
+                      <a:tailEnd type="none" w="med" len="med"/>
+                    </a:lnT>
+                    <a:lnB w="12700" cap="flat" cmpd="sng" algn="ctr">
+                      <a:solidFill>
+                        <a:schemeClr val="tx1"/>
+                      </a:solidFill>
+                      <a:prstDash val="solid"/>
+                      <a:round/>
+                      <a:headEnd type="none" w="med" len="med"/>
+                      <a:tailEnd type="none" w="med" len="med"/>
+                    </a:lnB>
+                    <a:lnTlToBr w="12700" cmpd="sng">
+                      <a:noFill/>
+                      <a:prstDash val="solid"/>
+                    </a:lnTlToBr>
+                    <a:lnBlToTr w="12700" cmpd="sng">
+                      <a:noFill/>
+                      <a:prstDash val="solid"/>
+                    </a:lnBlToTr>
+                    <a:solidFill>
+                      <a:schemeClr val="accent4"/>
+                    </a:solidFill>
+                  </a:tcPr>
+                </a:tc>
+              </a:tr>
+              <a:tr h="900000">
+                <a:tc>
+                  <a:txBody>
+                    <a:bodyPr/>
+                    <a:lstStyle/>
+                    <a:p>
+                      <a:pPr algn="ctr" latinLnBrk="1">
+                        <a:lnSpc>
+                          <a:spcPts val="1100"/>
+                        </a:lnSpc>
+                      </a:pPr>
+                      <a:r>
+                        <a:rPr lang="ko-KR" altLang="en-US" sz="1050" b="1" dirty="0" smtClean="0">
+                          <a:solidFill>
+                            <a:schemeClr val="tx1"/>
+                          </a:solidFill>
+                          <a:latin typeface="+mn-ea"/>
+                          <a:ea typeface="+mn-ea"/>
+                        </a:rPr>
+                        <a:t>소담반상</a:t>
+                      </a:r>
+                      <a:endParaRPr lang="ko-KR" altLang="en-US" sz="1050" b="1" dirty="0">
+                        <a:solidFill>
+                          <a:schemeClr val="tx1"/>
+                        </a:solidFill>
+                        <a:latin typeface="+mn-ea"/>
+                        <a:ea typeface="+mn-ea"/>
+                      </a:endParaRPr>
+                    </a:p>
+                  </a:txBody>
+                  <a:tcPr anchor="ctr">
+                    <a:lnL w="12700" cap="flat" cmpd="sng" algn="ctr">
+                      <a:solidFill>
+                        <a:schemeClr val="tx1"/>
+                      </a:solidFill>
+                      <a:prstDash val="solid"/>
+                      <a:round/>
+                      <a:headEnd type="none" w="med" len="med"/>
+                      <a:tailEnd type="none" w="med" len="med"/>
+                    </a:lnL>
+                    <a:lnR w="12700" cap="flat" cmpd="sng" algn="ctr">
+                      <a:solidFill>
+                        <a:schemeClr val="tx1"/>
+                      </a:solidFill>
+                      <a:prstDash val="solid"/>
+                      <a:round/>
+                      <a:headEnd type="none" w="med" len="med"/>
+                      <a:tailEnd type="none" w="med" len="med"/>
+                    </a:lnR>
+                    <a:lnT w="12700" cap="flat" cmpd="sng" algn="ctr">
+                      <a:solidFill>
+                        <a:schemeClr val="tx1"/>
+                      </a:solidFill>
+                      <a:prstDash val="solid"/>
+                      <a:round/>
+                      <a:headEnd type="none" w="med" len="med"/>
+                      <a:tailEnd type="none" w="med" len="med"/>
+                    </a:lnT>
+                    <a:lnB w="12700" cap="flat" cmpd="sng" algn="ctr">
+                      <a:solidFill>
+                        <a:schemeClr val="tx1"/>
+                      </a:solidFill>
+                      <a:prstDash val="solid"/>
+                      <a:round/>
+                      <a:headEnd type="none" w="med" len="med"/>
+                      <a:tailEnd type="none" w="med" len="med"/>
+                    </a:lnB>
+                    <a:lnTlToBr w="12700" cmpd="sng">
+                      <a:noFill/>
+                      <a:prstDash val="solid"/>
+                    </a:lnTlToBr>
+                    <a:lnBlToTr w="12700" cmpd="sng">
+                      <a:noFill/>
+                      <a:prstDash val="solid"/>
+                    </a:lnBlToTr>
+                    <a:solidFill>
+                      <a:schemeClr val="bg1"/>
+                    </a:solidFill>
+                  </a:tcPr>
+                </a:tc>
+                <a:tc>
+                  <a:txBody>
+                    <a:bodyPr/>
+                    <a:lstStyle/>
+                    <a:p>
+                      <a:pPr algn="ctr" latinLnBrk="1">
+                        <a:lnSpc>
+                          <a:spcPts val="1100"/>
+                        </a:lnSpc>
+                      </a:pPr>
+                      <a:r>
+                        <a:rPr lang="ko-KR" altLang="en-US" sz="1050" b="1" dirty="0" smtClean="0">
+                          <a:solidFill>
+                            <a:schemeClr val="tx1"/>
+                          </a:solidFill>
+                          <a:latin typeface="+mn-ea"/>
+                          <a:ea typeface="+mn-ea"/>
+                        </a:rPr>
+                        <a:t>장터국밥</a:t>
+                      </a:r>
+                      <a:endParaRPr lang="en-US" altLang="ko-KR" sz="1050" b="1" dirty="0" smtClean="0">
+                        <a:solidFill>
+                          <a:schemeClr val="tx1"/>
+                        </a:solidFill>
+                        <a:latin typeface="+mn-ea"/>
+                        <a:ea typeface="+mn-ea"/>
+                      </a:endParaRPr>
+                    </a:p>
+                    <a:p>
+                      <a:pPr algn="ctr" latinLnBrk="1">
+                        <a:lnSpc>
+                          <a:spcPts val="1100"/>
+                        </a:lnSpc>
+                      </a:pPr>
+                      <a:r>
+                        <a:rPr lang="en-US" altLang="ko-KR" sz="1050" b="1" dirty="0" smtClean="0">
+                          <a:solidFill>
+                            <a:schemeClr val="tx1"/>
+                          </a:solidFill>
+                          <a:latin typeface="+mn-ea"/>
+                          <a:ea typeface="+mn-ea"/>
+                        </a:rPr>
+                        <a:t>(</a:t>
+                      </a:r>
+                      <a:r>
+                        <a:rPr lang="en-US" altLang="ko-KR" sz="1050" b="1" baseline="0" dirty="0" smtClean="0">
+                          <a:solidFill>
+                            <a:schemeClr val="tx1"/>
+                          </a:solidFill>
+                          <a:latin typeface="+mn-ea"/>
+                          <a:ea typeface="+mn-ea"/>
+                        </a:rPr>
+                        <a:t>8,000)</a:t>
+                      </a:r>
+                      <a:endParaRPr lang="en-US" altLang="ko-KR" sz="1050" b="1" dirty="0" smtClean="0">
+                        <a:solidFill>
+                          <a:schemeClr val="tx1"/>
+                        </a:solidFill>
+                        <a:latin typeface="+mn-ea"/>
+                        <a:ea typeface="+mn-ea"/>
+                      </a:endParaRPr>
+                    </a:p>
+                    <a:p>
+                      <a:pPr algn="ctr" latinLnBrk="1">
+                        <a:lnSpc>
+                          <a:spcPts val="1100"/>
+                        </a:lnSpc>
+                      </a:pPr>
+                      <a:r>
+                        <a:rPr lang="ko-KR" altLang="en-US" sz="1050" b="1" dirty="0" err="1" smtClean="0">
+                          <a:solidFill>
+                            <a:schemeClr val="tx1"/>
+                          </a:solidFill>
+                          <a:latin typeface="+mn-ea"/>
+                          <a:ea typeface="+mn-ea"/>
+                        </a:rPr>
+                        <a:t>매운갈비찜반상</a:t>
+                      </a:r>
+                      <a:endParaRPr lang="en-US" altLang="ko-KR" sz="1050" b="1" dirty="0" smtClean="0">
+                        <a:solidFill>
+                          <a:schemeClr val="tx1"/>
+                        </a:solidFill>
+                        <a:latin typeface="+mn-ea"/>
+                        <a:ea typeface="+mn-ea"/>
+                      </a:endParaRPr>
+                    </a:p>
+                    <a:p>
+                      <a:pPr algn="ctr" latinLnBrk="1">
+                        <a:lnSpc>
+                          <a:spcPts val="1100"/>
+                        </a:lnSpc>
+                      </a:pPr>
+                      <a:r>
+                        <a:rPr lang="en-US" altLang="ko-KR" sz="1050" b="1" dirty="0" smtClean="0">
+                          <a:solidFill>
+                            <a:schemeClr val="tx1"/>
+                          </a:solidFill>
+                          <a:latin typeface="+mn-ea"/>
+                          <a:ea typeface="+mn-ea"/>
+                        </a:rPr>
+                        <a:t>(9,500)</a:t>
+                      </a:r>
+                      <a:endParaRPr lang="en-US" altLang="ko-KR" sz="1050" b="1" dirty="0" smtClean="0">
+                        <a:solidFill>
+                          <a:schemeClr val="tx1"/>
+                        </a:solidFill>
+                        <a:latin typeface="+mn-ea"/>
+                        <a:ea typeface="+mn-ea"/>
+                      </a:endParaRPr>
+                    </a:p>
+                  </a:txBody>
+                  <a:tcPr anchor="ctr">
+                    <a:lnL w="12700" cap="flat" cmpd="sng" algn="ctr">
+                      <a:solidFill>
+                        <a:schemeClr val="tx1"/>
+                      </a:solidFill>
+                      <a:prstDash val="solid"/>
+                      <a:round/>
+                      <a:headEnd type="none" w="med" len="med"/>
+                      <a:tailEnd type="none" w="med" len="med"/>
+                    </a:lnL>
+                    <a:lnR w="12700" cap="flat" cmpd="sng" algn="ctr">
+                      <a:solidFill>
+                        <a:schemeClr val="tx1"/>
+                      </a:solidFill>
+                      <a:prstDash val="solid"/>
+                      <a:round/>
+                      <a:headEnd type="none" w="med" len="med"/>
+                      <a:tailEnd type="none" w="med" len="med"/>
+                    </a:lnR>
+                    <a:lnT w="12700" cap="flat" cmpd="sng" algn="ctr">
+                      <a:solidFill>
+                        <a:schemeClr val="tx1"/>
+                      </a:solidFill>
+                      <a:prstDash val="solid"/>
+                      <a:round/>
+                      <a:headEnd type="none" w="med" len="med"/>
+                      <a:tailEnd type="none" w="med" len="med"/>
+                    </a:lnT>
+                    <a:lnB w="12700" cap="flat" cmpd="sng" algn="ctr">
+                      <a:solidFill>
+                        <a:schemeClr val="tx1"/>
+                      </a:solidFill>
+                      <a:prstDash val="solid"/>
+                      <a:round/>
+                      <a:headEnd type="none" w="med" len="med"/>
+                      <a:tailEnd type="none" w="med" len="med"/>
+                    </a:lnB>
+                    <a:lnTlToBr w="12700" cmpd="sng">
+                      <a:noFill/>
+                      <a:prstDash val="solid"/>
+                    </a:lnTlToBr>
+                    <a:lnBlToTr w="12700" cmpd="sng">
+                      <a:noFill/>
+                      <a:prstDash val="solid"/>
+                    </a:lnBlToTr>
+                    <a:noFill/>
+                  </a:tcPr>
+                </a:tc>
+                <a:tc>
+                  <a:txBody>
+                    <a:bodyPr/>
+                    <a:lstStyle/>
+                    <a:p>
+                      <a:pPr algn="ctr" latinLnBrk="1">
+                        <a:lnSpc>
+                          <a:spcPts val="1100"/>
+                        </a:lnSpc>
+                      </a:pPr>
+                      <a:r>
+                        <a:rPr lang="ko-KR" altLang="en-US" sz="1050" b="1" baseline="0" dirty="0" smtClean="0">
+                          <a:solidFill>
+                            <a:schemeClr val="tx1"/>
+                          </a:solidFill>
+                          <a:latin typeface="+mn-ea"/>
+                          <a:ea typeface="+mn-ea"/>
+                        </a:rPr>
+                        <a:t>차돌 된장찌개</a:t>
+                      </a:r>
+                      <a:endParaRPr lang="en-US" altLang="ko-KR" sz="1050" b="1" baseline="0" dirty="0" smtClean="0">
+                        <a:solidFill>
+                          <a:schemeClr val="tx1"/>
+                        </a:solidFill>
+                        <a:latin typeface="+mn-ea"/>
+                        <a:ea typeface="+mn-ea"/>
+                      </a:endParaRPr>
+                    </a:p>
+                    <a:p>
+                      <a:pPr algn="ctr" latinLnBrk="1">
+                        <a:lnSpc>
+                          <a:spcPts val="1100"/>
+                        </a:lnSpc>
+                      </a:pPr>
+                      <a:r>
+                        <a:rPr lang="en-US" altLang="ko-KR" sz="1050" b="1" baseline="0" dirty="0" smtClean="0">
+                          <a:solidFill>
+                            <a:schemeClr val="tx1"/>
+                          </a:solidFill>
+                          <a:latin typeface="+mn-ea"/>
+                          <a:ea typeface="+mn-ea"/>
+                        </a:rPr>
+                        <a:t>(7,000)</a:t>
+                      </a:r>
+                      <a:endParaRPr lang="en-US" altLang="ko-KR" sz="1050" b="1" baseline="0" dirty="0" smtClean="0">
+                        <a:solidFill>
+                          <a:schemeClr val="tx1"/>
+                        </a:solidFill>
+                        <a:latin typeface="+mn-ea"/>
+                        <a:ea typeface="+mn-ea"/>
+                      </a:endParaRPr>
+                    </a:p>
+                    <a:p>
+                      <a:pPr algn="ctr" latinLnBrk="1">
+                        <a:lnSpc>
+                          <a:spcPts val="1100"/>
+                        </a:lnSpc>
+                      </a:pPr>
+                      <a:r>
+                        <a:rPr lang="ko-KR" altLang="en-US" sz="1050" b="1" baseline="0" dirty="0" err="1" smtClean="0">
+                          <a:solidFill>
+                            <a:schemeClr val="tx1"/>
+                          </a:solidFill>
+                          <a:latin typeface="+mn-ea"/>
+                          <a:ea typeface="+mn-ea"/>
+                        </a:rPr>
+                        <a:t>오삼불고기</a:t>
+                      </a:r>
+                      <a:r>
+                        <a:rPr lang="ko-KR" altLang="en-US" sz="1050" b="1" baseline="0" dirty="0" smtClean="0">
+                          <a:solidFill>
+                            <a:schemeClr val="tx1"/>
+                          </a:solidFill>
+                          <a:latin typeface="+mn-ea"/>
+                          <a:ea typeface="+mn-ea"/>
+                        </a:rPr>
+                        <a:t> </a:t>
+                      </a:r>
+                      <a:r>
+                        <a:rPr lang="ko-KR" altLang="en-US" sz="1050" b="1" baseline="0" dirty="0" smtClean="0">
+                          <a:solidFill>
+                            <a:schemeClr val="tx1"/>
+                          </a:solidFill>
+                          <a:latin typeface="+mn-ea"/>
+                          <a:ea typeface="+mn-ea"/>
+                        </a:rPr>
+                        <a:t>덮밥</a:t>
+                      </a:r>
+                      <a:endParaRPr lang="en-US" altLang="ko-KR" sz="1050" b="1" baseline="0" dirty="0" smtClean="0">
+                        <a:solidFill>
+                          <a:schemeClr val="tx1"/>
+                        </a:solidFill>
+                        <a:latin typeface="+mn-ea"/>
+                        <a:ea typeface="+mn-ea"/>
+                      </a:endParaRPr>
+                    </a:p>
+                    <a:p>
+                      <a:pPr algn="ctr" latinLnBrk="1">
+                        <a:lnSpc>
+                          <a:spcPts val="1100"/>
+                        </a:lnSpc>
+                      </a:pPr>
+                      <a:r>
+                        <a:rPr lang="en-US" altLang="ko-KR" sz="1050" b="1" baseline="0" dirty="0" smtClean="0">
+                          <a:solidFill>
+                            <a:schemeClr val="tx1"/>
+                          </a:solidFill>
+                          <a:latin typeface="+mn-ea"/>
+                          <a:ea typeface="+mn-ea"/>
+                        </a:rPr>
+                        <a:t>(8,000)</a:t>
+                      </a:r>
+                      <a:endParaRPr lang="en-US" altLang="ko-KR" sz="1050" b="1" baseline="0" dirty="0" smtClean="0">
+                        <a:solidFill>
+                          <a:schemeClr val="tx1"/>
+                        </a:solidFill>
+                        <a:latin typeface="+mn-ea"/>
+                        <a:ea typeface="+mn-ea"/>
+                      </a:endParaRPr>
+                    </a:p>
+                  </a:txBody>
+                  <a:tcPr anchor="ctr">
+                    <a:lnL w="12700" cap="flat" cmpd="sng" algn="ctr">
+                      <a:solidFill>
+                        <a:schemeClr val="tx1"/>
+                      </a:solidFill>
+                      <a:prstDash val="solid"/>
+                      <a:round/>
+                      <a:headEnd type="none" w="med" len="med"/>
+                      <a:tailEnd type="none" w="med" len="med"/>
+                    </a:lnL>
+                    <a:lnR w="12700" cap="flat" cmpd="sng" algn="ctr">
+                      <a:solidFill>
+                        <a:schemeClr val="tx1"/>
+                      </a:solidFill>
+                      <a:prstDash val="solid"/>
+                      <a:round/>
+                      <a:headEnd type="none" w="med" len="med"/>
+                      <a:tailEnd type="none" w="med" len="med"/>
+                    </a:lnR>
+                    <a:lnT w="12700" cap="flat" cmpd="sng" algn="ctr">
+                      <a:solidFill>
+                        <a:schemeClr val="tx1"/>
+                      </a:solidFill>
+                      <a:prstDash val="solid"/>
+                      <a:round/>
+                      <a:headEnd type="none" w="med" len="med"/>
+                      <a:tailEnd type="none" w="med" len="med"/>
+                    </a:lnT>
+                    <a:lnB w="12700" cap="flat" cmpd="sng" algn="ctr">
+                      <a:solidFill>
+                        <a:schemeClr val="tx1"/>
+                      </a:solidFill>
+                      <a:prstDash val="solid"/>
+                      <a:round/>
+                      <a:headEnd type="none" w="med" len="med"/>
+                      <a:tailEnd type="none" w="med" len="med"/>
+                    </a:lnB>
+                    <a:lnTlToBr w="12700" cmpd="sng">
+                      <a:noFill/>
+                      <a:prstDash val="solid"/>
+                    </a:lnTlToBr>
+                    <a:lnBlToTr w="12700" cmpd="sng">
+                      <a:noFill/>
+                      <a:prstDash val="solid"/>
+                    </a:lnBlToTr>
+                    <a:noFill/>
+                  </a:tcPr>
+                </a:tc>
+                <a:tc>
+                  <a:txBody>
+                    <a:bodyPr/>
+                    <a:lstStyle/>
+                    <a:p>
+                      <a:pPr marL="0" marR="0" indent="0" algn="ctr" defTabSz="914400" rtl="0" eaLnBrk="1" fontAlgn="auto" latinLnBrk="1" hangingPunct="1">
+                        <a:lnSpc>
+                          <a:spcPts val="1100"/>
+                        </a:lnSpc>
+                        <a:spcBef>
+                          <a:spcPts val="0"/>
+                        </a:spcBef>
+                        <a:spcAft>
+                          <a:spcPts val="0"/>
+                        </a:spcAft>
+                        <a:buClrTx/>
+                        <a:buSzTx/>
+                        <a:buFontTx/>
+                        <a:buNone/>
+                        <a:tabLst/>
+                        <a:defRPr/>
+                      </a:pPr>
+                      <a:r>
+                        <a:rPr lang="ko-KR" altLang="en-US" sz="1050" b="1" dirty="0" smtClean="0">
+                          <a:solidFill>
+                            <a:schemeClr val="tx1"/>
+                          </a:solidFill>
+                          <a:latin typeface="+mn-ea"/>
+                          <a:ea typeface="+mn-ea"/>
+                        </a:rPr>
+                        <a:t>참치김치찌개</a:t>
+                      </a:r>
+                      <a:endParaRPr lang="en-US" altLang="ko-KR" sz="1050" b="1" dirty="0" smtClean="0">
+                        <a:solidFill>
+                          <a:schemeClr val="tx1"/>
+                        </a:solidFill>
+                        <a:latin typeface="+mn-ea"/>
+                        <a:ea typeface="+mn-ea"/>
+                      </a:endParaRPr>
+                    </a:p>
+                    <a:p>
+                      <a:pPr marL="0" marR="0" indent="0" algn="ctr" defTabSz="914400" rtl="0" eaLnBrk="1" fontAlgn="auto" latinLnBrk="1" hangingPunct="1">
+                        <a:lnSpc>
+                          <a:spcPts val="1100"/>
+                        </a:lnSpc>
+                        <a:spcBef>
+                          <a:spcPts val="0"/>
+                        </a:spcBef>
+                        <a:spcAft>
+                          <a:spcPts val="0"/>
+                        </a:spcAft>
+                        <a:buClrTx/>
+                        <a:buSzTx/>
+                        <a:buFontTx/>
+                        <a:buNone/>
+                        <a:tabLst/>
+                        <a:defRPr/>
+                      </a:pPr>
+                      <a:r>
+                        <a:rPr lang="en-US" altLang="ko-KR" sz="1050" b="1" dirty="0" smtClean="0">
+                          <a:solidFill>
+                            <a:schemeClr val="tx1"/>
+                          </a:solidFill>
+                          <a:latin typeface="+mn-ea"/>
+                          <a:ea typeface="+mn-ea"/>
+                        </a:rPr>
+                        <a:t>(7,000)</a:t>
+                      </a:r>
+                      <a:endParaRPr lang="en-US" altLang="ko-KR" sz="1050" b="1" dirty="0" smtClean="0">
+                        <a:solidFill>
+                          <a:schemeClr val="tx1"/>
+                        </a:solidFill>
+                        <a:latin typeface="+mn-ea"/>
+                        <a:ea typeface="+mn-ea"/>
+                      </a:endParaRPr>
+                    </a:p>
+                    <a:p>
+                      <a:pPr marL="0" marR="0" indent="0" algn="ctr" defTabSz="914400" rtl="0" eaLnBrk="1" fontAlgn="auto" latinLnBrk="1" hangingPunct="1">
+                        <a:lnSpc>
+                          <a:spcPts val="1100"/>
+                        </a:lnSpc>
+                        <a:spcBef>
+                          <a:spcPts val="0"/>
+                        </a:spcBef>
+                        <a:spcAft>
+                          <a:spcPts val="0"/>
+                        </a:spcAft>
+                        <a:buClrTx/>
+                        <a:buSzTx/>
+                        <a:buFontTx/>
+                        <a:buNone/>
+                        <a:tabLst/>
+                        <a:defRPr/>
+                      </a:pPr>
+                      <a:r>
+                        <a:rPr lang="ko-KR" altLang="en-US" sz="1050" b="1" dirty="0" err="1" smtClean="0">
+                          <a:solidFill>
+                            <a:schemeClr val="tx1"/>
+                          </a:solidFill>
+                          <a:latin typeface="+mn-ea"/>
+                          <a:ea typeface="+mn-ea"/>
+                        </a:rPr>
+                        <a:t>삼겹구이</a:t>
+                      </a:r>
+                      <a:r>
+                        <a:rPr lang="ko-KR" altLang="en-US" sz="1050" b="1" dirty="0" smtClean="0">
+                          <a:solidFill>
+                            <a:schemeClr val="tx1"/>
+                          </a:solidFill>
+                          <a:latin typeface="+mn-ea"/>
+                          <a:ea typeface="+mn-ea"/>
+                        </a:rPr>
+                        <a:t> </a:t>
+                      </a:r>
+                      <a:r>
+                        <a:rPr lang="ko-KR" altLang="en-US" sz="1050" b="1" dirty="0" smtClean="0">
+                          <a:solidFill>
+                            <a:schemeClr val="tx1"/>
+                          </a:solidFill>
+                          <a:latin typeface="+mn-ea"/>
+                          <a:ea typeface="+mn-ea"/>
+                        </a:rPr>
+                        <a:t>반상</a:t>
+                      </a:r>
+                      <a:endParaRPr lang="en-US" altLang="ko-KR" sz="1050" b="1" dirty="0" smtClean="0">
+                        <a:solidFill>
+                          <a:schemeClr val="tx1"/>
+                        </a:solidFill>
+                        <a:latin typeface="+mn-ea"/>
+                        <a:ea typeface="+mn-ea"/>
+                      </a:endParaRPr>
+                    </a:p>
+                    <a:p>
+                      <a:pPr marL="0" marR="0" indent="0" algn="ctr" defTabSz="914400" rtl="0" eaLnBrk="1" fontAlgn="auto" latinLnBrk="1" hangingPunct="1">
+                        <a:lnSpc>
+                          <a:spcPts val="1100"/>
+                        </a:lnSpc>
+                        <a:spcBef>
+                          <a:spcPts val="0"/>
+                        </a:spcBef>
+                        <a:spcAft>
+                          <a:spcPts val="0"/>
+                        </a:spcAft>
+                        <a:buClrTx/>
+                        <a:buSzTx/>
+                        <a:buFontTx/>
+                        <a:buNone/>
+                        <a:tabLst/>
+                        <a:defRPr/>
+                      </a:pPr>
+                      <a:r>
+                        <a:rPr lang="en-US" altLang="ko-KR" sz="1050" b="1" dirty="0" smtClean="0">
+                          <a:solidFill>
+                            <a:schemeClr val="tx1"/>
+                          </a:solidFill>
+                          <a:latin typeface="+mn-ea"/>
+                          <a:ea typeface="+mn-ea"/>
+                        </a:rPr>
+                        <a:t>(11,000)</a:t>
+                      </a:r>
+                      <a:endParaRPr lang="en-US" altLang="ko-KR" sz="1050" b="1" dirty="0" smtClean="0">
+                        <a:solidFill>
+                          <a:schemeClr val="tx1"/>
+                        </a:solidFill>
+                        <a:latin typeface="+mn-ea"/>
+                        <a:ea typeface="+mn-ea"/>
+                      </a:endParaRPr>
+                    </a:p>
+                  </a:txBody>
+                  <a:tcPr anchor="ctr">
+                    <a:lnL w="12700" cap="flat" cmpd="sng" algn="ctr">
+                      <a:solidFill>
+                        <a:schemeClr val="tx1"/>
+                      </a:solidFill>
+                      <a:prstDash val="solid"/>
+                      <a:round/>
+                      <a:headEnd type="none" w="med" len="med"/>
+                      <a:tailEnd type="none" w="med" len="med"/>
+                    </a:lnL>
+                    <a:lnR w="12700" cap="flat" cmpd="sng" algn="ctr">
+                      <a:solidFill>
+                        <a:schemeClr val="tx1"/>
+                      </a:solidFill>
+                      <a:prstDash val="solid"/>
+                      <a:round/>
+                      <a:headEnd type="none" w="med" len="med"/>
+                      <a:tailEnd type="none" w="med" len="med"/>
+                    </a:lnR>
+                    <a:lnT w="12700" cap="flat" cmpd="sng" algn="ctr">
+                      <a:solidFill>
+                        <a:schemeClr val="tx1"/>
+                      </a:solidFill>
+                      <a:prstDash val="solid"/>
+                      <a:round/>
+                      <a:headEnd type="none" w="med" len="med"/>
+                      <a:tailEnd type="none" w="med" len="med"/>
+                    </a:lnT>
+                    <a:lnB w="12700" cap="flat" cmpd="sng" algn="ctr">
+                      <a:solidFill>
+                        <a:schemeClr val="tx1"/>
+                      </a:solidFill>
+                      <a:prstDash val="solid"/>
+                      <a:round/>
+                      <a:headEnd type="none" w="med" len="med"/>
+                      <a:tailEnd type="none" w="med" len="med"/>
+                    </a:lnB>
+                    <a:lnTlToBr w="12700" cmpd="sng">
+                      <a:noFill/>
+                      <a:prstDash val="solid"/>
+                    </a:lnTlToBr>
+                    <a:lnBlToTr w="12700" cmpd="sng">
+                      <a:noFill/>
+                      <a:prstDash val="solid"/>
+                    </a:lnBlToTr>
+                    <a:solidFill>
+                      <a:schemeClr val="bg1"/>
+                    </a:solidFill>
+                  </a:tcPr>
+                </a:tc>
+                <a:tc>
+                  <a:txBody>
+                    <a:bodyPr/>
+                    <a:lstStyle/>
+                    <a:p>
+                      <a:pPr algn="ctr" latinLnBrk="1">
+                        <a:lnSpc>
+                          <a:spcPts val="1100"/>
+                        </a:lnSpc>
+                      </a:pPr>
+                      <a:endParaRPr lang="en-US" altLang="ko-KR" sz="1050" b="1" dirty="0" smtClean="0">
+                        <a:solidFill>
+                          <a:schemeClr val="tx1"/>
+                        </a:solidFill>
+                        <a:latin typeface="+mn-ea"/>
+                        <a:ea typeface="+mn-ea"/>
+                      </a:endParaRPr>
+                    </a:p>
+                  </a:txBody>
+                  <a:tcPr anchor="ctr">
+                    <a:lnL w="12700" cap="flat" cmpd="sng" algn="ctr">
+                      <a:solidFill>
+                        <a:schemeClr val="tx1"/>
+                      </a:solidFill>
+                      <a:prstDash val="solid"/>
+                      <a:round/>
+                      <a:headEnd type="none" w="med" len="med"/>
+                      <a:tailEnd type="none" w="med" len="med"/>
+                    </a:lnL>
+                    <a:lnR w="12700" cap="flat" cmpd="sng" algn="ctr">
+                      <a:solidFill>
+                        <a:schemeClr val="tx1"/>
+                      </a:solidFill>
+                      <a:prstDash val="solid"/>
+                      <a:round/>
+                      <a:headEnd type="none" w="med" len="med"/>
+                      <a:tailEnd type="none" w="med" len="med"/>
+                    </a:lnR>
+                    <a:lnT w="12700" cap="flat" cmpd="sng" algn="ctr">
+                      <a:solidFill>
+                        <a:schemeClr val="tx1"/>
+                      </a:solidFill>
+                      <a:prstDash val="solid"/>
+                      <a:round/>
+                      <a:headEnd type="none" w="med" len="med"/>
+                      <a:tailEnd type="none" w="med" len="med"/>
+                    </a:lnT>
+                    <a:lnB w="12700" cap="flat" cmpd="sng" algn="ctr">
+                      <a:solidFill>
+                        <a:schemeClr val="tx1"/>
+                      </a:solidFill>
+                      <a:prstDash val="solid"/>
+                      <a:round/>
+                      <a:headEnd type="none" w="med" len="med"/>
+                      <a:tailEnd type="none" w="med" len="med"/>
+                    </a:lnB>
+                    <a:lnTlToBr w="12700" cmpd="sng">
+                      <a:noFill/>
+                      <a:prstDash val="solid"/>
+                    </a:lnTlToBr>
+                    <a:lnBlToTr w="12700" cmpd="sng">
+                      <a:noFill/>
+                      <a:prstDash val="solid"/>
+                    </a:lnBlToTr>
+                    <a:solidFill>
+                      <a:schemeClr val="bg1"/>
+                    </a:solidFill>
+                  </a:tcPr>
+                </a:tc>
+                <a:tc>
+                  <a:txBody>
+                    <a:bodyPr/>
+                    <a:lstStyle/>
+                    <a:p>
+                      <a:pPr marL="0" marR="0" indent="0" algn="ctr" defTabSz="914400" rtl="0" eaLnBrk="1" fontAlgn="auto" latinLnBrk="1" hangingPunct="1">
+                        <a:lnSpc>
+                          <a:spcPts val="1100"/>
+                        </a:lnSpc>
+                        <a:spcBef>
+                          <a:spcPts val="0"/>
+                        </a:spcBef>
+                        <a:spcAft>
+                          <a:spcPts val="0"/>
+                        </a:spcAft>
+                        <a:buClrTx/>
+                        <a:buSzTx/>
+                        <a:buFontTx/>
+                        <a:buNone/>
+                        <a:tabLst/>
+                        <a:defRPr/>
+                      </a:pPr>
+                      <a:endParaRPr lang="en-US" altLang="ko-KR" sz="1050" b="1" dirty="0" smtClean="0">
+                        <a:solidFill>
+                          <a:schemeClr val="tx1"/>
+                        </a:solidFill>
+                        <a:latin typeface="+mn-ea"/>
+                        <a:ea typeface="+mn-ea"/>
+                      </a:endParaRPr>
+                    </a:p>
+                  </a:txBody>
+                  <a:tcPr anchor="ctr">
+                    <a:lnL w="12700" cap="flat" cmpd="sng" algn="ctr">
+                      <a:solidFill>
+                        <a:schemeClr val="tx1"/>
+                      </a:solidFill>
+                      <a:prstDash val="solid"/>
+                      <a:round/>
+                      <a:headEnd type="none" w="med" len="med"/>
+                      <a:tailEnd type="none" w="med" len="med"/>
+                    </a:lnL>
+                    <a:lnR w="12700" cap="flat" cmpd="sng" algn="ctr">
+                      <a:solidFill>
+                        <a:schemeClr val="tx1"/>
+                      </a:solidFill>
+                      <a:prstDash val="solid"/>
+                      <a:round/>
+                      <a:headEnd type="none" w="med" len="med"/>
+                      <a:tailEnd type="none" w="med" len="med"/>
+                    </a:lnR>
+                    <a:lnT w="12700" cap="flat" cmpd="sng" algn="ctr">
+                      <a:solidFill>
+                        <a:schemeClr val="tx1"/>
+                      </a:solidFill>
+                      <a:prstDash val="solid"/>
+                      <a:round/>
+                      <a:headEnd type="none" w="med" len="med"/>
+                      <a:tailEnd type="none" w="med" len="med"/>
+                    </a:lnT>
+                    <a:lnB w="12700" cap="flat" cmpd="sng" algn="ctr">
+                      <a:solidFill>
+                        <a:schemeClr val="tx1"/>
+                      </a:solidFill>
+                      <a:prstDash val="solid"/>
+                      <a:round/>
+                      <a:headEnd type="none" w="med" len="med"/>
+                      <a:tailEnd type="none" w="med" len="med"/>
+                    </a:lnB>
+                    <a:lnTlToBr w="12700" cmpd="sng">
+                      <a:noFill/>
+                      <a:prstDash val="solid"/>
+                    </a:lnTlToBr>
+                    <a:lnBlToTr w="12700" cmpd="sng">
+                      <a:noFill/>
+                      <a:prstDash val="solid"/>
+                    </a:lnBlToTr>
+                    <a:solidFill>
+                      <a:schemeClr val="bg1"/>
+                    </a:solidFill>
+                  </a:tcPr>
+                </a:tc>
+              </a:tr>
+              <a:tr h="468000">
+                <a:tc>
+                  <a:txBody>
+                    <a:bodyPr/>
+                    <a:lstStyle/>
+                    <a:p>
+                      <a:pPr algn="ctr" latinLnBrk="1">
+                        <a:lnSpc>
+                          <a:spcPts val="1100"/>
+                        </a:lnSpc>
+                      </a:pPr>
+                      <a:r>
+                        <a:rPr lang="ko-KR" altLang="en-US" sz="1050" b="1" dirty="0" err="1" smtClean="0">
+                          <a:solidFill>
+                            <a:schemeClr val="tx1"/>
+                          </a:solidFill>
+                          <a:latin typeface="+mn-ea"/>
+                          <a:ea typeface="+mn-ea"/>
+                        </a:rPr>
+                        <a:t>호호카츠</a:t>
+                      </a:r>
+                      <a:endParaRPr lang="en-US" altLang="ko-KR" sz="1050" b="1" dirty="0" smtClean="0">
+                        <a:solidFill>
+                          <a:schemeClr val="tx1"/>
+                        </a:solidFill>
+                        <a:latin typeface="+mn-ea"/>
+                        <a:ea typeface="+mn-ea"/>
+                      </a:endParaRPr>
+                    </a:p>
+                  </a:txBody>
+                  <a:tcPr anchor="ctr">
+                    <a:lnL w="12700" cap="flat" cmpd="sng" algn="ctr">
+                      <a:solidFill>
+                        <a:schemeClr val="tx1"/>
+                      </a:solidFill>
+                      <a:prstDash val="solid"/>
+                      <a:round/>
+                      <a:headEnd type="none" w="med" len="med"/>
+                      <a:tailEnd type="none" w="med" len="med"/>
+                    </a:lnL>
+                    <a:lnR w="12700" cap="flat" cmpd="sng" algn="ctr">
+                      <a:solidFill>
+                        <a:schemeClr val="tx1"/>
+                      </a:solidFill>
+                      <a:prstDash val="solid"/>
+                      <a:round/>
+                      <a:headEnd type="none" w="med" len="med"/>
+                      <a:tailEnd type="none" w="med" len="med"/>
+                    </a:lnR>
+                    <a:lnT w="12700" cap="flat" cmpd="sng" algn="ctr">
+                      <a:solidFill>
+                        <a:schemeClr val="tx1"/>
+                      </a:solidFill>
+                      <a:prstDash val="solid"/>
+                      <a:round/>
+                      <a:headEnd type="none" w="med" len="med"/>
+                      <a:tailEnd type="none" w="med" len="med"/>
+                    </a:lnT>
+                    <a:lnB w="12700" cap="flat" cmpd="sng" algn="ctr">
+                      <a:solidFill>
+                        <a:schemeClr val="tx1"/>
+                      </a:solidFill>
+                      <a:prstDash val="solid"/>
+                      <a:round/>
+                      <a:headEnd type="none" w="med" len="med"/>
+                      <a:tailEnd type="none" w="med" len="med"/>
+                    </a:lnB>
+                    <a:lnTlToBr w="12700" cmpd="sng">
+                      <a:noFill/>
+                      <a:prstDash val="solid"/>
+                    </a:lnTlToBr>
+                    <a:lnBlToTr w="12700" cmpd="sng">
+                      <a:noFill/>
+                      <a:prstDash val="solid"/>
+                    </a:lnBlToTr>
+                    <a:solidFill>
+                      <a:schemeClr val="bg1"/>
+                    </a:solidFill>
+                  </a:tcPr>
+                </a:tc>
+                <a:tc>
+                  <a:txBody>
+                    <a:bodyPr/>
+                    <a:lstStyle/>
+                    <a:p>
+                      <a:pPr algn="ctr" latinLnBrk="1">
+                        <a:lnSpc>
+                          <a:spcPts val="1100"/>
+                        </a:lnSpc>
+                      </a:pPr>
+                      <a:r>
+                        <a:rPr lang="ko-KR" altLang="en-US" sz="1050" b="1" dirty="0" err="1" smtClean="0">
+                          <a:solidFill>
+                            <a:schemeClr val="tx1"/>
+                          </a:solidFill>
+                          <a:latin typeface="+mn-ea"/>
+                          <a:ea typeface="+mn-ea"/>
+                        </a:rPr>
+                        <a:t>왕돈가스</a:t>
+                      </a:r>
+                      <a:endParaRPr lang="en-US" altLang="ko-KR" sz="1050" b="1" dirty="0" smtClean="0">
+                        <a:solidFill>
+                          <a:schemeClr val="tx1"/>
+                        </a:solidFill>
+                        <a:latin typeface="+mn-ea"/>
+                        <a:ea typeface="+mn-ea"/>
+                      </a:endParaRPr>
+                    </a:p>
+                    <a:p>
+                      <a:pPr algn="ctr" latinLnBrk="1">
+                        <a:lnSpc>
+                          <a:spcPts val="1100"/>
+                        </a:lnSpc>
+                      </a:pPr>
+                      <a:r>
+                        <a:rPr lang="en-US" altLang="ko-KR" sz="1050" b="1" dirty="0" smtClean="0">
+                          <a:solidFill>
+                            <a:schemeClr val="tx1"/>
+                          </a:solidFill>
+                          <a:latin typeface="+mn-ea"/>
+                          <a:ea typeface="+mn-ea"/>
+                        </a:rPr>
+                        <a:t>(8,000)</a:t>
+                      </a:r>
+                      <a:endParaRPr lang="en-US" altLang="ko-KR" sz="1050" b="1" dirty="0" smtClean="0">
+                        <a:solidFill>
+                          <a:schemeClr val="tx1"/>
+                        </a:solidFill>
+                        <a:latin typeface="+mn-ea"/>
+                        <a:ea typeface="+mn-ea"/>
+                      </a:endParaRPr>
+                    </a:p>
+                  </a:txBody>
+                  <a:tcPr anchor="ctr">
+                    <a:lnL w="12700" cap="flat" cmpd="sng" algn="ctr">
+                      <a:solidFill>
+                        <a:schemeClr val="tx1"/>
+                      </a:solidFill>
+                      <a:prstDash val="solid"/>
+                      <a:round/>
+                      <a:headEnd type="none" w="med" len="med"/>
+                      <a:tailEnd type="none" w="med" len="med"/>
+                    </a:lnL>
+                    <a:lnR w="12700" cap="flat" cmpd="sng" algn="ctr">
+                      <a:solidFill>
+                        <a:schemeClr val="tx1"/>
+                      </a:solidFill>
+                      <a:prstDash val="solid"/>
+                      <a:round/>
+                      <a:headEnd type="none" w="med" len="med"/>
+                      <a:tailEnd type="none" w="med" len="med"/>
+                    </a:lnR>
+                    <a:lnT w="12700" cap="flat" cmpd="sng" algn="ctr">
+                      <a:solidFill>
+                        <a:schemeClr val="tx1"/>
+                      </a:solidFill>
+                      <a:prstDash val="solid"/>
+                      <a:round/>
+                      <a:headEnd type="none" w="med" len="med"/>
+                      <a:tailEnd type="none" w="med" len="med"/>
+                    </a:lnT>
+                    <a:lnB w="12700" cap="flat" cmpd="sng" algn="ctr">
+                      <a:solidFill>
+                        <a:schemeClr val="tx1"/>
+                      </a:solidFill>
+                      <a:prstDash val="solid"/>
+                      <a:round/>
+                      <a:headEnd type="none" w="med" len="med"/>
+                      <a:tailEnd type="none" w="med" len="med"/>
+                    </a:lnB>
+                    <a:lnTlToBr w="12700" cmpd="sng">
+                      <a:noFill/>
+                      <a:prstDash val="solid"/>
+                    </a:lnTlToBr>
+                    <a:lnBlToTr w="12700" cmpd="sng">
+                      <a:noFill/>
+                      <a:prstDash val="solid"/>
+                    </a:lnBlToTr>
+                    <a:solidFill>
+                      <a:schemeClr val="bg1"/>
+                    </a:solidFill>
+                  </a:tcPr>
+                </a:tc>
+                <a:tc>
+                  <a:txBody>
+                    <a:bodyPr/>
+                    <a:lstStyle/>
+                    <a:p>
+                      <a:pPr algn="ctr" latinLnBrk="1">
+                        <a:lnSpc>
+                          <a:spcPts val="1100"/>
+                        </a:lnSpc>
+                      </a:pPr>
+                      <a:r>
+                        <a:rPr lang="ko-KR" altLang="en-US" sz="1050" b="1" dirty="0" smtClean="0">
+                          <a:solidFill>
+                            <a:schemeClr val="tx1"/>
+                          </a:solidFill>
+                          <a:latin typeface="+mn-ea"/>
+                          <a:ea typeface="+mn-ea"/>
+                        </a:rPr>
+                        <a:t>고추잡채밥</a:t>
+                      </a:r>
+                      <a:endParaRPr lang="en-US" altLang="ko-KR" sz="1050" b="1" dirty="0" smtClean="0">
+                        <a:solidFill>
+                          <a:schemeClr val="tx1"/>
+                        </a:solidFill>
+                        <a:latin typeface="+mn-ea"/>
+                        <a:ea typeface="+mn-ea"/>
+                      </a:endParaRPr>
+                    </a:p>
+                    <a:p>
+                      <a:pPr algn="ctr" latinLnBrk="1">
+                        <a:lnSpc>
+                          <a:spcPts val="1100"/>
+                        </a:lnSpc>
+                      </a:pPr>
+                      <a:r>
+                        <a:rPr lang="en-US" altLang="ko-KR" sz="1050" b="1" dirty="0" smtClean="0">
+                          <a:solidFill>
+                            <a:schemeClr val="tx1"/>
+                          </a:solidFill>
+                          <a:latin typeface="+mn-ea"/>
+                          <a:ea typeface="+mn-ea"/>
+                        </a:rPr>
+                        <a:t>(7,000)</a:t>
+                      </a:r>
+                      <a:endParaRPr lang="en-US" altLang="ko-KR" sz="1050" b="1" dirty="0" smtClean="0">
+                        <a:solidFill>
+                          <a:schemeClr val="tx1"/>
+                        </a:solidFill>
+                        <a:latin typeface="+mn-ea"/>
+                        <a:ea typeface="+mn-ea"/>
+                      </a:endParaRPr>
+                    </a:p>
+                  </a:txBody>
+                  <a:tcPr anchor="ctr">
+                    <a:lnL w="12700" cap="flat" cmpd="sng" algn="ctr">
+                      <a:solidFill>
+                        <a:schemeClr val="tx1"/>
+                      </a:solidFill>
+                      <a:prstDash val="solid"/>
+                      <a:round/>
+                      <a:headEnd type="none" w="med" len="med"/>
+                      <a:tailEnd type="none" w="med" len="med"/>
+                    </a:lnL>
+                    <a:lnR w="12700" cap="flat" cmpd="sng" algn="ctr">
+                      <a:solidFill>
+                        <a:schemeClr val="tx1"/>
+                      </a:solidFill>
+                      <a:prstDash val="solid"/>
+                      <a:round/>
+                      <a:headEnd type="none" w="med" len="med"/>
+                      <a:tailEnd type="none" w="med" len="med"/>
+                    </a:lnR>
+                    <a:lnT w="12700" cap="flat" cmpd="sng" algn="ctr">
+                      <a:solidFill>
+                        <a:schemeClr val="tx1"/>
+                      </a:solidFill>
+                      <a:prstDash val="solid"/>
+                      <a:round/>
+                      <a:headEnd type="none" w="med" len="med"/>
+                      <a:tailEnd type="none" w="med" len="med"/>
+                    </a:lnT>
+                    <a:lnB w="12700" cap="flat" cmpd="sng" algn="ctr">
+                      <a:solidFill>
+                        <a:schemeClr val="tx1"/>
+                      </a:solidFill>
+                      <a:prstDash val="solid"/>
+                      <a:round/>
+                      <a:headEnd type="none" w="med" len="med"/>
+                      <a:tailEnd type="none" w="med" len="med"/>
+                    </a:lnB>
+                    <a:lnTlToBr w="12700" cmpd="sng">
+                      <a:noFill/>
+                      <a:prstDash val="solid"/>
+                    </a:lnTlToBr>
+                    <a:lnBlToTr w="12700" cmpd="sng">
+                      <a:noFill/>
+                      <a:prstDash val="solid"/>
+                    </a:lnBlToTr>
+                    <a:solidFill>
+                      <a:schemeClr val="bg1"/>
+                    </a:solidFill>
+                  </a:tcPr>
+                </a:tc>
+                <a:tc>
+                  <a:txBody>
+                    <a:bodyPr/>
+                    <a:lstStyle/>
+                    <a:p>
+                      <a:pPr marL="0" marR="0" indent="0" algn="ctr" defTabSz="914400" rtl="0" eaLnBrk="1" fontAlgn="auto" latinLnBrk="1" hangingPunct="1">
+                        <a:lnSpc>
+                          <a:spcPts val="1100"/>
+                        </a:lnSpc>
+                        <a:spcBef>
+                          <a:spcPts val="0"/>
+                        </a:spcBef>
+                        <a:spcAft>
+                          <a:spcPts val="0"/>
+                        </a:spcAft>
+                        <a:buClrTx/>
+                        <a:buSzTx/>
+                        <a:buFontTx/>
+                        <a:buNone/>
+                        <a:tabLst/>
+                        <a:defRPr/>
+                      </a:pPr>
+                      <a:r>
+                        <a:rPr lang="ko-KR" altLang="en-US" sz="1050" b="1" dirty="0" smtClean="0">
+                          <a:solidFill>
+                            <a:schemeClr val="tx1"/>
+                          </a:solidFill>
+                          <a:latin typeface="+mn-ea"/>
+                          <a:ea typeface="+mn-ea"/>
+                        </a:rPr>
+                        <a:t>순두부 </a:t>
+                      </a:r>
+                      <a:r>
+                        <a:rPr lang="ko-KR" altLang="en-US" sz="1050" b="1" dirty="0" err="1" smtClean="0">
+                          <a:solidFill>
+                            <a:schemeClr val="tx1"/>
+                          </a:solidFill>
+                          <a:latin typeface="+mn-ea"/>
+                          <a:ea typeface="+mn-ea"/>
+                        </a:rPr>
+                        <a:t>짬뽕밥</a:t>
+                      </a:r>
+                      <a:endParaRPr lang="en-US" altLang="ko-KR" sz="1050" b="1" dirty="0" smtClean="0">
+                        <a:solidFill>
+                          <a:schemeClr val="tx1"/>
+                        </a:solidFill>
+                        <a:latin typeface="+mn-ea"/>
+                        <a:ea typeface="+mn-ea"/>
+                      </a:endParaRPr>
+                    </a:p>
+                    <a:p>
+                      <a:pPr marL="0" marR="0" indent="0" algn="ctr" defTabSz="914400" rtl="0" eaLnBrk="1" fontAlgn="auto" latinLnBrk="1" hangingPunct="1">
+                        <a:lnSpc>
+                          <a:spcPts val="1100"/>
+                        </a:lnSpc>
+                        <a:spcBef>
+                          <a:spcPts val="0"/>
+                        </a:spcBef>
+                        <a:spcAft>
+                          <a:spcPts val="0"/>
+                        </a:spcAft>
+                        <a:buClrTx/>
+                        <a:buSzTx/>
+                        <a:buFontTx/>
+                        <a:buNone/>
+                        <a:tabLst/>
+                        <a:defRPr/>
+                      </a:pPr>
+                      <a:r>
+                        <a:rPr lang="en-US" altLang="ko-KR" sz="1050" b="1" dirty="0" smtClean="0">
+                          <a:solidFill>
+                            <a:schemeClr val="tx1"/>
+                          </a:solidFill>
+                          <a:latin typeface="+mn-ea"/>
+                          <a:ea typeface="+mn-ea"/>
+                        </a:rPr>
+                        <a:t>(8,500)</a:t>
+                      </a:r>
+                      <a:endParaRPr lang="en-US" altLang="ko-KR" sz="1050" b="1" dirty="0" smtClean="0">
+                        <a:solidFill>
+                          <a:schemeClr val="tx1"/>
+                        </a:solidFill>
+                        <a:latin typeface="+mn-ea"/>
+                        <a:ea typeface="+mn-ea"/>
+                      </a:endParaRPr>
+                    </a:p>
+                  </a:txBody>
+                  <a:tcPr anchor="ctr">
+                    <a:lnL w="12700" cap="flat" cmpd="sng" algn="ctr">
+                      <a:solidFill>
+                        <a:schemeClr val="tx1"/>
+                      </a:solidFill>
+                      <a:prstDash val="solid"/>
+                      <a:round/>
+                      <a:headEnd type="none" w="med" len="med"/>
+                      <a:tailEnd type="none" w="med" len="med"/>
+                    </a:lnL>
+                    <a:lnR w="12700" cap="flat" cmpd="sng" algn="ctr">
+                      <a:solidFill>
+                        <a:schemeClr val="tx1"/>
+                      </a:solidFill>
+                      <a:prstDash val="solid"/>
+                      <a:round/>
+                      <a:headEnd type="none" w="med" len="med"/>
+                      <a:tailEnd type="none" w="med" len="med"/>
+                    </a:lnR>
+                    <a:lnT w="12700" cap="flat" cmpd="sng" algn="ctr">
+                      <a:solidFill>
+                        <a:schemeClr val="tx1"/>
+                      </a:solidFill>
+                      <a:prstDash val="solid"/>
+                      <a:round/>
+                      <a:headEnd type="none" w="med" len="med"/>
+                      <a:tailEnd type="none" w="med" len="med"/>
+                    </a:lnT>
+                    <a:lnB w="12700" cap="flat" cmpd="sng" algn="ctr">
+                      <a:solidFill>
+                        <a:schemeClr val="tx1"/>
+                      </a:solidFill>
+                      <a:prstDash val="solid"/>
+                      <a:round/>
+                      <a:headEnd type="none" w="med" len="med"/>
+                      <a:tailEnd type="none" w="med" len="med"/>
+                    </a:lnB>
+                    <a:lnTlToBr w="12700" cmpd="sng">
+                      <a:noFill/>
+                      <a:prstDash val="solid"/>
+                    </a:lnTlToBr>
+                    <a:lnBlToTr w="12700" cmpd="sng">
+                      <a:noFill/>
+                      <a:prstDash val="solid"/>
+                    </a:lnBlToTr>
+                    <a:solidFill>
+                      <a:schemeClr val="bg1"/>
+                    </a:solidFill>
+                  </a:tcPr>
+                </a:tc>
+                <a:tc>
+                  <a:txBody>
+                    <a:bodyPr/>
+                    <a:lstStyle/>
+                    <a:p>
+                      <a:pPr algn="ctr" latinLnBrk="1">
+                        <a:lnSpc>
+                          <a:spcPts val="1100"/>
+                        </a:lnSpc>
+                      </a:pPr>
+                      <a:endParaRPr lang="ko-KR" altLang="en-US" sz="1050" b="1" dirty="0" smtClean="0">
+                        <a:solidFill>
+                          <a:schemeClr val="tx1"/>
+                        </a:solidFill>
+                        <a:latin typeface="+mn-ea"/>
+                        <a:ea typeface="+mn-ea"/>
+                      </a:endParaRPr>
+                    </a:p>
+                  </a:txBody>
+                  <a:tcPr anchor="ctr">
+                    <a:lnL w="12700" cap="flat" cmpd="sng" algn="ctr">
+                      <a:solidFill>
+                        <a:schemeClr val="tx1"/>
+                      </a:solidFill>
+                      <a:prstDash val="solid"/>
+                      <a:round/>
+                      <a:headEnd type="none" w="med" len="med"/>
+                      <a:tailEnd type="none" w="med" len="med"/>
+                    </a:lnL>
+                    <a:lnR w="12700" cap="flat" cmpd="sng" algn="ctr">
+                      <a:solidFill>
+                        <a:schemeClr val="tx1"/>
+                      </a:solidFill>
+                      <a:prstDash val="solid"/>
+                      <a:round/>
+                      <a:headEnd type="none" w="med" len="med"/>
+                      <a:tailEnd type="none" w="med" len="med"/>
+                    </a:lnR>
+                    <a:lnT w="12700" cap="flat" cmpd="sng" algn="ctr">
+                      <a:solidFill>
+                        <a:schemeClr val="tx1"/>
+                      </a:solidFill>
+                      <a:prstDash val="solid"/>
+                      <a:round/>
+                      <a:headEnd type="none" w="med" len="med"/>
+                      <a:tailEnd type="none" w="med" len="med"/>
+                    </a:lnT>
+                    <a:lnB w="12700" cap="flat" cmpd="sng" algn="ctr">
+                      <a:solidFill>
+                        <a:schemeClr val="tx1"/>
+                      </a:solidFill>
+                      <a:prstDash val="solid"/>
+                      <a:round/>
+                      <a:headEnd type="none" w="med" len="med"/>
+                      <a:tailEnd type="none" w="med" len="med"/>
+                    </a:lnB>
+                    <a:lnTlToBr w="12700" cmpd="sng">
+                      <a:noFill/>
+                      <a:prstDash val="solid"/>
+                    </a:lnTlToBr>
+                    <a:lnBlToTr w="12700" cmpd="sng">
+                      <a:noFill/>
+                      <a:prstDash val="solid"/>
+                    </a:lnBlToTr>
+                    <a:solidFill>
+                      <a:schemeClr val="bg1"/>
+                    </a:solidFill>
+                  </a:tcPr>
+                </a:tc>
+                <a:tc>
+                  <a:txBody>
+                    <a:bodyPr/>
+                    <a:lstStyle/>
+                    <a:p>
+                      <a:pPr marL="0" marR="0" indent="0" algn="ctr" defTabSz="914400" rtl="0" eaLnBrk="1" fontAlgn="auto" latinLnBrk="1" hangingPunct="1">
+                        <a:lnSpc>
+                          <a:spcPts val="1100"/>
+                        </a:lnSpc>
+                        <a:spcBef>
+                          <a:spcPts val="0"/>
+                        </a:spcBef>
+                        <a:spcAft>
+                          <a:spcPts val="0"/>
+                        </a:spcAft>
+                        <a:buClrTx/>
+                        <a:buSzTx/>
+                        <a:buFontTx/>
+                        <a:buNone/>
+                        <a:tabLst/>
+                        <a:defRPr/>
+                      </a:pPr>
+                      <a:endParaRPr lang="en-US" altLang="ko-KR" sz="1050" b="1" dirty="0" smtClean="0">
+                        <a:solidFill>
+                          <a:schemeClr val="tx1"/>
+                        </a:solidFill>
+                        <a:latin typeface="+mn-ea"/>
+                        <a:ea typeface="+mn-ea"/>
+                      </a:endParaRPr>
+                    </a:p>
+                  </a:txBody>
+                  <a:tcPr anchor="ctr">
+                    <a:lnL w="12700" cap="flat" cmpd="sng" algn="ctr">
+                      <a:solidFill>
+                        <a:schemeClr val="tx1"/>
+                      </a:solidFill>
+                      <a:prstDash val="solid"/>
+                      <a:round/>
+                      <a:headEnd type="none" w="med" len="med"/>
+                      <a:tailEnd type="none" w="med" len="med"/>
+                    </a:lnL>
+                    <a:lnR w="12700" cap="flat" cmpd="sng" algn="ctr">
+                      <a:solidFill>
+                        <a:schemeClr val="tx1"/>
+                      </a:solidFill>
+                      <a:prstDash val="solid"/>
+                      <a:round/>
+                      <a:headEnd type="none" w="med" len="med"/>
+                      <a:tailEnd type="none" w="med" len="med"/>
+                    </a:lnR>
+                    <a:lnT w="12700" cap="flat" cmpd="sng" algn="ctr">
+                      <a:solidFill>
+                        <a:schemeClr val="tx1"/>
+                      </a:solidFill>
+                      <a:prstDash val="solid"/>
+                      <a:round/>
+                      <a:headEnd type="none" w="med" len="med"/>
+                      <a:tailEnd type="none" w="med" len="med"/>
+                    </a:lnT>
+                    <a:lnB w="12700" cap="flat" cmpd="sng" algn="ctr">
+                      <a:solidFill>
+                        <a:schemeClr val="tx1"/>
+                      </a:solidFill>
+                      <a:prstDash val="solid"/>
+                      <a:round/>
+                      <a:headEnd type="none" w="med" len="med"/>
+                      <a:tailEnd type="none" w="med" len="med"/>
+                    </a:lnB>
+                    <a:lnTlToBr w="12700" cmpd="sng">
+                      <a:noFill/>
+                      <a:prstDash val="solid"/>
+                    </a:lnTlToBr>
+                    <a:lnBlToTr w="12700" cmpd="sng">
+                      <a:noFill/>
+                      <a:prstDash val="solid"/>
+                    </a:lnBlToTr>
+                    <a:solidFill>
+                      <a:schemeClr val="bg1"/>
+                    </a:solidFill>
+                  </a:tcPr>
+                </a:tc>
+              </a:tr>
+              <a:tr h="468000">
+                <a:tc>
+                  <a:txBody>
+                    <a:bodyPr/>
+                    <a:lstStyle/>
+                    <a:p>
+                      <a:pPr algn="ctr" latinLnBrk="1">
+                        <a:lnSpc>
+                          <a:spcPts val="1100"/>
+                        </a:lnSpc>
+                      </a:pPr>
+                      <a:r>
+                        <a:rPr lang="ko-KR" altLang="en-US" sz="1050" b="1" dirty="0" smtClean="0">
+                          <a:solidFill>
+                            <a:schemeClr val="tx1"/>
+                          </a:solidFill>
+                          <a:latin typeface="+mn-ea"/>
+                          <a:ea typeface="+mn-ea"/>
+                        </a:rPr>
+                        <a:t>오색면전</a:t>
+                      </a:r>
+                      <a:endParaRPr lang="ko-KR" altLang="en-US" sz="1050" b="1" dirty="0">
+                        <a:solidFill>
+                          <a:schemeClr val="tx1"/>
+                        </a:solidFill>
+                        <a:latin typeface="+mn-ea"/>
+                        <a:ea typeface="+mn-ea"/>
+                      </a:endParaRPr>
+                    </a:p>
+                  </a:txBody>
+                  <a:tcPr anchor="ctr">
+                    <a:lnL w="12700" cap="flat" cmpd="sng" algn="ctr">
+                      <a:solidFill>
+                        <a:schemeClr val="tx1"/>
+                      </a:solidFill>
+                      <a:prstDash val="solid"/>
+                      <a:round/>
+                      <a:headEnd type="none" w="med" len="med"/>
+                      <a:tailEnd type="none" w="med" len="med"/>
+                    </a:lnL>
+                    <a:lnR w="12700" cap="flat" cmpd="sng" algn="ctr">
+                      <a:solidFill>
+                        <a:schemeClr val="tx1"/>
+                      </a:solidFill>
+                      <a:prstDash val="solid"/>
+                      <a:round/>
+                      <a:headEnd type="none" w="med" len="med"/>
+                      <a:tailEnd type="none" w="med" len="med"/>
+                    </a:lnR>
+                    <a:lnT w="12700" cap="flat" cmpd="sng" algn="ctr">
+                      <a:solidFill>
+                        <a:schemeClr val="tx1"/>
+                      </a:solidFill>
+                      <a:prstDash val="solid"/>
+                      <a:round/>
+                      <a:headEnd type="none" w="med" len="med"/>
+                      <a:tailEnd type="none" w="med" len="med"/>
+                    </a:lnT>
+                    <a:lnB w="12700" cap="flat" cmpd="sng" algn="ctr">
+                      <a:solidFill>
+                        <a:schemeClr val="tx1"/>
+                      </a:solidFill>
+                      <a:prstDash val="solid"/>
+                      <a:round/>
+                      <a:headEnd type="none" w="med" len="med"/>
+                      <a:tailEnd type="none" w="med" len="med"/>
+                    </a:lnB>
+                    <a:lnTlToBr w="12700" cmpd="sng">
+                      <a:noFill/>
+                      <a:prstDash val="solid"/>
+                    </a:lnTlToBr>
+                    <a:lnBlToTr w="12700" cmpd="sng">
+                      <a:noFill/>
+                      <a:prstDash val="solid"/>
+                    </a:lnBlToTr>
+                    <a:solidFill>
+                      <a:schemeClr val="bg1"/>
+                    </a:solidFill>
+                  </a:tcPr>
+                </a:tc>
+                <a:tc>
+                  <a:txBody>
+                    <a:bodyPr/>
+                    <a:lstStyle/>
+                    <a:p>
+                      <a:pPr algn="ctr" latinLnBrk="1">
+                        <a:lnSpc>
+                          <a:spcPts val="1100"/>
+                        </a:lnSpc>
+                      </a:pPr>
+                      <a:r>
+                        <a:rPr lang="ko-KR" altLang="en-US" sz="1050" b="1" dirty="0" smtClean="0">
+                          <a:solidFill>
+                            <a:schemeClr val="tx1"/>
+                          </a:solidFill>
+                          <a:latin typeface="+mn-ea"/>
+                          <a:ea typeface="+mn-ea"/>
+                        </a:rPr>
+                        <a:t>장어구이 덮밥</a:t>
+                      </a:r>
+                      <a:endParaRPr lang="en-US" altLang="ko-KR" sz="1050" b="1" dirty="0" smtClean="0">
+                        <a:solidFill>
+                          <a:schemeClr val="tx1"/>
+                        </a:solidFill>
+                        <a:latin typeface="+mn-ea"/>
+                        <a:ea typeface="+mn-ea"/>
+                      </a:endParaRPr>
+                    </a:p>
+                    <a:p>
+                      <a:pPr algn="ctr" latinLnBrk="1">
+                        <a:lnSpc>
+                          <a:spcPts val="1100"/>
+                        </a:lnSpc>
+                      </a:pPr>
+                      <a:r>
+                        <a:rPr lang="en-US" altLang="ko-KR" sz="1050" b="1" dirty="0" smtClean="0">
+                          <a:solidFill>
+                            <a:schemeClr val="tx1"/>
+                          </a:solidFill>
+                          <a:latin typeface="+mn-ea"/>
+                          <a:ea typeface="+mn-ea"/>
+                        </a:rPr>
+                        <a:t>(11,000)</a:t>
+                      </a:r>
+                      <a:endParaRPr lang="ko-KR" altLang="en-US" sz="1050" b="1" dirty="0" smtClean="0">
+                        <a:solidFill>
+                          <a:schemeClr val="tx1"/>
+                        </a:solidFill>
+                        <a:latin typeface="+mn-ea"/>
+                        <a:ea typeface="+mn-ea"/>
+                      </a:endParaRPr>
+                    </a:p>
+                  </a:txBody>
+                  <a:tcPr anchor="ctr">
+                    <a:lnL w="12700" cap="flat" cmpd="sng" algn="ctr">
+                      <a:solidFill>
+                        <a:schemeClr val="tx1"/>
+                      </a:solidFill>
+                      <a:prstDash val="solid"/>
+                      <a:round/>
+                      <a:headEnd type="none" w="med" len="med"/>
+                      <a:tailEnd type="none" w="med" len="med"/>
+                    </a:lnL>
+                    <a:lnR w="12700" cap="flat" cmpd="sng" algn="ctr">
+                      <a:solidFill>
+                        <a:schemeClr val="tx1"/>
+                      </a:solidFill>
+                      <a:prstDash val="solid"/>
+                      <a:round/>
+                      <a:headEnd type="none" w="med" len="med"/>
+                      <a:tailEnd type="none" w="med" len="med"/>
+                    </a:lnR>
+                    <a:lnT w="12700" cap="flat" cmpd="sng" algn="ctr">
+                      <a:solidFill>
+                        <a:schemeClr val="tx1"/>
+                      </a:solidFill>
+                      <a:prstDash val="solid"/>
+                      <a:round/>
+                      <a:headEnd type="none" w="med" len="med"/>
+                      <a:tailEnd type="none" w="med" len="med"/>
+                    </a:lnT>
+                    <a:lnB w="12700" cap="flat" cmpd="sng" algn="ctr">
+                      <a:solidFill>
+                        <a:schemeClr val="tx1"/>
+                      </a:solidFill>
+                      <a:prstDash val="solid"/>
+                      <a:round/>
+                      <a:headEnd type="none" w="med" len="med"/>
+                      <a:tailEnd type="none" w="med" len="med"/>
+                    </a:lnB>
+                    <a:lnTlToBr w="12700" cmpd="sng">
+                      <a:noFill/>
+                      <a:prstDash val="solid"/>
+                    </a:lnTlToBr>
+                    <a:lnBlToTr w="12700" cmpd="sng">
+                      <a:noFill/>
+                      <a:prstDash val="solid"/>
+                    </a:lnBlToTr>
+                    <a:solidFill>
+                      <a:schemeClr val="bg1"/>
+                    </a:solidFill>
+                  </a:tcPr>
+                </a:tc>
+                <a:tc>
+                  <a:txBody>
+                    <a:bodyPr/>
+                    <a:lstStyle/>
+                    <a:p>
+                      <a:pPr algn="ctr" latinLnBrk="1">
+                        <a:lnSpc>
+                          <a:spcPts val="1100"/>
+                        </a:lnSpc>
+                      </a:pPr>
+                      <a:r>
+                        <a:rPr lang="ko-KR" altLang="en-US" sz="1050" b="1" dirty="0" err="1" smtClean="0">
+                          <a:solidFill>
+                            <a:srgbClr val="FF0000"/>
+                          </a:solidFill>
+                          <a:latin typeface="+mn-ea"/>
+                          <a:ea typeface="+mn-ea"/>
+                        </a:rPr>
+                        <a:t>똠양꿍쌀국수세트</a:t>
+                      </a:r>
+                      <a:endParaRPr lang="en-US" altLang="ko-KR" sz="1050" b="1" dirty="0" smtClean="0">
+                        <a:solidFill>
+                          <a:srgbClr val="FF0000"/>
+                        </a:solidFill>
+                        <a:latin typeface="+mn-ea"/>
+                        <a:ea typeface="+mn-ea"/>
+                      </a:endParaRPr>
+                    </a:p>
+                    <a:p>
+                      <a:pPr algn="ctr" latinLnBrk="1">
+                        <a:lnSpc>
+                          <a:spcPts val="1100"/>
+                        </a:lnSpc>
+                      </a:pPr>
+                      <a:r>
+                        <a:rPr lang="en-US" altLang="ko-KR" sz="1050" b="1" dirty="0" smtClean="0">
+                          <a:solidFill>
+                            <a:srgbClr val="FF0000"/>
+                          </a:solidFill>
+                          <a:latin typeface="+mn-ea"/>
+                          <a:ea typeface="+mn-ea"/>
+                        </a:rPr>
+                        <a:t>(13,000)</a:t>
+                      </a:r>
+                      <a:endParaRPr lang="ko-KR" altLang="en-US" sz="1050" b="1" dirty="0" smtClean="0">
+                        <a:solidFill>
+                          <a:srgbClr val="FF0000"/>
+                        </a:solidFill>
+                        <a:latin typeface="+mn-ea"/>
+                        <a:ea typeface="+mn-ea"/>
+                      </a:endParaRPr>
+                    </a:p>
+                  </a:txBody>
+                  <a:tcPr anchor="ctr">
+                    <a:lnL w="12700" cap="flat" cmpd="sng" algn="ctr">
+                      <a:solidFill>
+                        <a:schemeClr val="tx1"/>
+                      </a:solidFill>
+                      <a:prstDash val="solid"/>
+                      <a:round/>
+                      <a:headEnd type="none" w="med" len="med"/>
+                      <a:tailEnd type="none" w="med" len="med"/>
+                    </a:lnL>
+                    <a:lnR w="12700" cap="flat" cmpd="sng" algn="ctr">
+                      <a:solidFill>
+                        <a:schemeClr val="tx1"/>
+                      </a:solidFill>
+                      <a:prstDash val="solid"/>
+                      <a:round/>
+                      <a:headEnd type="none" w="med" len="med"/>
+                      <a:tailEnd type="none" w="med" len="med"/>
+                    </a:lnR>
+                    <a:lnT w="12700" cap="flat" cmpd="sng" algn="ctr">
+                      <a:solidFill>
+                        <a:schemeClr val="tx1"/>
+                      </a:solidFill>
+                      <a:prstDash val="solid"/>
+                      <a:round/>
+                      <a:headEnd type="none" w="med" len="med"/>
+                      <a:tailEnd type="none" w="med" len="med"/>
+                    </a:lnT>
+                    <a:lnB w="12700" cap="flat" cmpd="sng" algn="ctr">
+                      <a:solidFill>
+                        <a:schemeClr val="tx1"/>
+                      </a:solidFill>
+                      <a:prstDash val="solid"/>
+                      <a:round/>
+                      <a:headEnd type="none" w="med" len="med"/>
+                      <a:tailEnd type="none" w="med" len="med"/>
+                    </a:lnB>
+                    <a:lnTlToBr w="12700" cmpd="sng">
+                      <a:noFill/>
+                      <a:prstDash val="solid"/>
+                    </a:lnTlToBr>
+                    <a:lnBlToTr w="12700" cmpd="sng">
+                      <a:noFill/>
+                      <a:prstDash val="solid"/>
+                    </a:lnBlToTr>
+                    <a:noFill/>
+                  </a:tcPr>
+                </a:tc>
+                <a:tc>
+                  <a:txBody>
+                    <a:bodyPr/>
+                    <a:lstStyle/>
+                    <a:p>
+                      <a:pPr algn="ctr" latinLnBrk="1">
+                        <a:lnSpc>
+                          <a:spcPts val="1100"/>
+                        </a:lnSpc>
+                      </a:pPr>
+                      <a:r>
+                        <a:rPr lang="ko-KR" altLang="en-US" sz="1050" b="1" dirty="0" smtClean="0">
+                          <a:solidFill>
+                            <a:schemeClr val="tx1"/>
+                          </a:solidFill>
+                          <a:latin typeface="+mn-ea"/>
+                          <a:ea typeface="+mn-ea"/>
+                        </a:rPr>
+                        <a:t>콩국수</a:t>
+                      </a:r>
+                      <a:endParaRPr lang="en-US" altLang="ko-KR" sz="1050" b="1" dirty="0" smtClean="0">
+                        <a:solidFill>
+                          <a:schemeClr val="tx1"/>
+                        </a:solidFill>
+                        <a:latin typeface="+mn-ea"/>
+                        <a:ea typeface="+mn-ea"/>
+                      </a:endParaRPr>
+                    </a:p>
+                    <a:p>
+                      <a:pPr algn="ctr" latinLnBrk="1">
+                        <a:lnSpc>
+                          <a:spcPts val="1100"/>
+                        </a:lnSpc>
+                      </a:pPr>
+                      <a:r>
+                        <a:rPr lang="en-US" altLang="ko-KR" sz="1050" b="1" dirty="0" smtClean="0">
+                          <a:solidFill>
+                            <a:schemeClr val="tx1"/>
+                          </a:solidFill>
+                          <a:latin typeface="+mn-ea"/>
+                          <a:ea typeface="+mn-ea"/>
+                        </a:rPr>
+                        <a:t>(8,000)</a:t>
+                      </a:r>
+                      <a:endParaRPr lang="en-US" altLang="ko-KR" sz="1050" b="1" dirty="0" smtClean="0">
+                        <a:solidFill>
+                          <a:schemeClr val="tx1"/>
+                        </a:solidFill>
+                        <a:latin typeface="+mn-ea"/>
+                        <a:ea typeface="+mn-ea"/>
+                      </a:endParaRPr>
+                    </a:p>
+                  </a:txBody>
+                  <a:tcPr anchor="ctr">
+                    <a:lnL w="12700" cap="flat" cmpd="sng" algn="ctr">
+                      <a:solidFill>
+                        <a:schemeClr val="tx1"/>
+                      </a:solidFill>
+                      <a:prstDash val="solid"/>
+                      <a:round/>
+                      <a:headEnd type="none" w="med" len="med"/>
+                      <a:tailEnd type="none" w="med" len="med"/>
+                    </a:lnL>
+                    <a:lnR w="12700" cap="flat" cmpd="sng" algn="ctr">
+                      <a:solidFill>
+                        <a:schemeClr val="tx1"/>
+                      </a:solidFill>
+                      <a:prstDash val="solid"/>
+                      <a:round/>
+                      <a:headEnd type="none" w="med" len="med"/>
+                      <a:tailEnd type="none" w="med" len="med"/>
+                    </a:lnR>
+                    <a:lnT w="12700" cap="flat" cmpd="sng" algn="ctr">
+                      <a:solidFill>
+                        <a:schemeClr val="tx1"/>
+                      </a:solidFill>
+                      <a:prstDash val="solid"/>
+                      <a:round/>
+                      <a:headEnd type="none" w="med" len="med"/>
+                      <a:tailEnd type="none" w="med" len="med"/>
+                    </a:lnT>
+                    <a:lnB w="12700" cap="flat" cmpd="sng" algn="ctr">
+                      <a:solidFill>
+                        <a:schemeClr val="tx1"/>
+                      </a:solidFill>
+                      <a:prstDash val="solid"/>
+                      <a:round/>
+                      <a:headEnd type="none" w="med" len="med"/>
+                      <a:tailEnd type="none" w="med" len="med"/>
+                    </a:lnB>
+                    <a:lnTlToBr w="12700" cmpd="sng">
+                      <a:noFill/>
+                      <a:prstDash val="solid"/>
+                    </a:lnTlToBr>
+                    <a:lnBlToTr w="12700" cmpd="sng">
+                      <a:noFill/>
+                      <a:prstDash val="solid"/>
+                    </a:lnBlToTr>
+                    <a:noFill/>
+                  </a:tcPr>
+                </a:tc>
+                <a:tc>
+                  <a:txBody>
+                    <a:bodyPr/>
+                    <a:lstStyle/>
+                    <a:p>
+                      <a:pPr algn="ctr" latinLnBrk="1">
+                        <a:lnSpc>
+                          <a:spcPts val="1100"/>
+                        </a:lnSpc>
+                      </a:pPr>
+                      <a:endParaRPr lang="ko-KR" altLang="en-US" sz="1050" b="1" dirty="0" smtClean="0">
+                        <a:solidFill>
+                          <a:schemeClr val="tx1"/>
+                        </a:solidFill>
+                        <a:latin typeface="+mn-ea"/>
+                        <a:ea typeface="+mn-ea"/>
+                      </a:endParaRPr>
+                    </a:p>
+                  </a:txBody>
+                  <a:tcPr anchor="ctr">
+                    <a:lnL w="12700" cap="flat" cmpd="sng" algn="ctr">
+                      <a:solidFill>
+                        <a:schemeClr val="tx1"/>
+                      </a:solidFill>
+                      <a:prstDash val="solid"/>
+                      <a:round/>
+                      <a:headEnd type="none" w="med" len="med"/>
+                      <a:tailEnd type="none" w="med" len="med"/>
+                    </a:lnL>
+                    <a:lnR w="12700" cap="flat" cmpd="sng" algn="ctr">
+                      <a:solidFill>
+                        <a:schemeClr val="tx1"/>
+                      </a:solidFill>
+                      <a:prstDash val="solid"/>
+                      <a:round/>
+                      <a:headEnd type="none" w="med" len="med"/>
+                      <a:tailEnd type="none" w="med" len="med"/>
+                    </a:lnR>
+                    <a:lnT w="12700" cap="flat" cmpd="sng" algn="ctr">
+                      <a:solidFill>
+                        <a:schemeClr val="tx1"/>
+                      </a:solidFill>
+                      <a:prstDash val="solid"/>
+                      <a:round/>
+                      <a:headEnd type="none" w="med" len="med"/>
+                      <a:tailEnd type="none" w="med" len="med"/>
+                    </a:lnT>
+                    <a:lnB w="12700" cap="flat" cmpd="sng" algn="ctr">
+                      <a:solidFill>
+                        <a:schemeClr val="tx1"/>
+                      </a:solidFill>
+                      <a:prstDash val="solid"/>
+                      <a:round/>
+                      <a:headEnd type="none" w="med" len="med"/>
+                      <a:tailEnd type="none" w="med" len="med"/>
+                    </a:lnB>
+                    <a:lnTlToBr w="12700" cmpd="sng">
+                      <a:noFill/>
+                      <a:prstDash val="solid"/>
+                    </a:lnTlToBr>
+                    <a:lnBlToTr w="12700" cmpd="sng">
+                      <a:noFill/>
+                      <a:prstDash val="solid"/>
+                    </a:lnBlToTr>
+                    <a:solidFill>
+                      <a:schemeClr val="bg1"/>
+                    </a:solidFill>
+                  </a:tcPr>
+                </a:tc>
+                <a:tc>
+                  <a:txBody>
+                    <a:bodyPr/>
+                    <a:lstStyle/>
+                    <a:p>
+                      <a:pPr algn="ctr" latinLnBrk="1">
+                        <a:lnSpc>
+                          <a:spcPts val="1100"/>
+                        </a:lnSpc>
+                      </a:pPr>
+                      <a:endParaRPr lang="en-US" altLang="ko-KR" sz="1050" b="1" dirty="0" smtClean="0">
+                        <a:solidFill>
+                          <a:schemeClr val="tx1"/>
+                        </a:solidFill>
+                        <a:latin typeface="+mn-ea"/>
+                        <a:ea typeface="+mn-ea"/>
+                      </a:endParaRPr>
+                    </a:p>
+                  </a:txBody>
+                  <a:tcPr anchor="ctr">
+                    <a:lnL w="12700" cap="flat" cmpd="sng" algn="ctr">
+                      <a:solidFill>
+                        <a:schemeClr val="tx1"/>
+                      </a:solidFill>
+                      <a:prstDash val="solid"/>
+                      <a:round/>
+                      <a:headEnd type="none" w="med" len="med"/>
+                      <a:tailEnd type="none" w="med" len="med"/>
+                    </a:lnL>
+                    <a:lnR w="12700" cap="flat" cmpd="sng" algn="ctr">
+                      <a:solidFill>
+                        <a:schemeClr val="tx1"/>
+                      </a:solidFill>
+                      <a:prstDash val="solid"/>
+                      <a:round/>
+                      <a:headEnd type="none" w="med" len="med"/>
+                      <a:tailEnd type="none" w="med" len="med"/>
+                    </a:lnR>
+                    <a:lnT w="12700" cap="flat" cmpd="sng" algn="ctr">
+                      <a:solidFill>
+                        <a:schemeClr val="tx1"/>
+                      </a:solidFill>
+                      <a:prstDash val="solid"/>
+                      <a:round/>
+                      <a:headEnd type="none" w="med" len="med"/>
+                      <a:tailEnd type="none" w="med" len="med"/>
+                    </a:lnT>
+                    <a:lnB w="12700" cap="flat" cmpd="sng" algn="ctr">
+                      <a:solidFill>
+                        <a:schemeClr val="tx1"/>
+                      </a:solidFill>
+                      <a:prstDash val="solid"/>
+                      <a:round/>
+                      <a:headEnd type="none" w="med" len="med"/>
+                      <a:tailEnd type="none" w="med" len="med"/>
+                    </a:lnB>
+                    <a:lnTlToBr w="12700" cmpd="sng">
+                      <a:noFill/>
+                      <a:prstDash val="solid"/>
+                    </a:lnTlToBr>
+                    <a:lnBlToTr w="12700" cmpd="sng">
+                      <a:noFill/>
+                      <a:prstDash val="solid"/>
+                    </a:lnBlToTr>
+                    <a:solidFill>
+                      <a:schemeClr val="bg1"/>
+                    </a:solidFill>
+                  </a:tcPr>
+                </a:tc>
+              </a:tr>
+              <a:tr h="468000">
+                <a:tc>
+                  <a:txBody>
+                    <a:bodyPr/>
+                    <a:lstStyle/>
+                    <a:p>
+                      <a:pPr algn="ctr" latinLnBrk="1">
+                        <a:lnSpc>
+                          <a:spcPts val="1100"/>
+                        </a:lnSpc>
+                      </a:pPr>
+                      <a:r>
+                        <a:rPr lang="ko-KR" altLang="en-US" sz="1050" b="1" dirty="0" err="1" smtClean="0">
+                          <a:solidFill>
+                            <a:schemeClr val="tx1"/>
+                          </a:solidFill>
+                          <a:latin typeface="+mn-ea"/>
+                          <a:ea typeface="+mn-ea"/>
+                        </a:rPr>
+                        <a:t>한스푼</a:t>
+                      </a:r>
+                      <a:endParaRPr lang="ko-KR" altLang="en-US" sz="1050" b="1" dirty="0">
+                        <a:solidFill>
+                          <a:schemeClr val="tx1"/>
+                        </a:solidFill>
+                        <a:latin typeface="+mn-ea"/>
+                        <a:ea typeface="+mn-ea"/>
+                      </a:endParaRPr>
+                    </a:p>
+                  </a:txBody>
+                  <a:tcPr anchor="ctr">
+                    <a:lnL w="12700" cap="flat" cmpd="sng" algn="ctr">
+                      <a:solidFill>
+                        <a:schemeClr val="tx1"/>
+                      </a:solidFill>
+                      <a:prstDash val="solid"/>
+                      <a:round/>
+                      <a:headEnd type="none" w="med" len="med"/>
+                      <a:tailEnd type="none" w="med" len="med"/>
+                    </a:lnL>
+                    <a:lnR w="12700" cap="flat" cmpd="sng" algn="ctr">
+                      <a:solidFill>
+                        <a:schemeClr val="tx1"/>
+                      </a:solidFill>
+                      <a:prstDash val="solid"/>
+                      <a:round/>
+                      <a:headEnd type="none" w="med" len="med"/>
+                      <a:tailEnd type="none" w="med" len="med"/>
+                    </a:lnR>
+                    <a:lnT w="12700" cap="flat" cmpd="sng" algn="ctr">
+                      <a:solidFill>
+                        <a:schemeClr val="tx1"/>
+                      </a:solidFill>
+                      <a:prstDash val="solid"/>
+                      <a:round/>
+                      <a:headEnd type="none" w="med" len="med"/>
+                      <a:tailEnd type="none" w="med" len="med"/>
+                    </a:lnT>
+                    <a:lnB w="12700" cap="flat" cmpd="sng" algn="ctr">
+                      <a:solidFill>
+                        <a:schemeClr val="tx1"/>
+                      </a:solidFill>
+                      <a:prstDash val="solid"/>
+                      <a:round/>
+                      <a:headEnd type="none" w="med" len="med"/>
+                      <a:tailEnd type="none" w="med" len="med"/>
+                    </a:lnB>
+                    <a:lnTlToBr w="12700" cmpd="sng">
+                      <a:noFill/>
+                      <a:prstDash val="solid"/>
+                    </a:lnTlToBr>
+                    <a:lnBlToTr w="12700" cmpd="sng">
+                      <a:noFill/>
+                      <a:prstDash val="solid"/>
+                    </a:lnBlToTr>
+                    <a:solidFill>
+                      <a:schemeClr val="bg1"/>
+                    </a:solidFill>
+                  </a:tcPr>
+                </a:tc>
+                <a:tc gridSpan="5">
+                  <a:txBody>
+                    <a:bodyPr/>
+                    <a:lstStyle/>
+                    <a:p>
+                      <a:pPr algn="ctr" latinLnBrk="1">
+                        <a:lnSpc>
+                          <a:spcPts val="1100"/>
+                        </a:lnSpc>
+                      </a:pPr>
+                      <a:r>
+                        <a:rPr lang="ko-KR" altLang="en-US" sz="1050" b="1" dirty="0" smtClean="0">
+                          <a:solidFill>
+                            <a:schemeClr val="tx1"/>
+                          </a:solidFill>
+                          <a:latin typeface="+mn-ea"/>
+                          <a:ea typeface="+mn-ea"/>
+                        </a:rPr>
+                        <a:t>총 </a:t>
+                      </a:r>
+                      <a:r>
+                        <a:rPr lang="en-US" altLang="ko-KR" sz="1050" b="1" dirty="0" smtClean="0">
+                          <a:solidFill>
+                            <a:schemeClr val="tx1"/>
+                          </a:solidFill>
+                          <a:latin typeface="+mn-ea"/>
+                          <a:ea typeface="+mn-ea"/>
+                        </a:rPr>
+                        <a:t>16</a:t>
+                      </a:r>
+                      <a:r>
+                        <a:rPr lang="ko-KR" altLang="en-US" sz="1050" b="1" dirty="0" smtClean="0">
+                          <a:solidFill>
+                            <a:schemeClr val="tx1"/>
+                          </a:solidFill>
+                          <a:latin typeface="+mn-ea"/>
+                          <a:ea typeface="+mn-ea"/>
+                        </a:rPr>
+                        <a:t>종 운영</a:t>
+                      </a:r>
+                    </a:p>
+                  </a:txBody>
+                  <a:tcPr anchor="ctr">
+                    <a:lnL w="12700" cap="flat" cmpd="sng" algn="ctr">
+                      <a:solidFill>
+                        <a:schemeClr val="tx1"/>
+                      </a:solidFill>
+                      <a:prstDash val="solid"/>
+                      <a:round/>
+                      <a:headEnd type="none" w="med" len="med"/>
+                      <a:tailEnd type="none" w="med" len="med"/>
+                    </a:lnL>
+                    <a:lnR w="12700" cap="flat" cmpd="sng" algn="ctr">
+                      <a:solidFill>
+                        <a:schemeClr val="tx1"/>
+                      </a:solidFill>
+                      <a:prstDash val="solid"/>
+                      <a:round/>
+                      <a:headEnd type="none" w="med" len="med"/>
+                      <a:tailEnd type="none" w="med" len="med"/>
+                    </a:lnR>
+                    <a:lnT w="12700" cap="flat" cmpd="sng" algn="ctr">
+                      <a:solidFill>
+                        <a:schemeClr val="tx1"/>
+                      </a:solidFill>
+                      <a:prstDash val="solid"/>
+                      <a:round/>
+                      <a:headEnd type="none" w="med" len="med"/>
+                      <a:tailEnd type="none" w="med" len="med"/>
+                    </a:lnT>
+                    <a:lnB w="12700" cap="flat" cmpd="sng" algn="ctr">
+                      <a:solidFill>
+                        <a:schemeClr val="tx1"/>
+                      </a:solidFill>
+                      <a:prstDash val="solid"/>
+                      <a:round/>
+                      <a:headEnd type="none" w="med" len="med"/>
+                      <a:tailEnd type="none" w="med" len="med"/>
+                    </a:lnB>
+                    <a:lnTlToBr w="12700" cmpd="sng">
+                      <a:noFill/>
+                      <a:prstDash val="solid"/>
+                    </a:lnTlToBr>
+                    <a:lnBlToTr w="12700" cmpd="sng">
+                      <a:noFill/>
+                      <a:prstDash val="solid"/>
+                    </a:lnBlToTr>
+                    <a:solidFill>
+                      <a:schemeClr val="bg1"/>
+                    </a:solidFill>
+                  </a:tcPr>
+                </a:tc>
+                <a:tc hMerge="1">
+                  <a:txBody>
+                    <a:bodyPr/>
+                    <a:lstStyle/>
+                    <a:p>
+                      <a:pPr algn="ctr" latinLnBrk="1">
+                        <a:lnSpc>
+                          <a:spcPts val="1100"/>
+                        </a:lnSpc>
+                      </a:pPr>
+                      <a:endParaRPr lang="ko-KR" altLang="en-US" sz="1050" b="1" dirty="0" smtClean="0">
+                        <a:solidFill>
+                          <a:schemeClr val="tx1"/>
+                        </a:solidFill>
+                        <a:latin typeface="+mn-ea"/>
+                        <a:ea typeface="+mn-ea"/>
+                      </a:endParaRPr>
+                    </a:p>
+                  </a:txBody>
+                  <a:tcPr anchor="ctr">
+                    <a:lnL w="12700" cap="flat" cmpd="sng" algn="ctr">
+                      <a:solidFill>
+                        <a:schemeClr val="tx1"/>
+                      </a:solidFill>
+                      <a:prstDash val="solid"/>
+                      <a:round/>
+                      <a:headEnd type="none" w="med" len="med"/>
+                      <a:tailEnd type="none" w="med" len="med"/>
+                    </a:lnL>
+                    <a:lnR w="12700" cap="flat" cmpd="sng" algn="ctr">
+                      <a:solidFill>
+                        <a:schemeClr val="tx1"/>
+                      </a:solidFill>
+                      <a:prstDash val="solid"/>
+                      <a:round/>
+                      <a:headEnd type="none" w="med" len="med"/>
+                      <a:tailEnd type="none" w="med" len="med"/>
+                    </a:lnR>
+                    <a:lnT w="12700" cap="flat" cmpd="sng" algn="ctr">
+                      <a:solidFill>
+                        <a:schemeClr val="tx1"/>
+                      </a:solidFill>
+                      <a:prstDash val="solid"/>
+                      <a:round/>
+                      <a:headEnd type="none" w="med" len="med"/>
+                      <a:tailEnd type="none" w="med" len="med"/>
+                    </a:lnT>
+                    <a:lnB w="12700" cap="flat" cmpd="sng" algn="ctr">
+                      <a:solidFill>
+                        <a:schemeClr val="tx1"/>
+                      </a:solidFill>
+                      <a:prstDash val="solid"/>
+                      <a:round/>
+                      <a:headEnd type="none" w="med" len="med"/>
+                      <a:tailEnd type="none" w="med" len="med"/>
+                    </a:lnB>
+                    <a:lnTlToBr w="12700" cmpd="sng">
+                      <a:noFill/>
+                      <a:prstDash val="solid"/>
+                    </a:lnTlToBr>
+                    <a:lnBlToTr w="12700" cmpd="sng">
+                      <a:noFill/>
+                      <a:prstDash val="solid"/>
+                    </a:lnBlToTr>
+                    <a:noFill/>
+                  </a:tcPr>
+                </a:tc>
+                <a:tc hMerge="1">
+                  <a:txBody>
+                    <a:bodyPr/>
+                    <a:lstStyle/>
+                    <a:p>
+                      <a:pPr algn="ctr" latinLnBrk="1">
+                        <a:lnSpc>
+                          <a:spcPts val="1100"/>
+                        </a:lnSpc>
+                      </a:pPr>
+                      <a:endParaRPr lang="en-US" altLang="ko-KR" sz="1050" b="1" dirty="0" smtClean="0">
+                        <a:solidFill>
+                          <a:schemeClr val="tx1"/>
+                        </a:solidFill>
+                        <a:latin typeface="+mn-ea"/>
+                        <a:ea typeface="+mn-ea"/>
+                      </a:endParaRPr>
+                    </a:p>
+                  </a:txBody>
+                  <a:tcPr anchor="ctr">
+                    <a:lnL w="12700" cap="flat" cmpd="sng" algn="ctr">
+                      <a:solidFill>
+                        <a:schemeClr val="tx1"/>
+                      </a:solidFill>
+                      <a:prstDash val="solid"/>
+                      <a:round/>
+                      <a:headEnd type="none" w="med" len="med"/>
+                      <a:tailEnd type="none" w="med" len="med"/>
+                    </a:lnL>
+                    <a:lnR w="12700" cap="flat" cmpd="sng" algn="ctr">
+                      <a:solidFill>
+                        <a:schemeClr val="tx1"/>
+                      </a:solidFill>
+                      <a:prstDash val="solid"/>
+                      <a:round/>
+                      <a:headEnd type="none" w="med" len="med"/>
+                      <a:tailEnd type="none" w="med" len="med"/>
+                    </a:lnR>
+                    <a:lnT w="12700" cap="flat" cmpd="sng" algn="ctr">
+                      <a:solidFill>
+                        <a:schemeClr val="tx1"/>
+                      </a:solidFill>
+                      <a:prstDash val="solid"/>
+                      <a:round/>
+                      <a:headEnd type="none" w="med" len="med"/>
+                      <a:tailEnd type="none" w="med" len="med"/>
+                    </a:lnT>
+                    <a:lnB w="12700" cap="flat" cmpd="sng" algn="ctr">
+                      <a:solidFill>
+                        <a:schemeClr val="tx1"/>
+                      </a:solidFill>
+                      <a:prstDash val="solid"/>
+                      <a:round/>
+                      <a:headEnd type="none" w="med" len="med"/>
+                      <a:tailEnd type="none" w="med" len="med"/>
+                    </a:lnB>
+                    <a:lnTlToBr w="12700" cmpd="sng">
+                      <a:noFill/>
+                      <a:prstDash val="solid"/>
+                    </a:lnTlToBr>
+                    <a:lnBlToTr w="12700" cmpd="sng">
+                      <a:noFill/>
+                      <a:prstDash val="solid"/>
+                    </a:lnBlToTr>
+                    <a:noFill/>
+                  </a:tcPr>
+                </a:tc>
+                <a:tc hMerge="1">
+                  <a:txBody>
+                    <a:bodyPr/>
+                    <a:lstStyle/>
+                    <a:p>
+                      <a:pPr algn="ctr" latinLnBrk="1">
+                        <a:lnSpc>
+                          <a:spcPts val="1100"/>
+                        </a:lnSpc>
+                      </a:pPr>
+                      <a:endParaRPr lang="ko-KR" altLang="en-US" sz="1050" b="1" dirty="0" smtClean="0">
+                        <a:solidFill>
+                          <a:schemeClr val="tx1"/>
+                        </a:solidFill>
+                        <a:latin typeface="+mn-ea"/>
+                        <a:ea typeface="+mn-ea"/>
+                      </a:endParaRPr>
+                    </a:p>
+                  </a:txBody>
+                  <a:tcPr anchor="ctr">
+                    <a:lnL w="12700" cap="flat" cmpd="sng" algn="ctr">
+                      <a:solidFill>
+                        <a:schemeClr val="tx1"/>
+                      </a:solidFill>
+                      <a:prstDash val="solid"/>
+                      <a:round/>
+                      <a:headEnd type="none" w="med" len="med"/>
+                      <a:tailEnd type="none" w="med" len="med"/>
+                    </a:lnL>
+                    <a:lnR w="12700" cap="flat" cmpd="sng" algn="ctr">
+                      <a:solidFill>
+                        <a:schemeClr val="tx1"/>
+                      </a:solidFill>
+                      <a:prstDash val="solid"/>
+                      <a:round/>
+                      <a:headEnd type="none" w="med" len="med"/>
+                      <a:tailEnd type="none" w="med" len="med"/>
+                    </a:lnR>
+                    <a:lnT w="12700" cap="flat" cmpd="sng" algn="ctr">
+                      <a:solidFill>
+                        <a:schemeClr val="tx1"/>
+                      </a:solidFill>
+                      <a:prstDash val="solid"/>
+                      <a:round/>
+                      <a:headEnd type="none" w="med" len="med"/>
+                      <a:tailEnd type="none" w="med" len="med"/>
+                    </a:lnT>
+                    <a:lnB w="12700" cap="flat" cmpd="sng" algn="ctr">
+                      <a:solidFill>
+                        <a:schemeClr val="tx1"/>
+                      </a:solidFill>
+                      <a:prstDash val="solid"/>
+                      <a:round/>
+                      <a:headEnd type="none" w="med" len="med"/>
+                      <a:tailEnd type="none" w="med" len="med"/>
+                    </a:lnB>
+                    <a:lnTlToBr w="12700" cmpd="sng">
+                      <a:noFill/>
+                      <a:prstDash val="solid"/>
+                    </a:lnTlToBr>
+                    <a:lnBlToTr w="12700" cmpd="sng">
+                      <a:noFill/>
+                      <a:prstDash val="solid"/>
+                    </a:lnBlToTr>
+                    <a:solidFill>
+                      <a:schemeClr val="bg1"/>
+                    </a:solidFill>
+                  </a:tcPr>
+                </a:tc>
+                <a:tc hMerge="1">
+                  <a:txBody>
+                    <a:bodyPr/>
+                    <a:lstStyle/>
+                    <a:p>
+                      <a:pPr algn="ctr" latinLnBrk="1">
+                        <a:lnSpc>
+                          <a:spcPts val="1100"/>
+                        </a:lnSpc>
+                      </a:pPr>
+                      <a:endParaRPr lang="ko-KR" altLang="en-US" sz="1050" b="1" dirty="0" smtClean="0">
+                        <a:solidFill>
+                          <a:schemeClr val="tx1"/>
+                        </a:solidFill>
+                        <a:latin typeface="+mn-ea"/>
+                        <a:ea typeface="+mn-ea"/>
+                      </a:endParaRPr>
+                    </a:p>
+                  </a:txBody>
+                  <a:tcPr anchor="ctr">
+                    <a:lnL w="12700" cap="flat" cmpd="sng" algn="ctr">
+                      <a:solidFill>
+                        <a:schemeClr val="tx1"/>
+                      </a:solidFill>
+                      <a:prstDash val="solid"/>
+                      <a:round/>
+                      <a:headEnd type="none" w="med" len="med"/>
+                      <a:tailEnd type="none" w="med" len="med"/>
+                    </a:lnL>
+                    <a:lnR w="12700" cap="flat" cmpd="sng" algn="ctr">
+                      <a:solidFill>
+                        <a:schemeClr val="tx1"/>
+                      </a:solidFill>
+                      <a:prstDash val="solid"/>
+                      <a:round/>
+                      <a:headEnd type="none" w="med" len="med"/>
+                      <a:tailEnd type="none" w="med" len="med"/>
+                    </a:lnR>
+                    <a:lnT w="12700" cap="flat" cmpd="sng" algn="ctr">
+                      <a:solidFill>
+                        <a:schemeClr val="tx1"/>
+                      </a:solidFill>
+                      <a:prstDash val="solid"/>
+                      <a:round/>
+                      <a:headEnd type="none" w="med" len="med"/>
+                      <a:tailEnd type="none" w="med" len="med"/>
+                    </a:lnT>
+                    <a:lnB w="12700" cap="flat" cmpd="sng" algn="ctr">
+                      <a:solidFill>
+                        <a:schemeClr val="tx1"/>
+                      </a:solidFill>
+                      <a:prstDash val="solid"/>
+                      <a:round/>
+                      <a:headEnd type="none" w="med" len="med"/>
+                      <a:tailEnd type="none" w="med" len="med"/>
+                    </a:lnB>
+                    <a:lnTlToBr w="12700" cmpd="sng">
+                      <a:noFill/>
+                      <a:prstDash val="solid"/>
+                    </a:lnTlToBr>
+                    <a:lnBlToTr w="12700" cmpd="sng">
+                      <a:noFill/>
+                      <a:prstDash val="solid"/>
+                    </a:lnBlToTr>
+                    <a:solidFill>
+                      <a:schemeClr val="bg1"/>
+                    </a:solidFill>
+                  </a:tcPr>
+                </a:tc>
+              </a:tr>
+            </a:tbl>
+          </a:graphicData>
+        </a:graphic>
+      </p:graphicFrame>
+      <p:sp>
+        <p:nvSpPr>
+          <p:cNvPr id="7" name="TextBox 6"/>
+          <p:cNvSpPr txBox="1"/>
+          <p:nvPr/>
+        </p:nvSpPr>
+        <p:spPr>
+          <a:xfrm>
+            <a:off x="6396660" y="753800"/>
+            <a:ext cx="2444744" cy="246221"/>
+          </a:xfrm>
+          <a:prstGeom prst="rect">
+            <a:avLst/>
+          </a:prstGeom>
+          <a:noFill/>
+        </p:spPr>
+        <p:txBody>
+          <a:bodyPr wrap="square" rtlCol="0">
+            <a:spAutoFit/>
+          </a:bodyPr>
+          <a:lstStyle/>
+          <a:p>
+            <a:pPr algn="r"/>
+            <a:r>
+              <a:rPr lang="en-US" altLang="ko-KR" sz="1000" b="1" dirty="0" smtClean="0">
+                <a:latin typeface="+mn-ea"/>
+              </a:rPr>
+              <a:t>(</a:t>
+            </a:r>
+            <a:r>
+              <a:rPr lang="ko-KR" altLang="en-US" sz="1000" b="1" dirty="0" smtClean="0">
+                <a:latin typeface="+mn-ea"/>
+              </a:rPr>
+              <a:t>단위</a:t>
+            </a:r>
+            <a:r>
+              <a:rPr lang="en-US" altLang="ko-KR" sz="1000" b="1" dirty="0" smtClean="0">
+                <a:latin typeface="+mn-ea"/>
+              </a:rPr>
+              <a:t>: </a:t>
+            </a:r>
+            <a:r>
+              <a:rPr lang="ko-KR" altLang="en-US" sz="1000" b="1" dirty="0" smtClean="0">
+                <a:latin typeface="+mn-ea"/>
+              </a:rPr>
+              <a:t>원</a:t>
+            </a:r>
+            <a:r>
+              <a:rPr lang="en-US" altLang="ko-KR" sz="1000" b="1" dirty="0" smtClean="0">
+                <a:latin typeface="+mn-ea"/>
+              </a:rPr>
+              <a:t>/</a:t>
+            </a:r>
+            <a:r>
+              <a:rPr lang="ko-KR" altLang="en-US" sz="1000" b="1" dirty="0" err="1" smtClean="0">
+                <a:latin typeface="+mn-ea"/>
+              </a:rPr>
+              <a:t>입주사</a:t>
+            </a:r>
+            <a:r>
+              <a:rPr lang="ko-KR" altLang="en-US" sz="1000" b="1" dirty="0" smtClean="0">
+                <a:latin typeface="+mn-ea"/>
+              </a:rPr>
+              <a:t> 임직원가</a:t>
+            </a:r>
+            <a:r>
+              <a:rPr lang="en-US" altLang="ko-KR" sz="1000" b="1" dirty="0" smtClean="0">
+                <a:latin typeface="+mn-ea"/>
+              </a:rPr>
+              <a:t>)</a:t>
+            </a:r>
+            <a:endParaRPr lang="ko-KR" altLang="en-US" sz="1000" b="1" dirty="0">
+              <a:latin typeface="+mn-ea"/>
+            </a:endParaRPr>
+          </a:p>
+        </p:txBody>
+      </p:sp>
+    </p:spTree>
+    <p:extLst>
+      <p:ext uri="{BB962C8B-B14F-4D97-AF65-F5344CB8AC3E}">
+        <p14:creationId xmlns:p14="http://schemas.microsoft.com/office/powerpoint/2010/main" val="1157816191"/>
+      </p:ext>
+    </p:extLst>
+  </p:cSld>
+  <p:clrMapOvr>
+    <a:masterClrMapping/>
+  </p:clrMapOvr>
+  <p:timing>
+    <p:tnLst>
+      <p:par>
+        <p:cTn id="1" dur="indefinite" restart="never" nodeType="tmRoot"/>
+      </p:par>
+    </p:tnLst>
+  </p:timing>
+</p:sld>
+</file>
+
 <file path=ppt/theme/theme1.xml><?xml version="1.0" encoding="utf-8"?>
 <a:theme xmlns:a="http://schemas.openxmlformats.org/drawingml/2006/main" name="Office 테마">
   <a:themeElements>
@@ -14428,7 +21175,7 @@
   <a:extraClrSchemeLst/>
   <a:extLst>
     <a:ext uri="{05A4C25C-085E-4340-85A3-A5531E510DB2}">
-      <thm15:themeFamily xmlns:thm15="http://schemas.microsoft.com/office/thememl/2012/main" xmlns="" name="Office Theme" id="{62F939B6-93AF-4DB8-9C6B-D6C7DFDC589F}" vid="{4A3C46E8-61CC-4603-A589-7422A47A8E4A}"/>
+      <thm15:themeFamily xmlns="" xmlns:thm15="http://schemas.microsoft.com/office/thememl/2012/main" name="Office Theme" id="{62F939B6-93AF-4DB8-9C6B-D6C7DFDC589F}" vid="{4A3C46E8-61CC-4603-A589-7422A47A8E4A}"/>
     </a:ext>
   </a:extLst>
 </a:theme>
@@ -14689,7 +21436,7 @@
   <a:extraClrSchemeLst/>
   <a:extLst>
     <a:ext uri="{05A4C25C-085E-4340-85A3-A5531E510DB2}">
-      <thm15:themeFamily xmlns:thm15="http://schemas.microsoft.com/office/thememl/2012/main" xmlns="" name="Office Theme" id="{62F939B6-93AF-4DB8-9C6B-D6C7DFDC589F}" vid="{4A3C46E8-61CC-4603-A589-7422A47A8E4A}"/>
+      <thm15:themeFamily xmlns="" xmlns:thm15="http://schemas.microsoft.com/office/thememl/2012/main" name="Office Theme" id="{62F939B6-93AF-4DB8-9C6B-D6C7DFDC589F}" vid="{4A3C46E8-61CC-4603-A589-7422A47A8E4A}"/>
     </a:ext>
   </a:extLst>
 </a:theme>
